--- a/l2_5g.pptx
+++ b/l2_5g.pptx
@@ -5,7 +5,7 @@
     <p:sldMasterId id="2147483674" r:id="rId4"/>
   </p:sldMasterIdLst>
   <p:notesMasterIdLst>
-    <p:notesMasterId r:id="rId24"/>
+    <p:notesMasterId r:id="rId26"/>
   </p:notesMasterIdLst>
   <p:sldIdLst>
     <p:sldId id="256" r:id="rId5"/>
@@ -23,10 +23,12 @@
     <p:sldId id="264" r:id="rId17"/>
     <p:sldId id="266" r:id="rId18"/>
     <p:sldId id="267" r:id="rId19"/>
-    <p:sldId id="274" r:id="rId20"/>
-    <p:sldId id="275" r:id="rId21"/>
-    <p:sldId id="272" r:id="rId22"/>
-    <p:sldId id="276" r:id="rId23"/>
+    <p:sldId id="278" r:id="rId20"/>
+    <p:sldId id="274" r:id="rId21"/>
+    <p:sldId id="275" r:id="rId22"/>
+    <p:sldId id="272" r:id="rId23"/>
+    <p:sldId id="280" r:id="rId24"/>
+    <p:sldId id="276" r:id="rId25"/>
   </p:sldIdLst>
   <p:sldSz cx="12192000" cy="6858000"/>
   <p:notesSz cx="6858000" cy="9144000"/>
@@ -223,7 +225,7 @@
           <a:p>
             <a:fld id="{64366FCE-F0D3-44D4-A9CC-9E8ACD5D955A}" type="datetimeFigureOut">
               <a:rPr lang="en-US" smtClean="0"/>
-              <a:t>1/11/2026</a:t>
+              <a:t>1/15/2026</a:t>
             </a:fld>
             <a:endParaRPr lang="en-US"/>
           </a:p>
@@ -585,6 +587,698 @@
 </p:notes>
 </file>
 
+<file path=ppt/notesSlides/notesSlide10.xml><?xml version="1.0" encoding="utf-8"?>
+<p:notes xmlns:a="http://schemas.openxmlformats.org/drawingml/2006/main" xmlns:r="http://schemas.openxmlformats.org/officeDocument/2006/relationships" xmlns:p="http://schemas.openxmlformats.org/presentationml/2006/main">
+  <p:cSld>
+    <p:spTree>
+      <p:nvGrpSpPr>
+        <p:cNvPr id="1" name=""/>
+        <p:cNvGrpSpPr/>
+        <p:nvPr/>
+      </p:nvGrpSpPr>
+      <p:grpSpPr>
+        <a:xfrm>
+          <a:off x="0" y="0"/>
+          <a:ext cx="0" cy="0"/>
+          <a:chOff x="0" y="0"/>
+          <a:chExt cx="0" cy="0"/>
+        </a:xfrm>
+      </p:grpSpPr>
+      <p:sp>
+        <p:nvSpPr>
+          <p:cNvPr id="2" name="Slide Image Placeholder 1"/>
+          <p:cNvSpPr>
+            <a:spLocks noGrp="1" noRot="1" noChangeAspect="1"/>
+          </p:cNvSpPr>
+          <p:nvPr>
+            <p:ph type="sldImg"/>
+          </p:nvPr>
+        </p:nvSpPr>
+        <p:spPr/>
+      </p:sp>
+      <p:sp>
+        <p:nvSpPr>
+          <p:cNvPr id="3" name="Notes Placeholder 2"/>
+          <p:cNvSpPr>
+            <a:spLocks noGrp="1"/>
+          </p:cNvSpPr>
+          <p:nvPr>
+            <p:ph type="body" idx="1"/>
+          </p:nvPr>
+        </p:nvSpPr>
+        <p:spPr/>
+        <p:txBody>
+          <a:bodyPr/>
+          <a:lstStyle/>
+          <a:p>
+            <a:r>
+              <a:rPr lang="en-US" dirty="0"/>
+              <a:t>5G allows narrowband Internet of thing. These devices are low-power, spread in wide area, generate </a:t>
+            </a:r>
+            <a:r>
+              <a:rPr lang="en-US" b="1" dirty="0"/>
+              <a:t>small and infrequent data packets.</a:t>
+            </a:r>
+            <a:r>
+              <a:rPr lang="en-US" dirty="0"/>
+              <a:t> Devices connect wirelessly to </a:t>
+            </a:r>
+            <a:r>
+              <a:rPr lang="en-US" b="1" dirty="0"/>
+              <a:t>5G base stations</a:t>
+            </a:r>
+            <a:r>
+              <a:rPr lang="en-US" dirty="0"/>
+              <a:t>. In many deployments, the radio is split into </a:t>
+            </a:r>
+            <a:r>
+              <a:rPr lang="en-US" b="1" dirty="0"/>
+              <a:t>remote radio heads (RRH)</a:t>
+            </a:r>
+            <a:r>
+              <a:rPr lang="en-US" dirty="0"/>
+              <a:t> near the antennas and </a:t>
+            </a:r>
+            <a:r>
+              <a:rPr lang="en-US" b="1" dirty="0"/>
+              <a:t>baseband units (BBU)</a:t>
+            </a:r>
+            <a:r>
+              <a:rPr lang="en-US" dirty="0"/>
+              <a:t> that handle signal processing. Massive MIMO antennas allow the base station to communicate with many devices simultaneously by using spatial beams.</a:t>
+            </a:r>
+            <a:br>
+              <a:rPr lang="en-US" dirty="0"/>
+            </a:br>
+            <a:br>
+              <a:rPr lang="en-US" dirty="0"/>
+            </a:br>
+            <a:r>
+              <a:rPr lang="en-US" dirty="0"/>
+              <a:t>Example: environment data, multiple data, needs very high computation resource for large AI model, needs central DC. </a:t>
+            </a:r>
+            <a:r>
+              <a:rPr lang="en-US" dirty="0" err="1"/>
+              <a:t>E.g</a:t>
+            </a:r>
+            <a:r>
+              <a:rPr lang="en-US" dirty="0"/>
+              <a:t>, autonomous driving, plan an auto-driving route, know weather data, know traffic monitoring data, how to plan the route; e.g., Smart Grid – AI-Assisted Fault Detection &amp; Recovery, </a:t>
+            </a:r>
+          </a:p>
+          <a:p>
+            <a:r>
+              <a:rPr lang="en-US" dirty="0"/>
+              <a:t>Electrical substations | power plant with:</a:t>
+            </a:r>
+          </a:p>
+          <a:p>
+            <a:r>
+              <a:rPr lang="en-US" dirty="0"/>
+              <a:t>Voltage/current sensors</a:t>
+            </a:r>
+          </a:p>
+          <a:p>
+            <a:r>
+              <a:rPr lang="en-US" dirty="0"/>
+              <a:t>Smart meters</a:t>
+            </a:r>
+          </a:p>
+          <a:p>
+            <a:r>
+              <a:rPr lang="en-US" dirty="0"/>
+              <a:t>Protection relays</a:t>
+            </a:r>
+          </a:p>
+          <a:p>
+            <a:r>
+              <a:rPr lang="en-US" dirty="0"/>
+              <a:t>Connected via 5G IoT.</a:t>
+            </a:r>
+          </a:p>
+          <a:p>
+            <a:r>
+              <a:rPr lang="en-US" b="1" dirty="0"/>
+              <a:t>Why AI Is Needed</a:t>
+            </a:r>
+          </a:p>
+          <a:p>
+            <a:r>
+              <a:rPr lang="en-US" dirty="0"/>
+              <a:t>Detect anomalies before failures</a:t>
+            </a:r>
+          </a:p>
+          <a:p>
+            <a:r>
+              <a:rPr lang="en-US" dirty="0"/>
+              <a:t>Predict cascading faults</a:t>
+            </a:r>
+          </a:p>
+          <a:p>
+            <a:r>
+              <a:rPr lang="en-US" dirty="0"/>
+              <a:t>Optimize load balancing</a:t>
+            </a:r>
+          </a:p>
+          <a:p>
+            <a:r>
+              <a:rPr lang="en-US" b="1" dirty="0"/>
+              <a:t>Why 5G Is Needed</a:t>
+            </a:r>
+          </a:p>
+          <a:p>
+            <a:r>
+              <a:rPr lang="en-US" dirty="0"/>
+              <a:t>Wide-area coverage</a:t>
+            </a:r>
+          </a:p>
+          <a:p>
+            <a:r>
+              <a:rPr lang="en-US" dirty="0"/>
+              <a:t>High reliability</a:t>
+            </a:r>
+          </a:p>
+          <a:p>
+            <a:r>
+              <a:rPr lang="en-US" dirty="0"/>
+              <a:t>Fast response to grid instability</a:t>
+            </a:r>
+          </a:p>
+          <a:p>
+            <a:r>
+              <a:rPr lang="en-US" b="1" dirty="0"/>
+              <a:t>Where AI Runs</a:t>
+            </a:r>
+          </a:p>
+          <a:p>
+            <a:r>
+              <a:rPr lang="en-US" dirty="0"/>
+              <a:t>Edge DC near substations for:</a:t>
+            </a:r>
+          </a:p>
+          <a:p>
+            <a:r>
+              <a:rPr lang="en-US" dirty="0"/>
+              <a:t>Fault detection (&lt;10 </a:t>
+            </a:r>
+            <a:r>
+              <a:rPr lang="en-US" dirty="0" err="1"/>
+              <a:t>ms</a:t>
+            </a:r>
+            <a:r>
+              <a:rPr lang="en-US" dirty="0"/>
+              <a:t>)</a:t>
+            </a:r>
+          </a:p>
+          <a:p>
+            <a:r>
+              <a:rPr lang="en-US" dirty="0"/>
+              <a:t>Central cloud for:</a:t>
+            </a:r>
+          </a:p>
+          <a:p>
+            <a:r>
+              <a:rPr lang="en-US" dirty="0"/>
+              <a:t>Grid-wide optimization</a:t>
+            </a:r>
+          </a:p>
+          <a:p>
+            <a:r>
+              <a:rPr lang="en-US" dirty="0"/>
+              <a:t>Prevents blackouts through </a:t>
+            </a:r>
+            <a:r>
+              <a:rPr lang="en-US" b="1" dirty="0"/>
+              <a:t>predictive intelligence</a:t>
+            </a:r>
+            <a:endParaRPr lang="en-US" dirty="0"/>
+          </a:p>
+          <a:p>
+            <a:endParaRPr lang="en-US" dirty="0"/>
+          </a:p>
+          <a:p>
+            <a:endParaRPr lang="en-US" dirty="0"/>
+          </a:p>
+        </p:txBody>
+      </p:sp>
+      <p:sp>
+        <p:nvSpPr>
+          <p:cNvPr id="4" name="Slide Number Placeholder 3"/>
+          <p:cNvSpPr>
+            <a:spLocks noGrp="1"/>
+          </p:cNvSpPr>
+          <p:nvPr>
+            <p:ph type="sldNum" sz="quarter" idx="5"/>
+          </p:nvPr>
+        </p:nvSpPr>
+        <p:spPr/>
+        <p:txBody>
+          <a:bodyPr/>
+          <a:lstStyle/>
+          <a:p>
+            <a:fld id="{384380E5-BD64-49AF-B3B7-0773EFBB9E34}" type="slidenum">
+              <a:rPr lang="en-US" smtClean="0"/>
+              <a:t>19</a:t>
+            </a:fld>
+            <a:endParaRPr lang="en-US"/>
+          </a:p>
+        </p:txBody>
+      </p:sp>
+    </p:spTree>
+    <p:extLst>
+      <p:ext uri="{BB962C8B-B14F-4D97-AF65-F5344CB8AC3E}">
+        <p14:creationId xmlns:p14="http://schemas.microsoft.com/office/powerpoint/2010/main" val="3895256367"/>
+      </p:ext>
+    </p:extLst>
+  </p:cSld>
+  <p:clrMapOvr>
+    <a:masterClrMapping/>
+  </p:clrMapOvr>
+</p:notes>
+</file>
+
+<file path=ppt/notesSlides/notesSlide11.xml><?xml version="1.0" encoding="utf-8"?>
+<p:notes xmlns:a="http://schemas.openxmlformats.org/drawingml/2006/main" xmlns:r="http://schemas.openxmlformats.org/officeDocument/2006/relationships" xmlns:p="http://schemas.openxmlformats.org/presentationml/2006/main">
+  <p:cSld>
+    <p:spTree>
+      <p:nvGrpSpPr>
+        <p:cNvPr id="1" name="">
+          <a:extLst>
+            <a:ext uri="{FF2B5EF4-FFF2-40B4-BE49-F238E27FC236}">
+              <a16:creationId xmlns:a16="http://schemas.microsoft.com/office/drawing/2014/main" id="{414AAA11-2A03-A64A-B576-F8F01568E995}"/>
+            </a:ext>
+          </a:extLst>
+        </p:cNvPr>
+        <p:cNvGrpSpPr/>
+        <p:nvPr/>
+      </p:nvGrpSpPr>
+      <p:grpSpPr>
+        <a:xfrm>
+          <a:off x="0" y="0"/>
+          <a:ext cx="0" cy="0"/>
+          <a:chOff x="0" y="0"/>
+          <a:chExt cx="0" cy="0"/>
+        </a:xfrm>
+      </p:grpSpPr>
+      <p:sp>
+        <p:nvSpPr>
+          <p:cNvPr id="2" name="Slide Image Placeholder 1">
+            <a:extLst>
+              <a:ext uri="{FF2B5EF4-FFF2-40B4-BE49-F238E27FC236}">
+                <a16:creationId xmlns:a16="http://schemas.microsoft.com/office/drawing/2014/main" id="{AB1EDDA1-A6CC-8A3C-8AD9-6C3056286BF9}"/>
+              </a:ext>
+            </a:extLst>
+          </p:cNvPr>
+          <p:cNvSpPr>
+            <a:spLocks noGrp="1" noRot="1" noChangeAspect="1"/>
+          </p:cNvSpPr>
+          <p:nvPr>
+            <p:ph type="sldImg"/>
+          </p:nvPr>
+        </p:nvSpPr>
+        <p:spPr/>
+      </p:sp>
+      <p:sp>
+        <p:nvSpPr>
+          <p:cNvPr id="3" name="Notes Placeholder 2">
+            <a:extLst>
+              <a:ext uri="{FF2B5EF4-FFF2-40B4-BE49-F238E27FC236}">
+                <a16:creationId xmlns:a16="http://schemas.microsoft.com/office/drawing/2014/main" id="{D0EB7CF3-6738-DDD4-ED6C-49EBB1E71D6D}"/>
+              </a:ext>
+            </a:extLst>
+          </p:cNvPr>
+          <p:cNvSpPr>
+            <a:spLocks noGrp="1"/>
+          </p:cNvSpPr>
+          <p:nvPr>
+            <p:ph type="body" idx="1"/>
+          </p:nvPr>
+        </p:nvSpPr>
+        <p:spPr/>
+        <p:txBody>
+          <a:bodyPr/>
+          <a:lstStyle/>
+          <a:p>
+            <a:r>
+              <a:rPr lang="en-US" altLang="zh-CN" sz="1200" dirty="0"/>
+              <a:t>O-RAN, multi-vendors…, open source</a:t>
+            </a:r>
+          </a:p>
+          <a:p>
+            <a:r>
+              <a:rPr lang="en-US" sz="1200" b="1" dirty="0"/>
+              <a:t>Radio Access Network (RAN) </a:t>
+            </a:r>
+            <a:r>
+              <a:rPr lang="en-US" sz="1200" dirty="0"/>
+              <a:t>is the wireless part of a cellular network, connecting user devices (phones, tablets) to the core network via radio waves, using antennas and base stations to translate signals, enabling services like calls, texts, and data. Open-RAN means that this wireless part has devices such as base station, antennas, </a:t>
+            </a:r>
+            <a:r>
+              <a:rPr lang="en-US" altLang="zh-CN" sz="1200" dirty="0"/>
+              <a:t>baseband unit, and multiple vendors have different closed source devices and protocols and firmware, but with ORAN these can be made open source so that different devices can be integrated more freely, useful for setting up private ORAN network, </a:t>
+            </a:r>
+            <a:r>
+              <a:rPr lang="en-US" altLang="zh-CN" sz="1200" dirty="0" err="1"/>
+              <a:t>e,g</a:t>
+            </a:r>
+            <a:r>
+              <a:rPr lang="en-US" altLang="zh-CN" sz="1200" dirty="0"/>
+              <a:t>, in rural area, people in a community can set up such a network for things like ranch monitoring using cameras, inter-house communication etc.</a:t>
+            </a:r>
+            <a:endParaRPr lang="en-US" sz="1200" b="1" i="0" kern="1200" dirty="0">
+              <a:solidFill>
+                <a:schemeClr val="tx1"/>
+              </a:solidFill>
+              <a:effectLst/>
+              <a:latin typeface="+mn-lt"/>
+              <a:ea typeface="+mn-ea"/>
+              <a:cs typeface="+mn-cs"/>
+            </a:endParaRPr>
+          </a:p>
+          <a:p>
+            <a:r>
+              <a:rPr lang="en-US" sz="1200" b="1" i="0" kern="1200" dirty="0">
+                <a:solidFill>
+                  <a:schemeClr val="tx1"/>
+                </a:solidFill>
+                <a:effectLst/>
+                <a:latin typeface="+mn-lt"/>
+                <a:ea typeface="+mn-ea"/>
+                <a:cs typeface="+mn-cs"/>
+              </a:rPr>
+              <a:t>RAN Intelligent Controller (RIC)</a:t>
+            </a:r>
+            <a:r>
+              <a:rPr lang="en-US" sz="1200" b="0" i="0" kern="1200" dirty="0">
+                <a:solidFill>
+                  <a:schemeClr val="tx1"/>
+                </a:solidFill>
+                <a:effectLst/>
+                <a:latin typeface="+mn-lt"/>
+                <a:ea typeface="+mn-ea"/>
+                <a:cs typeface="+mn-cs"/>
+              </a:rPr>
+              <a:t> is a key software component in </a:t>
+            </a:r>
+            <a:r>
+              <a:rPr lang="en-US" sz="1200" b="1" i="0" kern="1200" dirty="0">
+                <a:solidFill>
+                  <a:schemeClr val="tx1"/>
+                </a:solidFill>
+                <a:effectLst/>
+                <a:latin typeface="+mn-lt"/>
+                <a:ea typeface="+mn-ea"/>
+                <a:cs typeface="+mn-cs"/>
+                <a:hlinkClick r:id="rId3"/>
+              </a:rPr>
+              <a:t>Open RAN architecture (O-RAN)</a:t>
+            </a:r>
+            <a:r>
+              <a:rPr lang="en-US" sz="1200" b="0" i="0" kern="1200" dirty="0">
+                <a:solidFill>
+                  <a:schemeClr val="tx1"/>
+                </a:solidFill>
+                <a:effectLst/>
+                <a:latin typeface="+mn-lt"/>
+                <a:ea typeface="+mn-ea"/>
+                <a:cs typeface="+mn-cs"/>
+              </a:rPr>
+              <a:t> that centralizes and automates the control and optimization of the Radio Access Network (RAN) using AI/ML. It decouples RAN functions, allowing third-party applications (</a:t>
+            </a:r>
+            <a:r>
+              <a:rPr lang="en-US" sz="1200" b="0" i="0" kern="1200" dirty="0" err="1">
+                <a:solidFill>
+                  <a:schemeClr val="tx1"/>
+                </a:solidFill>
+                <a:effectLst/>
+                <a:latin typeface="+mn-lt"/>
+                <a:ea typeface="+mn-ea"/>
+                <a:cs typeface="+mn-cs"/>
+              </a:rPr>
+              <a:t>xApps</a:t>
+            </a:r>
+            <a:r>
+              <a:rPr lang="en-US" sz="1200" b="0" i="0" kern="1200" dirty="0">
+                <a:solidFill>
+                  <a:schemeClr val="tx1"/>
+                </a:solidFill>
+                <a:effectLst/>
+                <a:latin typeface="+mn-lt"/>
+                <a:ea typeface="+mn-ea"/>
+                <a:cs typeface="+mn-cs"/>
+              </a:rPr>
+              <a:t>/</a:t>
+            </a:r>
+            <a:r>
+              <a:rPr lang="en-US" sz="1200" b="0" i="0" kern="1200" dirty="0" err="1">
+                <a:solidFill>
+                  <a:schemeClr val="tx1"/>
+                </a:solidFill>
+                <a:effectLst/>
+                <a:latin typeface="+mn-lt"/>
+                <a:ea typeface="+mn-ea"/>
+                <a:cs typeface="+mn-cs"/>
+              </a:rPr>
+              <a:t>rApps</a:t>
+            </a:r>
+            <a:r>
+              <a:rPr lang="en-US" sz="1200" b="0" i="0" kern="1200" dirty="0">
+                <a:solidFill>
+                  <a:schemeClr val="tx1"/>
+                </a:solidFill>
+                <a:effectLst/>
+                <a:latin typeface="+mn-lt"/>
+                <a:ea typeface="+mn-ea"/>
+                <a:cs typeface="+mn-cs"/>
+              </a:rPr>
+              <a:t>) to run on it, enabling flexible resource management, network slicing, improved performance, and new services with better Quality of Experience (</a:t>
+            </a:r>
+            <a:r>
+              <a:rPr lang="en-US" sz="1200" b="0" i="0" kern="1200" dirty="0" err="1">
+                <a:solidFill>
+                  <a:schemeClr val="tx1"/>
+                </a:solidFill>
+                <a:effectLst/>
+                <a:latin typeface="+mn-lt"/>
+                <a:ea typeface="+mn-ea"/>
+                <a:cs typeface="+mn-cs"/>
+              </a:rPr>
+              <a:t>QoE</a:t>
+            </a:r>
+            <a:r>
+              <a:rPr lang="en-US" sz="1200" b="0" i="0" kern="1200" dirty="0">
+                <a:solidFill>
+                  <a:schemeClr val="tx1"/>
+                </a:solidFill>
+                <a:effectLst/>
+                <a:latin typeface="+mn-lt"/>
+                <a:ea typeface="+mn-ea"/>
+                <a:cs typeface="+mn-cs"/>
+              </a:rPr>
+              <a:t>) for users</a:t>
+            </a:r>
+            <a:br>
+              <a:rPr lang="en-US" dirty="0"/>
+            </a:br>
+            <a:r>
+              <a:rPr lang="en-US" dirty="0"/>
+              <a:t>mobility: Connection needs to be maintained even when the user equipment moves across cells</a:t>
+            </a:r>
+            <a:br>
+              <a:rPr lang="en-US" dirty="0"/>
+            </a:br>
+            <a:br>
+              <a:rPr lang="en-US" dirty="0"/>
+            </a:br>
+            <a:r>
+              <a:rPr lang="en-US" sz="1200" b="0" i="0" kern="1200" dirty="0">
+                <a:solidFill>
+                  <a:schemeClr val="tx1"/>
+                </a:solidFill>
+                <a:effectLst/>
+                <a:latin typeface="+mn-lt"/>
+                <a:ea typeface="+mn-ea"/>
+                <a:cs typeface="+mn-cs"/>
+              </a:rPr>
+              <a:t>RRC (Radio Resource Control)</a:t>
+            </a:r>
+            <a:br>
+              <a:rPr lang="en-US" sz="1200" b="0" i="0" kern="1200" dirty="0">
+                <a:solidFill>
+                  <a:schemeClr val="tx1"/>
+                </a:solidFill>
+                <a:effectLst/>
+                <a:latin typeface="+mn-lt"/>
+                <a:ea typeface="+mn-ea"/>
+                <a:cs typeface="+mn-cs"/>
+              </a:rPr>
+            </a:br>
+            <a:r>
+              <a:rPr lang="en-US" sz="1200" b="0" i="0" kern="1200" dirty="0">
+                <a:solidFill>
+                  <a:schemeClr val="tx1"/>
+                </a:solidFill>
+                <a:effectLst/>
+                <a:latin typeface="+mn-lt"/>
+                <a:ea typeface="+mn-ea"/>
+                <a:cs typeface="+mn-cs"/>
+              </a:rPr>
+              <a:t>PDCP ( Packet Data Convergence Protocol)</a:t>
+            </a:r>
+            <a:endParaRPr lang="en-US" dirty="0"/>
+          </a:p>
+        </p:txBody>
+      </p:sp>
+      <p:sp>
+        <p:nvSpPr>
+          <p:cNvPr id="4" name="Slide Number Placeholder 3">
+            <a:extLst>
+              <a:ext uri="{FF2B5EF4-FFF2-40B4-BE49-F238E27FC236}">
+                <a16:creationId xmlns:a16="http://schemas.microsoft.com/office/drawing/2014/main" id="{71FC3720-46EA-A4C6-E7FB-3DED9BC764D9}"/>
+              </a:ext>
+            </a:extLst>
+          </p:cNvPr>
+          <p:cNvSpPr>
+            <a:spLocks noGrp="1"/>
+          </p:cNvSpPr>
+          <p:nvPr>
+            <p:ph type="sldNum" sz="quarter" idx="5"/>
+          </p:nvPr>
+        </p:nvSpPr>
+        <p:spPr/>
+        <p:txBody>
+          <a:bodyPr/>
+          <a:lstStyle/>
+          <a:p>
+            <a:fld id="{384380E5-BD64-49AF-B3B7-0773EFBB9E34}" type="slidenum">
+              <a:rPr lang="en-US" smtClean="0"/>
+              <a:t>20</a:t>
+            </a:fld>
+            <a:endParaRPr lang="en-US"/>
+          </a:p>
+        </p:txBody>
+      </p:sp>
+    </p:spTree>
+    <p:extLst>
+      <p:ext uri="{BB962C8B-B14F-4D97-AF65-F5344CB8AC3E}">
+        <p14:creationId xmlns:p14="http://schemas.microsoft.com/office/powerpoint/2010/main" val="1997400969"/>
+      </p:ext>
+    </p:extLst>
+  </p:cSld>
+  <p:clrMapOvr>
+    <a:masterClrMapping/>
+  </p:clrMapOvr>
+</p:notes>
+</file>
+
+<file path=ppt/notesSlides/notesSlide12.xml><?xml version="1.0" encoding="utf-8"?>
+<p:notes xmlns:a="http://schemas.openxmlformats.org/drawingml/2006/main" xmlns:r="http://schemas.openxmlformats.org/officeDocument/2006/relationships" xmlns:p="http://schemas.openxmlformats.org/presentationml/2006/main">
+  <p:cSld>
+    <p:spTree>
+      <p:nvGrpSpPr>
+        <p:cNvPr id="1" name=""/>
+        <p:cNvGrpSpPr/>
+        <p:nvPr/>
+      </p:nvGrpSpPr>
+      <p:grpSpPr>
+        <a:xfrm>
+          <a:off x="0" y="0"/>
+          <a:ext cx="0" cy="0"/>
+          <a:chOff x="0" y="0"/>
+          <a:chExt cx="0" cy="0"/>
+        </a:xfrm>
+      </p:grpSpPr>
+      <p:sp>
+        <p:nvSpPr>
+          <p:cNvPr id="2" name="Slide Image Placeholder 1"/>
+          <p:cNvSpPr>
+            <a:spLocks noGrp="1" noRot="1" noChangeAspect="1"/>
+          </p:cNvSpPr>
+          <p:nvPr>
+            <p:ph type="sldImg"/>
+          </p:nvPr>
+        </p:nvSpPr>
+        <p:spPr/>
+      </p:sp>
+      <p:sp>
+        <p:nvSpPr>
+          <p:cNvPr id="3" name="Notes Placeholder 2"/>
+          <p:cNvSpPr>
+            <a:spLocks noGrp="1"/>
+          </p:cNvSpPr>
+          <p:nvPr>
+            <p:ph type="body" idx="1"/>
+          </p:nvPr>
+        </p:nvSpPr>
+        <p:spPr/>
+        <p:txBody>
+          <a:bodyPr/>
+          <a:lstStyle/>
+          <a:p>
+            <a:r>
+              <a:rPr lang="en-US" dirty="0"/>
+              <a:t>1. Can edge data  Center </a:t>
+            </a:r>
+            <a:r>
+              <a:rPr lang="en-US" dirty="0" err="1"/>
+              <a:t>process,Phone</a:t>
+            </a:r>
+            <a:r>
+              <a:rPr lang="en-US" dirty="0"/>
+              <a:t> call/zoom, Internet browse, IOT? Yes.</a:t>
+            </a:r>
+          </a:p>
+          <a:p>
+            <a:r>
+              <a:rPr lang="en-US" dirty="0"/>
+              <a:t>2. How can a cellphone join a network (finding which cell it is in)? A cellphone joins a network by scanning for nearby cells, synchronizing to a base station’s broadcast signals, and then performing a signaling procedure to register with the core network. </a:t>
+            </a:r>
+            <a:r>
+              <a:rPr lang="en-US" b="1" dirty="0"/>
+              <a:t>A UE selects the best cell by measuring broadcast signals from nearby cells and choosing the one that meets access requirements and provides the best signal quality according to standardized criteria.</a:t>
+            </a:r>
+          </a:p>
+          <a:p>
+            <a:endParaRPr lang="en-US" dirty="0"/>
+          </a:p>
+        </p:txBody>
+      </p:sp>
+      <p:sp>
+        <p:nvSpPr>
+          <p:cNvPr id="4" name="Slide Number Placeholder 3"/>
+          <p:cNvSpPr>
+            <a:spLocks noGrp="1"/>
+          </p:cNvSpPr>
+          <p:nvPr>
+            <p:ph type="sldNum" sz="quarter" idx="5"/>
+          </p:nvPr>
+        </p:nvSpPr>
+        <p:spPr/>
+        <p:txBody>
+          <a:bodyPr/>
+          <a:lstStyle/>
+          <a:p>
+            <a:fld id="{384380E5-BD64-49AF-B3B7-0773EFBB9E34}" type="slidenum">
+              <a:rPr lang="en-US" smtClean="0"/>
+              <a:t>21</a:t>
+            </a:fld>
+            <a:endParaRPr lang="en-US"/>
+          </a:p>
+        </p:txBody>
+      </p:sp>
+    </p:spTree>
+    <p:extLst>
+      <p:ext uri="{BB962C8B-B14F-4D97-AF65-F5344CB8AC3E}">
+        <p14:creationId xmlns:p14="http://schemas.microsoft.com/office/powerpoint/2010/main" val="3846793759"/>
+      </p:ext>
+    </p:extLst>
+  </p:cSld>
+  <p:clrMapOvr>
+    <a:masterClrMapping/>
+  </p:clrMapOvr>
+</p:notes>
+</file>
+
 <file path=ppt/notesSlides/notesSlide2.xml><?xml version="1.0" encoding="utf-8"?>
 <p:notes xmlns:a="http://schemas.openxmlformats.org/drawingml/2006/main" xmlns:r="http://schemas.openxmlformats.org/officeDocument/2006/relationships" xmlns:p="http://schemas.openxmlformats.org/presentationml/2006/main">
   <p:cSld>
@@ -638,21 +1332,8 @@
             </a:br>
             <a:r>
               <a:rPr lang="en-US" dirty="0"/>
-              <a:t>more than 100 elements; can form many beams for many UEs, compared </a:t>
-            </a:r>
-            <a:r>
-              <a:rPr lang="en-US"/>
-              <a:t>to 4G, </a:t>
-            </a:r>
-            <a:r>
-              <a:rPr lang="en-US" dirty="0"/>
-              <a:t>if the user gets more, the beam </a:t>
-            </a:r>
-            <a:r>
-              <a:rPr lang="en-US"/>
-              <a:t>will deer</a:t>
-            </a:r>
-            <a:endParaRPr lang="en-US" dirty="0"/>
+              <a:t>more than 100 elements; can form many beams for many UEs, compared to 4G, if the user gets more, the beam will deer</a:t>
+            </a:r>
           </a:p>
         </p:txBody>
       </p:sp>
@@ -759,29 +1440,8 @@
                 <a:ea typeface="+mn-ea"/>
                 <a:cs typeface="+mn-cs"/>
               </a:rPr>
-              <a:t> NAS(Non-access </a:t>
-            </a:r>
-            <a:r>
-              <a:rPr lang="en-US" sz="1200" b="1" i="0" kern="1200">
-                <a:solidFill>
-                  <a:schemeClr val="tx1"/>
-                </a:solidFill>
-                <a:effectLst/>
-                <a:latin typeface="+mn-lt"/>
-                <a:ea typeface="+mn-ea"/>
-                <a:cs typeface="+mn-cs"/>
-              </a:rPr>
-              <a:t>stratum)</a:t>
-            </a:r>
-            <a:endParaRPr lang="en-US" sz="1200" b="1" i="0" kern="1200" dirty="0">
-              <a:solidFill>
-                <a:schemeClr val="tx1"/>
-              </a:solidFill>
-              <a:effectLst/>
-              <a:latin typeface="+mn-lt"/>
-              <a:ea typeface="+mn-ea"/>
-              <a:cs typeface="+mn-cs"/>
-            </a:endParaRPr>
+              <a:t> NAS(Non-access stratum)</a:t>
+            </a:r>
           </a:p>
           <a:p>
             <a:r>
@@ -1346,48 +2006,113 @@
           <a:p>
             <a:r>
               <a:rPr lang="en-US" dirty="0"/>
-              <a:t>In 5G standalone (SA), voice calls use </a:t>
-            </a:r>
-            <a:r>
-              <a:rPr lang="en-US" b="1" dirty="0" err="1"/>
-              <a:t>VoNR</a:t>
-            </a:r>
-            <a:r>
-              <a:rPr lang="en-US" dirty="0"/>
-              <a:t>, meaning the phone call is entirely carried as </a:t>
-            </a:r>
+              <a:t>Signaling is control-plane communication used to establish, manage, and maintain network connections and services.</a:t>
+            </a:r>
+          </a:p>
+          <a:p>
             <a:r>
               <a:rPr lang="en-US" b="1" dirty="0"/>
-              <a:t>IP traffic over 5G NR</a:t>
-            </a:r>
-            <a:r>
-              <a:rPr lang="en-US" dirty="0"/>
-              <a:t> and is controlled by the </a:t>
-            </a:r>
+              <a:t>What Signaling Does (Key Roles)</a:t>
+            </a:r>
+          </a:p>
+          <a:p>
             <a:r>
               <a:rPr lang="en-US" b="1" dirty="0"/>
-              <a:t>IMS core</a:t>
-            </a:r>
-            <a:r>
-              <a:rPr lang="en-US" dirty="0"/>
-              <a:t>. The device first registers with the 5GC, then establishes a QoS-guaranteed PDU (</a:t>
-            </a:r>
-            <a:r>
-              <a:rPr lang="en-US" sz="1200" b="0" i="0" kern="1200" dirty="0">
-                <a:solidFill>
-                  <a:schemeClr val="tx1"/>
-                </a:solidFill>
-                <a:effectLst/>
-                <a:latin typeface="+mn-lt"/>
-                <a:ea typeface="+mn-ea"/>
-                <a:cs typeface="+mn-cs"/>
-              </a:rPr>
-              <a:t>Protocol Data Unit) </a:t>
-            </a:r>
-            <a:r>
-              <a:rPr lang="en-US" dirty="0"/>
-              <a:t>session for the voice call, and finally the media (voice packets) flows peer-to-peer using the dedicated bearer. </a:t>
-            </a:r>
+              <a:t>Connection Setup</a:t>
+            </a:r>
+          </a:p>
+          <a:p>
+            <a:r>
+              <a:rPr lang="en-US" dirty="0"/>
+              <a:t>Network access &amp; registration</a:t>
+            </a:r>
+          </a:p>
+          <a:p>
+            <a:r>
+              <a:rPr lang="en-US" dirty="0"/>
+              <a:t>Session establishment</a:t>
+            </a:r>
+          </a:p>
+          <a:p>
+            <a:r>
+              <a:rPr lang="en-US" dirty="0"/>
+              <a:t>IP address assignment</a:t>
+            </a:r>
+          </a:p>
+          <a:p>
+            <a:r>
+              <a:rPr lang="en-US" b="1" dirty="0"/>
+              <a:t>Authentication &amp; Security</a:t>
+            </a:r>
+          </a:p>
+          <a:p>
+            <a:r>
+              <a:rPr lang="en-US" dirty="0"/>
+              <a:t>Verify device and subscriber identity</a:t>
+            </a:r>
+          </a:p>
+          <a:p>
+            <a:r>
+              <a:rPr lang="en-US" dirty="0"/>
+              <a:t>Set up encryption and integrity protection</a:t>
+            </a:r>
+          </a:p>
+          <a:p>
+            <a:r>
+              <a:rPr lang="en-US" b="1" dirty="0"/>
+              <a:t>Mobility Management</a:t>
+            </a:r>
+          </a:p>
+          <a:p>
+            <a:r>
+              <a:rPr lang="en-US" dirty="0"/>
+              <a:t>Handle handovers as users move</a:t>
+            </a:r>
+          </a:p>
+          <a:p>
+            <a:r>
+              <a:rPr lang="en-US" dirty="0"/>
+              <a:t>Paging and tracking</a:t>
+            </a:r>
+          </a:p>
+          <a:p>
+            <a:r>
+              <a:rPr lang="en-US" b="1" dirty="0"/>
+              <a:t>Resource &amp; QoS Control</a:t>
+            </a:r>
+          </a:p>
+          <a:p>
+            <a:r>
+              <a:rPr lang="en-US" dirty="0"/>
+              <a:t>Decide how much bandwidth to allocate</a:t>
+            </a:r>
+          </a:p>
+          <a:p>
+            <a:r>
+              <a:rPr lang="en-US" dirty="0"/>
+              <a:t>Set latency and priority rules</a:t>
+            </a:r>
+          </a:p>
+          <a:p>
+            <a:r>
+              <a:rPr lang="en-US" b="1" dirty="0"/>
+              <a:t>Session Control</a:t>
+            </a:r>
+          </a:p>
+          <a:p>
+            <a:r>
+              <a:rPr lang="en-US" dirty="0"/>
+              <a:t>Start, modify, and end services</a:t>
+            </a:r>
+          </a:p>
+          <a:p>
+            <a:r>
+              <a:rPr lang="en-US" dirty="0"/>
+              <a:t>Voice/video call setup and teardown</a:t>
+            </a:r>
+          </a:p>
+          <a:p>
+            <a:endParaRPr lang="en-US" dirty="0"/>
           </a:p>
         </p:txBody>
       </p:sp>
@@ -1408,7 +2133,7 @@
           <a:p>
             <a:fld id="{384380E5-BD64-49AF-B3B7-0773EFBB9E34}" type="slidenum">
               <a:rPr lang="en-US" smtClean="0"/>
-              <a:t>16</a:t>
+              <a:t>9</a:t>
             </a:fld>
             <a:endParaRPr lang="en-US"/>
           </a:p>
@@ -1417,7 +2142,7 @@
     </p:spTree>
     <p:extLst>
       <p:ext uri="{BB962C8B-B14F-4D97-AF65-F5344CB8AC3E}">
-        <p14:creationId xmlns:p14="http://schemas.microsoft.com/office/powerpoint/2010/main" val="664468555"/>
+        <p14:creationId xmlns:p14="http://schemas.microsoft.com/office/powerpoint/2010/main" val="1960279070"/>
       </p:ext>
     </p:extLst>
   </p:cSld>
@@ -1473,102 +2198,8 @@
           <a:p>
             <a:r>
               <a:rPr lang="en-US" dirty="0"/>
-              <a:t>When you browse the internet on 5G, your phone sends IP packets over the 5G radio to a base station, which forwards them through the 5G Core to the internet, and the responses return the same way.</a:t>
-            </a:r>
-          </a:p>
-          <a:p>
-            <a:r>
-              <a:rPr lang="en-US" dirty="0"/>
-              <a:t>1. Your phone (UE) sends data over </a:t>
-            </a:r>
-            <a:r>
-              <a:rPr lang="en-US" b="1" dirty="0"/>
-              <a:t>5G to </a:t>
-            </a:r>
-            <a:r>
-              <a:rPr lang="en-US" b="1" dirty="0" err="1"/>
-              <a:t>gnB</a:t>
-            </a:r>
-            <a:r>
-              <a:rPr lang="en-US" b="1" dirty="0"/>
-              <a:t>. </a:t>
-            </a:r>
-            <a:r>
-              <a:rPr lang="en-US" b="0" dirty="0"/>
-              <a:t>2. </a:t>
-            </a:r>
-            <a:r>
-              <a:rPr lang="en-US" dirty="0"/>
-              <a:t>Phone already has a </a:t>
-            </a:r>
-            <a:r>
-              <a:rPr lang="en-US" b="1" dirty="0"/>
-              <a:t>PDU (</a:t>
-            </a:r>
-            <a:r>
-              <a:rPr lang="en-US" sz="1200" b="0" i="0" kern="1200" dirty="0">
-                <a:solidFill>
-                  <a:schemeClr val="tx1"/>
-                </a:solidFill>
-                <a:effectLst/>
-                <a:latin typeface="+mn-lt"/>
-                <a:ea typeface="+mn-ea"/>
-                <a:cs typeface="+mn-cs"/>
-              </a:rPr>
-              <a:t>Protocol Data Unit)</a:t>
-            </a:r>
-            <a:r>
-              <a:rPr lang="en-US" b="1" dirty="0"/>
-              <a:t> session. </a:t>
-            </a:r>
-            <a:r>
-              <a:rPr lang="en-US" dirty="0"/>
-              <a:t>The session assigns: An IP address and QoS parameters, is managed by the </a:t>
-            </a:r>
-            <a:r>
-              <a:rPr lang="en-US" b="1" dirty="0"/>
-              <a:t>5G Core (AMF/SMF). </a:t>
-            </a:r>
-            <a:r>
-              <a:rPr lang="en-US" dirty="0"/>
-              <a:t>This usually happens in the background and is already done before browsing. 3. User Plane Forwarding (</a:t>
-            </a:r>
-            <a:r>
-              <a:rPr lang="en-US" dirty="0" err="1"/>
-              <a:t>gNB</a:t>
-            </a:r>
-            <a:r>
-              <a:rPr lang="en-US" dirty="0"/>
-              <a:t> → UPF). UPF acts like a </a:t>
-            </a:r>
-            <a:r>
-              <a:rPr lang="en-US" b="1" dirty="0"/>
-              <a:t>router, a</a:t>
-            </a:r>
-            <a:r>
-              <a:rPr lang="en-US" dirty="0"/>
-              <a:t>pplies QoS and traffic rules. 4. UPF forwards packets to: ISP backbone- Internet routers- Web server. Website Response (Reverse Path). If with edge server, Some content served from </a:t>
-            </a:r>
-            <a:r>
-              <a:rPr lang="en-US" b="1" dirty="0"/>
-              <a:t>edge caches, </a:t>
-            </a:r>
-            <a:r>
-              <a:rPr lang="en-US" dirty="0"/>
-              <a:t>Even faster load times</a:t>
-            </a:r>
-          </a:p>
-          <a:p>
-            <a:endParaRPr lang="en-US" dirty="0"/>
-          </a:p>
-          <a:p>
-            <a:endParaRPr lang="en-US" dirty="0"/>
-          </a:p>
-          <a:p>
-            <a:endParaRPr lang="en-US" dirty="0"/>
-          </a:p>
-          <a:p>
-            <a:endParaRPr lang="en-US" b="0" dirty="0"/>
+              <a:t>Cell best SINR, support frequency band, support phone’s mobile service provider</a:t>
+            </a:r>
           </a:p>
         </p:txBody>
       </p:sp>
@@ -1589,7 +2220,7 @@
           <a:p>
             <a:fld id="{384380E5-BD64-49AF-B3B7-0773EFBB9E34}" type="slidenum">
               <a:rPr lang="en-US" smtClean="0"/>
-              <a:t>17</a:t>
+              <a:t>10</a:t>
             </a:fld>
             <a:endParaRPr lang="en-US"/>
           </a:p>
@@ -1598,7 +2229,7 @@
     </p:spTree>
     <p:extLst>
       <p:ext uri="{BB962C8B-B14F-4D97-AF65-F5344CB8AC3E}">
-        <p14:creationId xmlns:p14="http://schemas.microsoft.com/office/powerpoint/2010/main" val="3001971406"/>
+        <p14:creationId xmlns:p14="http://schemas.microsoft.com/office/powerpoint/2010/main" val="1067795151"/>
       </p:ext>
     </p:extLst>
   </p:cSld>
@@ -1654,53 +2285,48 @@
           <a:p>
             <a:r>
               <a:rPr lang="en-US" dirty="0"/>
-              <a:t>5G allows narrowband Internet of thing. These devices are low-power, spread in wide area, generate </a:t>
+              <a:t>In 5G standalone (SA), voice calls use </a:t>
+            </a:r>
+            <a:r>
+              <a:rPr lang="en-US" b="1" dirty="0" err="1"/>
+              <a:t>VoNR</a:t>
+            </a:r>
+            <a:r>
+              <a:rPr lang="en-US" dirty="0"/>
+              <a:t>, meaning the phone call is entirely carried as </a:t>
             </a:r>
             <a:r>
               <a:rPr lang="en-US" b="1" dirty="0"/>
-              <a:t>small and infrequent data packets.</a:t>
-            </a:r>
-            <a:r>
-              <a:rPr lang="en-US" dirty="0"/>
-              <a:t> Devices connect wirelessly to </a:t>
+              <a:t>IP traffic over 5G NR</a:t>
+            </a:r>
+            <a:r>
+              <a:rPr lang="en-US" dirty="0"/>
+              <a:t> and is controlled by the </a:t>
             </a:r>
             <a:r>
               <a:rPr lang="en-US" b="1" dirty="0"/>
-              <a:t>5G base stations</a:t>
-            </a:r>
-            <a:r>
-              <a:rPr lang="en-US" dirty="0"/>
-              <a:t>. In many deployments, the radio is split into </a:t>
-            </a:r>
-            <a:r>
-              <a:rPr lang="en-US" b="1" dirty="0"/>
-              <a:t>remote radio heads (RRH)</a:t>
-            </a:r>
-            <a:r>
-              <a:rPr lang="en-US" dirty="0"/>
-              <a:t> near the antennas and </a:t>
-            </a:r>
-            <a:r>
-              <a:rPr lang="en-US" b="1" dirty="0"/>
-              <a:t>baseband units (BBU)</a:t>
-            </a:r>
-            <a:r>
-              <a:rPr lang="en-US" dirty="0"/>
-              <a:t> that handle signal processing. Massive MIMO antennas allow the base station to communicate with many devices simultaneously by using spatial beams.</a:t>
-            </a:r>
-            <a:br>
-              <a:rPr lang="en-US" dirty="0"/>
-            </a:br>
-            <a:br>
-              <a:rPr lang="en-US" dirty="0"/>
-            </a:br>
-            <a:r>
-              <a:rPr lang="en-US" dirty="0"/>
-              <a:t>Example: environment data, multiple data, needs very high computation resource for large AI model, needs central DC</a:t>
-            </a:r>
-          </a:p>
-          <a:p>
-            <a:endParaRPr lang="en-US" dirty="0"/>
+              <a:t>IMS core</a:t>
+            </a:r>
+            <a:r>
+              <a:rPr lang="en-US" dirty="0"/>
+              <a:t>. The device first registers with the 5GC, then establishes a QoS-guaranteed PDU (</a:t>
+            </a:r>
+            <a:r>
+              <a:rPr lang="en-US" sz="1200" b="0" i="0" kern="1200" dirty="0">
+                <a:solidFill>
+                  <a:schemeClr val="tx1"/>
+                </a:solidFill>
+                <a:effectLst/>
+                <a:latin typeface="+mn-lt"/>
+                <a:ea typeface="+mn-ea"/>
+                <a:cs typeface="+mn-cs"/>
+              </a:rPr>
+              <a:t>Protocol Data Unit) </a:t>
+            </a:r>
+            <a:r>
+              <a:rPr lang="en-US" dirty="0"/>
+              <a:t>session for the voice call, and finally the media (voice packets) flows peer-to-peer using the dedicated bearer. </a:t>
+            </a:r>
           </a:p>
         </p:txBody>
       </p:sp>
@@ -1721,7 +2347,7 @@
           <a:p>
             <a:fld id="{384380E5-BD64-49AF-B3B7-0773EFBB9E34}" type="slidenum">
               <a:rPr lang="en-US" smtClean="0"/>
-              <a:t>18</a:t>
+              <a:t>17</a:t>
             </a:fld>
             <a:endParaRPr lang="en-US"/>
           </a:p>
@@ -1730,7 +2356,7 @@
     </p:spTree>
     <p:extLst>
       <p:ext uri="{BB962C8B-B14F-4D97-AF65-F5344CB8AC3E}">
-        <p14:creationId xmlns:p14="http://schemas.microsoft.com/office/powerpoint/2010/main" val="3895256367"/>
+        <p14:creationId xmlns:p14="http://schemas.microsoft.com/office/powerpoint/2010/main" val="664468555"/>
       </p:ext>
     </p:extLst>
   </p:cSld>
@@ -1786,25 +2412,102 @@
           <a:p>
             <a:r>
               <a:rPr lang="en-US" dirty="0"/>
-              <a:t>1. Can edge data  Center </a:t>
+              <a:t>When you browse the internet on 5G, your phone sends IP packets over the 5G radio to a base station, which forwards them through the 5G Core to the internet, and the responses return the same way.</a:t>
+            </a:r>
+          </a:p>
+          <a:p>
+            <a:r>
+              <a:rPr lang="en-US" dirty="0"/>
+              <a:t>1. Your phone (UE) sends data over </a:t>
+            </a:r>
+            <a:r>
+              <a:rPr lang="en-US" b="1" dirty="0"/>
+              <a:t>5G to </a:t>
+            </a:r>
+            <a:r>
+              <a:rPr lang="en-US" b="1" dirty="0" err="1"/>
+              <a:t>gnB</a:t>
+            </a:r>
+            <a:r>
+              <a:rPr lang="en-US" b="1" dirty="0"/>
+              <a:t>. </a:t>
+            </a:r>
+            <a:r>
+              <a:rPr lang="en-US" b="0" dirty="0"/>
+              <a:t>2. </a:t>
+            </a:r>
+            <a:r>
+              <a:rPr lang="en-US" dirty="0"/>
+              <a:t>Phone already has a </a:t>
+            </a:r>
+            <a:r>
+              <a:rPr lang="en-US" b="1" dirty="0"/>
+              <a:t>PDU (</a:t>
+            </a:r>
+            <a:r>
+              <a:rPr lang="en-US" sz="1200" b="0" i="0" kern="1200" dirty="0">
+                <a:solidFill>
+                  <a:schemeClr val="tx1"/>
+                </a:solidFill>
+                <a:effectLst/>
+                <a:latin typeface="+mn-lt"/>
+                <a:ea typeface="+mn-ea"/>
+                <a:cs typeface="+mn-cs"/>
+              </a:rPr>
+              <a:t>Protocol Data Unit)</a:t>
+            </a:r>
+            <a:r>
+              <a:rPr lang="en-US" b="1" dirty="0"/>
+              <a:t> session. </a:t>
+            </a:r>
+            <a:r>
+              <a:rPr lang="en-US" dirty="0"/>
+              <a:t>The session assigns: An IP address and QoS parameters, is managed by the </a:t>
+            </a:r>
+            <a:r>
+              <a:rPr lang="en-US" b="1" dirty="0"/>
+              <a:t>5G Core (AMF/SMF). </a:t>
+            </a:r>
+            <a:r>
+              <a:rPr lang="en-US" dirty="0"/>
+              <a:t>This usually happens in the background and is already done before browsing. 3. User Plane Forwarding (</a:t>
             </a:r>
             <a:r>
               <a:rPr lang="en-US" dirty="0" err="1"/>
-              <a:t>process,Phone</a:t>
-            </a:r>
-            <a:r>
-              <a:rPr lang="en-US" dirty="0"/>
-              <a:t> call/zoom, Internet browse, IOT? Yes.</a:t>
-            </a:r>
-          </a:p>
-          <a:p>
-            <a:r>
-              <a:rPr lang="en-US" dirty="0"/>
-              <a:t>2. </a:t>
+              <a:t>gNB</a:t>
+            </a:r>
+            <a:r>
+              <a:rPr lang="en-US" dirty="0"/>
+              <a:t> → UPF). UPF acts like a </a:t>
+            </a:r>
+            <a:r>
+              <a:rPr lang="en-US" b="1" dirty="0"/>
+              <a:t>router, a</a:t>
+            </a:r>
+            <a:r>
+              <a:rPr lang="en-US" dirty="0"/>
+              <a:t>pplies QoS and traffic rules. 4. UPF forwards packets to: ISP backbone- Internet routers- Web server. Website Response (Reverse Path). If with edge server, Some content served from </a:t>
+            </a:r>
+            <a:r>
+              <a:rPr lang="en-US" b="1" dirty="0"/>
+              <a:t>edge caches, </a:t>
+            </a:r>
+            <a:r>
+              <a:rPr lang="en-US" dirty="0"/>
+              <a:t>Even faster load times</a:t>
             </a:r>
           </a:p>
           <a:p>
             <a:endParaRPr lang="en-US" dirty="0"/>
+          </a:p>
+          <a:p>
+            <a:endParaRPr lang="en-US" dirty="0"/>
+          </a:p>
+          <a:p>
+            <a:endParaRPr lang="en-US" dirty="0"/>
+          </a:p>
+          <a:p>
+            <a:endParaRPr lang="en-US" b="0" dirty="0"/>
           </a:p>
         </p:txBody>
       </p:sp>
@@ -1825,7 +2528,7 @@
           <a:p>
             <a:fld id="{384380E5-BD64-49AF-B3B7-0773EFBB9E34}" type="slidenum">
               <a:rPr lang="en-US" smtClean="0"/>
-              <a:t>19</a:t>
+              <a:t>18</a:t>
             </a:fld>
             <a:endParaRPr lang="en-US"/>
           </a:p>
@@ -1834,7 +2537,7 @@
     </p:spTree>
     <p:extLst>
       <p:ext uri="{BB962C8B-B14F-4D97-AF65-F5344CB8AC3E}">
-        <p14:creationId xmlns:p14="http://schemas.microsoft.com/office/powerpoint/2010/main" val="3846793759"/>
+        <p14:creationId xmlns:p14="http://schemas.microsoft.com/office/powerpoint/2010/main" val="3001971406"/>
       </p:ext>
     </p:extLst>
   </p:cSld>
@@ -2255,7 +2958,7 @@
             <a:fld id="{07C4B4DF-B447-754A-85DF-7B947093B7D3}" type="datetimeFigureOut">
               <a:rPr lang="en-US" smtClean="0"/>
               <a:pPr/>
-              <a:t>1/10/2026</a:t>
+              <a:t>1/15/2026</a:t>
             </a:fld>
             <a:endParaRPr lang="en-US" dirty="0"/>
           </a:p>
@@ -2600,7 +3303,7 @@
             <a:fld id="{07C4B4DF-B447-754A-85DF-7B947093B7D3}" type="datetimeFigureOut">
               <a:rPr lang="en-US" smtClean="0"/>
               <a:pPr/>
-              <a:t>1/10/2026</a:t>
+              <a:t>1/15/2026</a:t>
             </a:fld>
             <a:endParaRPr lang="en-US" dirty="0"/>
           </a:p>
@@ -2857,7 +3560,7 @@
             <a:fld id="{07C4B4DF-B447-754A-85DF-7B947093B7D3}" type="datetimeFigureOut">
               <a:rPr lang="en-US" smtClean="0"/>
               <a:pPr/>
-              <a:t>1/10/2026</a:t>
+              <a:t>1/15/2026</a:t>
             </a:fld>
             <a:endParaRPr lang="en-US" dirty="0"/>
           </a:p>
@@ -4034,7 +4737,7 @@
             <a:fld id="{07C4B4DF-B447-754A-85DF-7B947093B7D3}" type="datetimeFigureOut">
               <a:rPr lang="en-US" smtClean="0"/>
               <a:pPr/>
-              <a:t>1/10/2026</a:t>
+              <a:t>1/15/2026</a:t>
             </a:fld>
             <a:endParaRPr lang="en-US" dirty="0"/>
           </a:p>
@@ -4369,7 +5072,7 @@
             <a:fld id="{07C4B4DF-B447-754A-85DF-7B947093B7D3}" type="datetimeFigureOut">
               <a:rPr lang="en-US" smtClean="0"/>
               <a:pPr/>
-              <a:t>1/10/2026</a:t>
+              <a:t>1/15/2026</a:t>
             </a:fld>
             <a:endParaRPr lang="en-US" dirty="0"/>
           </a:p>
@@ -4694,7 +5397,7 @@
             <a:fld id="{07C4B4DF-B447-754A-85DF-7B947093B7D3}" type="datetimeFigureOut">
               <a:rPr lang="en-US" smtClean="0"/>
               <a:pPr/>
-              <a:t>1/10/2026</a:t>
+              <a:t>1/15/2026</a:t>
             </a:fld>
             <a:endParaRPr lang="en-US" dirty="0"/>
           </a:p>
@@ -5164,7 +5867,7 @@
             <a:fld id="{07C4B4DF-B447-754A-85DF-7B947093B7D3}" type="datetimeFigureOut">
               <a:rPr lang="en-US" smtClean="0"/>
               <a:pPr/>
-              <a:t>1/10/2026</a:t>
+              <a:t>1/15/2026</a:t>
             </a:fld>
             <a:endParaRPr lang="en-US" dirty="0"/>
           </a:p>
@@ -5363,7 +6066,7 @@
             <a:fld id="{07C4B4DF-B447-754A-85DF-7B947093B7D3}" type="datetimeFigureOut">
               <a:rPr lang="en-US" smtClean="0"/>
               <a:pPr/>
-              <a:t>1/10/2026</a:t>
+              <a:t>1/15/2026</a:t>
             </a:fld>
             <a:endParaRPr lang="en-US" dirty="0"/>
           </a:p>
@@ -6685,6 +7388,1554 @@
 </file>
 
 <file path=ppt/slides/slide11.xml><?xml version="1.0" encoding="utf-8"?>
+<p:sld xmlns:a="http://schemas.openxmlformats.org/drawingml/2006/main" xmlns:r="http://schemas.openxmlformats.org/officeDocument/2006/relationships" xmlns:p="http://schemas.openxmlformats.org/presentationml/2006/main" show="0">
+  <p:cSld>
+    <p:spTree>
+      <p:nvGrpSpPr>
+        <p:cNvPr id="1" name=""/>
+        <p:cNvGrpSpPr/>
+        <p:nvPr/>
+      </p:nvGrpSpPr>
+      <p:grpSpPr>
+        <a:xfrm>
+          <a:off x="0" y="0"/>
+          <a:ext cx="0" cy="0"/>
+          <a:chOff x="0" y="0"/>
+          <a:chExt cx="0" cy="0"/>
+        </a:xfrm>
+      </p:grpSpPr>
+      <p:sp>
+        <p:nvSpPr>
+          <p:cNvPr id="4" name="Title 1">
+            <a:extLst>
+              <a:ext uri="{FF2B5EF4-FFF2-40B4-BE49-F238E27FC236}">
+                <a16:creationId xmlns:a16="http://schemas.microsoft.com/office/drawing/2014/main" id="{64EAFF73-DC6D-83DE-30CD-C156D875FCE8}"/>
+              </a:ext>
+            </a:extLst>
+          </p:cNvPr>
+          <p:cNvSpPr>
+            <a:spLocks noGrp="1"/>
+          </p:cNvSpPr>
+          <p:nvPr/>
+        </p:nvSpPr>
+        <p:spPr>
+          <a:xfrm>
+            <a:off x="838200" y="523081"/>
+            <a:ext cx="10515600" cy="1325563"/>
+          </a:xfrm>
+          <a:prstGeom prst="rect">
+            <a:avLst/>
+          </a:prstGeom>
+        </p:spPr>
+        <p:txBody>
+          <a:bodyPr vert="horz" lIns="91440" tIns="45720" rIns="91440" bIns="45720" rtlCol="0" anchor="ctr">
+            <a:normAutofit/>
+          </a:bodyPr>
+          <a:lstStyle>
+            <a:lvl1pPr algn="l" defTabSz="914400" rtl="0" eaLnBrk="1" latinLnBrk="0" hangingPunct="1">
+              <a:lnSpc>
+                <a:spcPct val="90000"/>
+              </a:lnSpc>
+              <a:spcBef>
+                <a:spcPct val="0"/>
+              </a:spcBef>
+              <a:buNone/>
+              <a:defRPr sz="4400" kern="1200">
+                <a:solidFill>
+                  <a:schemeClr val="tx1"/>
+                </a:solidFill>
+                <a:latin typeface="+mj-lt"/>
+                <a:ea typeface="+mj-ea"/>
+                <a:cs typeface="+mj-cs"/>
+              </a:defRPr>
+            </a:lvl1pPr>
+          </a:lstStyle>
+          <a:p>
+            <a:r>
+              <a:rPr lang="en-US" dirty="0"/>
+              <a:t>5G Basics -- Terms</a:t>
+            </a:r>
+          </a:p>
+        </p:txBody>
+      </p:sp>
+      <p:sp>
+        <p:nvSpPr>
+          <p:cNvPr id="5" name="Content Placeholder 2">
+            <a:extLst>
+              <a:ext uri="{FF2B5EF4-FFF2-40B4-BE49-F238E27FC236}">
+                <a16:creationId xmlns:a16="http://schemas.microsoft.com/office/drawing/2014/main" id="{54BE5F70-64D0-DA64-3D4A-242BC16BD016}"/>
+              </a:ext>
+            </a:extLst>
+          </p:cNvPr>
+          <p:cNvSpPr>
+            <a:spLocks noGrp="1"/>
+          </p:cNvSpPr>
+          <p:nvPr/>
+        </p:nvSpPr>
+        <p:spPr>
+          <a:xfrm>
+            <a:off x="838200" y="1983581"/>
+            <a:ext cx="10515600" cy="4351338"/>
+          </a:xfrm>
+          <a:prstGeom prst="rect">
+            <a:avLst/>
+          </a:prstGeom>
+        </p:spPr>
+        <p:txBody>
+          <a:bodyPr vert="horz" lIns="91440" tIns="45720" rIns="91440" bIns="45720" rtlCol="0">
+            <a:normAutofit/>
+          </a:bodyPr>
+          <a:lstStyle>
+            <a:lvl1pPr marL="228600" indent="-228600" algn="l" defTabSz="914400" rtl="0" eaLnBrk="1" latinLnBrk="0" hangingPunct="1">
+              <a:lnSpc>
+                <a:spcPct val="90000"/>
+              </a:lnSpc>
+              <a:spcBef>
+                <a:spcPts val="1000"/>
+              </a:spcBef>
+              <a:buFont typeface="Arial" panose="020B0604020202020204" pitchFamily="34" charset="0"/>
+              <a:buChar char="•"/>
+              <a:defRPr sz="2800" kern="1200">
+                <a:solidFill>
+                  <a:schemeClr val="tx1"/>
+                </a:solidFill>
+                <a:latin typeface="+mn-lt"/>
+                <a:ea typeface="+mn-ea"/>
+                <a:cs typeface="+mn-cs"/>
+              </a:defRPr>
+            </a:lvl1pPr>
+            <a:lvl2pPr marL="685800" indent="-228600" algn="l" defTabSz="914400" rtl="0" eaLnBrk="1" latinLnBrk="0" hangingPunct="1">
+              <a:lnSpc>
+                <a:spcPct val="90000"/>
+              </a:lnSpc>
+              <a:spcBef>
+                <a:spcPts val="500"/>
+              </a:spcBef>
+              <a:buFont typeface="Arial" panose="020B0604020202020204" pitchFamily="34" charset="0"/>
+              <a:buChar char="•"/>
+              <a:defRPr sz="2400" kern="1200">
+                <a:solidFill>
+                  <a:schemeClr val="tx1"/>
+                </a:solidFill>
+                <a:latin typeface="+mn-lt"/>
+                <a:ea typeface="+mn-ea"/>
+                <a:cs typeface="+mn-cs"/>
+              </a:defRPr>
+            </a:lvl2pPr>
+            <a:lvl3pPr marL="1143000" indent="-228600" algn="l" defTabSz="914400" rtl="0" eaLnBrk="1" latinLnBrk="0" hangingPunct="1">
+              <a:lnSpc>
+                <a:spcPct val="90000"/>
+              </a:lnSpc>
+              <a:spcBef>
+                <a:spcPts val="500"/>
+              </a:spcBef>
+              <a:buFont typeface="Arial" panose="020B0604020202020204" pitchFamily="34" charset="0"/>
+              <a:buChar char="•"/>
+              <a:defRPr sz="2000" kern="1200">
+                <a:solidFill>
+                  <a:schemeClr val="tx1"/>
+                </a:solidFill>
+                <a:latin typeface="+mn-lt"/>
+                <a:ea typeface="+mn-ea"/>
+                <a:cs typeface="+mn-cs"/>
+              </a:defRPr>
+            </a:lvl3pPr>
+            <a:lvl4pPr marL="1600200" indent="-228600" algn="l" defTabSz="914400" rtl="0" eaLnBrk="1" latinLnBrk="0" hangingPunct="1">
+              <a:lnSpc>
+                <a:spcPct val="90000"/>
+              </a:lnSpc>
+              <a:spcBef>
+                <a:spcPts val="500"/>
+              </a:spcBef>
+              <a:buFont typeface="Arial" panose="020B0604020202020204" pitchFamily="34" charset="0"/>
+              <a:buChar char="•"/>
+              <a:defRPr sz="1800" kern="1200">
+                <a:solidFill>
+                  <a:schemeClr val="tx1"/>
+                </a:solidFill>
+                <a:latin typeface="+mn-lt"/>
+                <a:ea typeface="+mn-ea"/>
+                <a:cs typeface="+mn-cs"/>
+              </a:defRPr>
+            </a:lvl4pPr>
+            <a:lvl5pPr marL="2057400" indent="-228600" algn="l" defTabSz="914400" rtl="0" eaLnBrk="1" latinLnBrk="0" hangingPunct="1">
+              <a:lnSpc>
+                <a:spcPct val="90000"/>
+              </a:lnSpc>
+              <a:spcBef>
+                <a:spcPts val="500"/>
+              </a:spcBef>
+              <a:buFont typeface="Arial" panose="020B0604020202020204" pitchFamily="34" charset="0"/>
+              <a:buChar char="•"/>
+              <a:defRPr sz="1800" kern="1200">
+                <a:solidFill>
+                  <a:schemeClr val="tx1"/>
+                </a:solidFill>
+                <a:latin typeface="+mn-lt"/>
+                <a:ea typeface="+mn-ea"/>
+                <a:cs typeface="+mn-cs"/>
+              </a:defRPr>
+            </a:lvl5pPr>
+            <a:lvl6pPr marL="2514600" indent="-228600" algn="l" defTabSz="914400" rtl="0" eaLnBrk="1" latinLnBrk="0" hangingPunct="1">
+              <a:lnSpc>
+                <a:spcPct val="90000"/>
+              </a:lnSpc>
+              <a:spcBef>
+                <a:spcPts val="500"/>
+              </a:spcBef>
+              <a:buFont typeface="Arial" panose="020B0604020202020204" pitchFamily="34" charset="0"/>
+              <a:buChar char="•"/>
+              <a:defRPr sz="1800" kern="1200">
+                <a:solidFill>
+                  <a:schemeClr val="tx1"/>
+                </a:solidFill>
+                <a:latin typeface="+mn-lt"/>
+                <a:ea typeface="+mn-ea"/>
+                <a:cs typeface="+mn-cs"/>
+              </a:defRPr>
+            </a:lvl6pPr>
+            <a:lvl7pPr marL="2971800" indent="-228600" algn="l" defTabSz="914400" rtl="0" eaLnBrk="1" latinLnBrk="0" hangingPunct="1">
+              <a:lnSpc>
+                <a:spcPct val="90000"/>
+              </a:lnSpc>
+              <a:spcBef>
+                <a:spcPts val="500"/>
+              </a:spcBef>
+              <a:buFont typeface="Arial" panose="020B0604020202020204" pitchFamily="34" charset="0"/>
+              <a:buChar char="•"/>
+              <a:defRPr sz="1800" kern="1200">
+                <a:solidFill>
+                  <a:schemeClr val="tx1"/>
+                </a:solidFill>
+                <a:latin typeface="+mn-lt"/>
+                <a:ea typeface="+mn-ea"/>
+                <a:cs typeface="+mn-cs"/>
+              </a:defRPr>
+            </a:lvl7pPr>
+            <a:lvl8pPr marL="3429000" indent="-228600" algn="l" defTabSz="914400" rtl="0" eaLnBrk="1" latinLnBrk="0" hangingPunct="1">
+              <a:lnSpc>
+                <a:spcPct val="90000"/>
+              </a:lnSpc>
+              <a:spcBef>
+                <a:spcPts val="500"/>
+              </a:spcBef>
+              <a:buFont typeface="Arial" panose="020B0604020202020204" pitchFamily="34" charset="0"/>
+              <a:buChar char="•"/>
+              <a:defRPr sz="1800" kern="1200">
+                <a:solidFill>
+                  <a:schemeClr val="tx1"/>
+                </a:solidFill>
+                <a:latin typeface="+mn-lt"/>
+                <a:ea typeface="+mn-ea"/>
+                <a:cs typeface="+mn-cs"/>
+              </a:defRPr>
+            </a:lvl8pPr>
+            <a:lvl9pPr marL="3886200" indent="-228600" algn="l" defTabSz="914400" rtl="0" eaLnBrk="1" latinLnBrk="0" hangingPunct="1">
+              <a:lnSpc>
+                <a:spcPct val="90000"/>
+              </a:lnSpc>
+              <a:spcBef>
+                <a:spcPts val="500"/>
+              </a:spcBef>
+              <a:buFont typeface="Arial" panose="020B0604020202020204" pitchFamily="34" charset="0"/>
+              <a:buChar char="•"/>
+              <a:defRPr sz="1800" kern="1200">
+                <a:solidFill>
+                  <a:schemeClr val="tx1"/>
+                </a:solidFill>
+                <a:latin typeface="+mn-lt"/>
+                <a:ea typeface="+mn-ea"/>
+                <a:cs typeface="+mn-cs"/>
+              </a:defRPr>
+            </a:lvl9pPr>
+          </a:lstStyle>
+          <a:p>
+            <a:r>
+              <a:rPr lang="en-US" dirty="0"/>
+              <a:t>Base station: called </a:t>
+            </a:r>
+            <a:r>
+              <a:rPr lang="en-US" dirty="0" err="1"/>
+              <a:t>gNodeB</a:t>
+            </a:r>
+            <a:endParaRPr lang="en-US" dirty="0"/>
+          </a:p>
+          <a:p>
+            <a:r>
+              <a:rPr lang="en-US" dirty="0"/>
+              <a:t>User device: called UE</a:t>
+            </a:r>
+          </a:p>
+          <a:p>
+            <a:r>
+              <a:rPr lang="en-US" dirty="0" err="1"/>
+              <a:t>gNB</a:t>
+            </a:r>
+            <a:r>
+              <a:rPr lang="en-US" dirty="0"/>
+              <a:t> may connect to each other with an interface named X2; </a:t>
+            </a:r>
+            <a:r>
+              <a:rPr lang="en-US" dirty="0" err="1"/>
+              <a:t>gNB</a:t>
+            </a:r>
+            <a:r>
+              <a:rPr lang="en-US" dirty="0"/>
+              <a:t> may connect to the Evolved Packet Core (EPC) with an interface called X1 </a:t>
+            </a:r>
+          </a:p>
+          <a:p>
+            <a:endParaRPr lang="en-US" dirty="0"/>
+          </a:p>
+        </p:txBody>
+      </p:sp>
+    </p:spTree>
+    <p:extLst>
+      <p:ext uri="{BB962C8B-B14F-4D97-AF65-F5344CB8AC3E}">
+        <p14:creationId xmlns:p14="http://schemas.microsoft.com/office/powerpoint/2010/main" val="4257219969"/>
+      </p:ext>
+    </p:extLst>
+  </p:cSld>
+  <p:clrMapOvr>
+    <a:masterClrMapping/>
+  </p:clrMapOvr>
+</p:sld>
+</file>
+
+<file path=ppt/slides/slide12.xml><?xml version="1.0" encoding="utf-8"?>
+<p:sld xmlns:a="http://schemas.openxmlformats.org/drawingml/2006/main" xmlns:r="http://schemas.openxmlformats.org/officeDocument/2006/relationships" xmlns:p="http://schemas.openxmlformats.org/presentationml/2006/main" show="0">
+  <p:cSld>
+    <p:spTree>
+      <p:nvGrpSpPr>
+        <p:cNvPr id="1" name=""/>
+        <p:cNvGrpSpPr/>
+        <p:nvPr/>
+      </p:nvGrpSpPr>
+      <p:grpSpPr>
+        <a:xfrm>
+          <a:off x="0" y="0"/>
+          <a:ext cx="0" cy="0"/>
+          <a:chOff x="0" y="0"/>
+          <a:chExt cx="0" cy="0"/>
+        </a:xfrm>
+      </p:grpSpPr>
+      <p:sp>
+        <p:nvSpPr>
+          <p:cNvPr id="6" name="Title 1">
+            <a:extLst>
+              <a:ext uri="{FF2B5EF4-FFF2-40B4-BE49-F238E27FC236}">
+                <a16:creationId xmlns:a16="http://schemas.microsoft.com/office/drawing/2014/main" id="{3D59401F-073A-3FDE-23B3-6D7A3BA53915}"/>
+              </a:ext>
+            </a:extLst>
+          </p:cNvPr>
+          <p:cNvSpPr>
+            <a:spLocks noGrp="1"/>
+          </p:cNvSpPr>
+          <p:nvPr/>
+        </p:nvSpPr>
+        <p:spPr>
+          <a:xfrm>
+            <a:off x="838200" y="523081"/>
+            <a:ext cx="10515600" cy="1325563"/>
+          </a:xfrm>
+          <a:prstGeom prst="rect">
+            <a:avLst/>
+          </a:prstGeom>
+        </p:spPr>
+        <p:txBody>
+          <a:bodyPr vert="horz" lIns="91440" tIns="45720" rIns="91440" bIns="45720" rtlCol="0" anchor="ctr">
+            <a:normAutofit/>
+          </a:bodyPr>
+          <a:lstStyle>
+            <a:lvl1pPr algn="l" defTabSz="914400" rtl="0" eaLnBrk="1" latinLnBrk="0" hangingPunct="1">
+              <a:lnSpc>
+                <a:spcPct val="90000"/>
+              </a:lnSpc>
+              <a:spcBef>
+                <a:spcPct val="0"/>
+              </a:spcBef>
+              <a:buNone/>
+              <a:defRPr sz="4400" kern="1200">
+                <a:solidFill>
+                  <a:schemeClr val="tx1"/>
+                </a:solidFill>
+                <a:latin typeface="+mj-lt"/>
+                <a:ea typeface="+mj-ea"/>
+                <a:cs typeface="+mj-cs"/>
+              </a:defRPr>
+            </a:lvl1pPr>
+          </a:lstStyle>
+          <a:p>
+            <a:r>
+              <a:rPr lang="en-US" dirty="0"/>
+              <a:t>5G Basics -- Joining an LTE network</a:t>
+            </a:r>
+          </a:p>
+        </p:txBody>
+      </p:sp>
+      <p:sp>
+        <p:nvSpPr>
+          <p:cNvPr id="7" name="Content Placeholder 2">
+            <a:extLst>
+              <a:ext uri="{FF2B5EF4-FFF2-40B4-BE49-F238E27FC236}">
+                <a16:creationId xmlns:a16="http://schemas.microsoft.com/office/drawing/2014/main" id="{8E90EBBF-1C31-CA03-33D1-1506B904D151}"/>
+              </a:ext>
+            </a:extLst>
+          </p:cNvPr>
+          <p:cNvSpPr>
+            <a:spLocks noGrp="1"/>
+          </p:cNvSpPr>
+          <p:nvPr/>
+        </p:nvSpPr>
+        <p:spPr>
+          <a:xfrm>
+            <a:off x="838200" y="1983581"/>
+            <a:ext cx="10515600" cy="4351338"/>
+          </a:xfrm>
+          <a:prstGeom prst="rect">
+            <a:avLst/>
+          </a:prstGeom>
+        </p:spPr>
+        <p:txBody>
+          <a:bodyPr vert="horz" lIns="91440" tIns="45720" rIns="91440" bIns="45720" rtlCol="0">
+            <a:normAutofit/>
+          </a:bodyPr>
+          <a:lstStyle>
+            <a:lvl1pPr marL="228600" indent="-228600" algn="l" defTabSz="914400" rtl="0" eaLnBrk="1" latinLnBrk="0" hangingPunct="1">
+              <a:lnSpc>
+                <a:spcPct val="90000"/>
+              </a:lnSpc>
+              <a:spcBef>
+                <a:spcPts val="1000"/>
+              </a:spcBef>
+              <a:buFont typeface="Arial" panose="020B0604020202020204" pitchFamily="34" charset="0"/>
+              <a:buChar char="•"/>
+              <a:defRPr sz="2800" kern="1200">
+                <a:solidFill>
+                  <a:schemeClr val="tx1"/>
+                </a:solidFill>
+                <a:latin typeface="+mn-lt"/>
+                <a:ea typeface="+mn-ea"/>
+                <a:cs typeface="+mn-cs"/>
+              </a:defRPr>
+            </a:lvl1pPr>
+            <a:lvl2pPr marL="685800" indent="-228600" algn="l" defTabSz="914400" rtl="0" eaLnBrk="1" latinLnBrk="0" hangingPunct="1">
+              <a:lnSpc>
+                <a:spcPct val="90000"/>
+              </a:lnSpc>
+              <a:spcBef>
+                <a:spcPts val="500"/>
+              </a:spcBef>
+              <a:buFont typeface="Arial" panose="020B0604020202020204" pitchFamily="34" charset="0"/>
+              <a:buChar char="•"/>
+              <a:defRPr sz="2400" kern="1200">
+                <a:solidFill>
+                  <a:schemeClr val="tx1"/>
+                </a:solidFill>
+                <a:latin typeface="+mn-lt"/>
+                <a:ea typeface="+mn-ea"/>
+                <a:cs typeface="+mn-cs"/>
+              </a:defRPr>
+            </a:lvl2pPr>
+            <a:lvl3pPr marL="1143000" indent="-228600" algn="l" defTabSz="914400" rtl="0" eaLnBrk="1" latinLnBrk="0" hangingPunct="1">
+              <a:lnSpc>
+                <a:spcPct val="90000"/>
+              </a:lnSpc>
+              <a:spcBef>
+                <a:spcPts val="500"/>
+              </a:spcBef>
+              <a:buFont typeface="Arial" panose="020B0604020202020204" pitchFamily="34" charset="0"/>
+              <a:buChar char="•"/>
+              <a:defRPr sz="2000" kern="1200">
+                <a:solidFill>
+                  <a:schemeClr val="tx1"/>
+                </a:solidFill>
+                <a:latin typeface="+mn-lt"/>
+                <a:ea typeface="+mn-ea"/>
+                <a:cs typeface="+mn-cs"/>
+              </a:defRPr>
+            </a:lvl3pPr>
+            <a:lvl4pPr marL="1600200" indent="-228600" algn="l" defTabSz="914400" rtl="0" eaLnBrk="1" latinLnBrk="0" hangingPunct="1">
+              <a:lnSpc>
+                <a:spcPct val="90000"/>
+              </a:lnSpc>
+              <a:spcBef>
+                <a:spcPts val="500"/>
+              </a:spcBef>
+              <a:buFont typeface="Arial" panose="020B0604020202020204" pitchFamily="34" charset="0"/>
+              <a:buChar char="•"/>
+              <a:defRPr sz="1800" kern="1200">
+                <a:solidFill>
+                  <a:schemeClr val="tx1"/>
+                </a:solidFill>
+                <a:latin typeface="+mn-lt"/>
+                <a:ea typeface="+mn-ea"/>
+                <a:cs typeface="+mn-cs"/>
+              </a:defRPr>
+            </a:lvl4pPr>
+            <a:lvl5pPr marL="2057400" indent="-228600" algn="l" defTabSz="914400" rtl="0" eaLnBrk="1" latinLnBrk="0" hangingPunct="1">
+              <a:lnSpc>
+                <a:spcPct val="90000"/>
+              </a:lnSpc>
+              <a:spcBef>
+                <a:spcPts val="500"/>
+              </a:spcBef>
+              <a:buFont typeface="Arial" panose="020B0604020202020204" pitchFamily="34" charset="0"/>
+              <a:buChar char="•"/>
+              <a:defRPr sz="1800" kern="1200">
+                <a:solidFill>
+                  <a:schemeClr val="tx1"/>
+                </a:solidFill>
+                <a:latin typeface="+mn-lt"/>
+                <a:ea typeface="+mn-ea"/>
+                <a:cs typeface="+mn-cs"/>
+              </a:defRPr>
+            </a:lvl5pPr>
+            <a:lvl6pPr marL="2514600" indent="-228600" algn="l" defTabSz="914400" rtl="0" eaLnBrk="1" latinLnBrk="0" hangingPunct="1">
+              <a:lnSpc>
+                <a:spcPct val="90000"/>
+              </a:lnSpc>
+              <a:spcBef>
+                <a:spcPts val="500"/>
+              </a:spcBef>
+              <a:buFont typeface="Arial" panose="020B0604020202020204" pitchFamily="34" charset="0"/>
+              <a:buChar char="•"/>
+              <a:defRPr sz="1800" kern="1200">
+                <a:solidFill>
+                  <a:schemeClr val="tx1"/>
+                </a:solidFill>
+                <a:latin typeface="+mn-lt"/>
+                <a:ea typeface="+mn-ea"/>
+                <a:cs typeface="+mn-cs"/>
+              </a:defRPr>
+            </a:lvl6pPr>
+            <a:lvl7pPr marL="2971800" indent="-228600" algn="l" defTabSz="914400" rtl="0" eaLnBrk="1" latinLnBrk="0" hangingPunct="1">
+              <a:lnSpc>
+                <a:spcPct val="90000"/>
+              </a:lnSpc>
+              <a:spcBef>
+                <a:spcPts val="500"/>
+              </a:spcBef>
+              <a:buFont typeface="Arial" panose="020B0604020202020204" pitchFamily="34" charset="0"/>
+              <a:buChar char="•"/>
+              <a:defRPr sz="1800" kern="1200">
+                <a:solidFill>
+                  <a:schemeClr val="tx1"/>
+                </a:solidFill>
+                <a:latin typeface="+mn-lt"/>
+                <a:ea typeface="+mn-ea"/>
+                <a:cs typeface="+mn-cs"/>
+              </a:defRPr>
+            </a:lvl7pPr>
+            <a:lvl8pPr marL="3429000" indent="-228600" algn="l" defTabSz="914400" rtl="0" eaLnBrk="1" latinLnBrk="0" hangingPunct="1">
+              <a:lnSpc>
+                <a:spcPct val="90000"/>
+              </a:lnSpc>
+              <a:spcBef>
+                <a:spcPts val="500"/>
+              </a:spcBef>
+              <a:buFont typeface="Arial" panose="020B0604020202020204" pitchFamily="34" charset="0"/>
+              <a:buChar char="•"/>
+              <a:defRPr sz="1800" kern="1200">
+                <a:solidFill>
+                  <a:schemeClr val="tx1"/>
+                </a:solidFill>
+                <a:latin typeface="+mn-lt"/>
+                <a:ea typeface="+mn-ea"/>
+                <a:cs typeface="+mn-cs"/>
+              </a:defRPr>
+            </a:lvl8pPr>
+            <a:lvl9pPr marL="3886200" indent="-228600" algn="l" defTabSz="914400" rtl="0" eaLnBrk="1" latinLnBrk="0" hangingPunct="1">
+              <a:lnSpc>
+                <a:spcPct val="90000"/>
+              </a:lnSpc>
+              <a:spcBef>
+                <a:spcPts val="500"/>
+              </a:spcBef>
+              <a:buFont typeface="Arial" panose="020B0604020202020204" pitchFamily="34" charset="0"/>
+              <a:buChar char="•"/>
+              <a:defRPr sz="1800" kern="1200">
+                <a:solidFill>
+                  <a:schemeClr val="tx1"/>
+                </a:solidFill>
+                <a:latin typeface="+mn-lt"/>
+                <a:ea typeface="+mn-ea"/>
+                <a:cs typeface="+mn-cs"/>
+              </a:defRPr>
+            </a:lvl9pPr>
+          </a:lstStyle>
+          <a:p>
+            <a:r>
+              <a:rPr lang="en-US" dirty="0"/>
+              <a:t>High level description:</a:t>
+            </a:r>
+          </a:p>
+          <a:p>
+            <a:pPr marL="914400" lvl="1" indent="-457200">
+              <a:buFont typeface="+mj-lt"/>
+              <a:buAutoNum type="arabicPeriod"/>
+            </a:pPr>
+            <a:r>
+              <a:rPr lang="en-US" dirty="0"/>
+              <a:t>The UE receives the broadcast signals from neighboring </a:t>
+            </a:r>
+            <a:r>
+              <a:rPr lang="en-US" dirty="0" err="1"/>
+              <a:t>gNBs</a:t>
+            </a:r>
+            <a:r>
+              <a:rPr lang="en-US" dirty="0"/>
+              <a:t> and finds the one with the strongest signal. </a:t>
+            </a:r>
+          </a:p>
+          <a:p>
+            <a:pPr marL="914400" lvl="1" indent="-457200">
+              <a:buFont typeface="+mj-lt"/>
+              <a:buAutoNum type="arabicPeriod"/>
+            </a:pPr>
+            <a:r>
+              <a:rPr lang="en-US" dirty="0"/>
+              <a:t>The UE sends connection request with the help of a random access channel to the selected </a:t>
+            </a:r>
+            <a:r>
+              <a:rPr lang="en-US" dirty="0" err="1"/>
+              <a:t>gNB</a:t>
+            </a:r>
+            <a:r>
+              <a:rPr lang="en-US" dirty="0"/>
+              <a:t>, which may accept the request.  </a:t>
+            </a:r>
+          </a:p>
+        </p:txBody>
+      </p:sp>
+    </p:spTree>
+    <p:extLst>
+      <p:ext uri="{BB962C8B-B14F-4D97-AF65-F5344CB8AC3E}">
+        <p14:creationId xmlns:p14="http://schemas.microsoft.com/office/powerpoint/2010/main" val="2764665478"/>
+      </p:ext>
+    </p:extLst>
+  </p:cSld>
+  <p:clrMapOvr>
+    <a:masterClrMapping/>
+  </p:clrMapOvr>
+</p:sld>
+</file>
+
+<file path=ppt/slides/slide13.xml><?xml version="1.0" encoding="utf-8"?>
+<p:sld xmlns:a="http://schemas.openxmlformats.org/drawingml/2006/main" xmlns:r="http://schemas.openxmlformats.org/officeDocument/2006/relationships" xmlns:p="http://schemas.openxmlformats.org/presentationml/2006/main" show="0">
+  <p:cSld>
+    <p:spTree>
+      <p:nvGrpSpPr>
+        <p:cNvPr id="1" name=""/>
+        <p:cNvGrpSpPr/>
+        <p:nvPr/>
+      </p:nvGrpSpPr>
+      <p:grpSpPr>
+        <a:xfrm>
+          <a:off x="0" y="0"/>
+          <a:ext cx="0" cy="0"/>
+          <a:chOff x="0" y="0"/>
+          <a:chExt cx="0" cy="0"/>
+        </a:xfrm>
+      </p:grpSpPr>
+      <p:sp>
+        <p:nvSpPr>
+          <p:cNvPr id="4" name="Title 1">
+            <a:extLst>
+              <a:ext uri="{FF2B5EF4-FFF2-40B4-BE49-F238E27FC236}">
+                <a16:creationId xmlns:a16="http://schemas.microsoft.com/office/drawing/2014/main" id="{6F39771A-5F2D-D683-57D1-45DE7A190E4F}"/>
+              </a:ext>
+            </a:extLst>
+          </p:cNvPr>
+          <p:cNvSpPr>
+            <a:spLocks noGrp="1"/>
+          </p:cNvSpPr>
+          <p:nvPr/>
+        </p:nvSpPr>
+        <p:spPr>
+          <a:xfrm>
+            <a:off x="838200" y="523081"/>
+            <a:ext cx="10515600" cy="1325563"/>
+          </a:xfrm>
+          <a:prstGeom prst="rect">
+            <a:avLst/>
+          </a:prstGeom>
+        </p:spPr>
+        <p:txBody>
+          <a:bodyPr vert="horz" lIns="91440" tIns="45720" rIns="91440" bIns="45720" rtlCol="0" anchor="ctr">
+            <a:normAutofit/>
+          </a:bodyPr>
+          <a:lstStyle>
+            <a:lvl1pPr algn="l" defTabSz="914400" rtl="0" eaLnBrk="1" latinLnBrk="0" hangingPunct="1">
+              <a:lnSpc>
+                <a:spcPct val="90000"/>
+              </a:lnSpc>
+              <a:spcBef>
+                <a:spcPct val="0"/>
+              </a:spcBef>
+              <a:buNone/>
+              <a:defRPr sz="4400" kern="1200">
+                <a:solidFill>
+                  <a:schemeClr val="tx1"/>
+                </a:solidFill>
+                <a:latin typeface="+mj-lt"/>
+                <a:ea typeface="+mj-ea"/>
+                <a:cs typeface="+mj-cs"/>
+              </a:defRPr>
+            </a:lvl1pPr>
+          </a:lstStyle>
+          <a:p>
+            <a:r>
+              <a:rPr lang="en-US" dirty="0"/>
+              <a:t>5G Basics -- Initiating data transfer from a cellphone</a:t>
+            </a:r>
+          </a:p>
+        </p:txBody>
+      </p:sp>
+      <p:sp>
+        <p:nvSpPr>
+          <p:cNvPr id="5" name="Content Placeholder 2">
+            <a:extLst>
+              <a:ext uri="{FF2B5EF4-FFF2-40B4-BE49-F238E27FC236}">
+                <a16:creationId xmlns:a16="http://schemas.microsoft.com/office/drawing/2014/main" id="{A3B5990A-8184-B364-DF55-9BB71AD4499E}"/>
+              </a:ext>
+            </a:extLst>
+          </p:cNvPr>
+          <p:cNvSpPr>
+            <a:spLocks noGrp="1"/>
+          </p:cNvSpPr>
+          <p:nvPr/>
+        </p:nvSpPr>
+        <p:spPr>
+          <a:xfrm>
+            <a:off x="838200" y="1983581"/>
+            <a:ext cx="10515600" cy="4351338"/>
+          </a:xfrm>
+          <a:prstGeom prst="rect">
+            <a:avLst/>
+          </a:prstGeom>
+        </p:spPr>
+        <p:txBody>
+          <a:bodyPr vert="horz" lIns="91440" tIns="45720" rIns="91440" bIns="45720" rtlCol="0">
+            <a:normAutofit/>
+          </a:bodyPr>
+          <a:lstStyle>
+            <a:lvl1pPr marL="228600" indent="-228600" algn="l" defTabSz="914400" rtl="0" eaLnBrk="1" latinLnBrk="0" hangingPunct="1">
+              <a:lnSpc>
+                <a:spcPct val="90000"/>
+              </a:lnSpc>
+              <a:spcBef>
+                <a:spcPts val="1000"/>
+              </a:spcBef>
+              <a:buFont typeface="Arial" panose="020B0604020202020204" pitchFamily="34" charset="0"/>
+              <a:buChar char="•"/>
+              <a:defRPr sz="2800" kern="1200">
+                <a:solidFill>
+                  <a:schemeClr val="tx1"/>
+                </a:solidFill>
+                <a:latin typeface="+mn-lt"/>
+                <a:ea typeface="+mn-ea"/>
+                <a:cs typeface="+mn-cs"/>
+              </a:defRPr>
+            </a:lvl1pPr>
+            <a:lvl2pPr marL="685800" indent="-228600" algn="l" defTabSz="914400" rtl="0" eaLnBrk="1" latinLnBrk="0" hangingPunct="1">
+              <a:lnSpc>
+                <a:spcPct val="90000"/>
+              </a:lnSpc>
+              <a:spcBef>
+                <a:spcPts val="500"/>
+              </a:spcBef>
+              <a:buFont typeface="Arial" panose="020B0604020202020204" pitchFamily="34" charset="0"/>
+              <a:buChar char="•"/>
+              <a:defRPr sz="2400" kern="1200">
+                <a:solidFill>
+                  <a:schemeClr val="tx1"/>
+                </a:solidFill>
+                <a:latin typeface="+mn-lt"/>
+                <a:ea typeface="+mn-ea"/>
+                <a:cs typeface="+mn-cs"/>
+              </a:defRPr>
+            </a:lvl2pPr>
+            <a:lvl3pPr marL="1143000" indent="-228600" algn="l" defTabSz="914400" rtl="0" eaLnBrk="1" latinLnBrk="0" hangingPunct="1">
+              <a:lnSpc>
+                <a:spcPct val="90000"/>
+              </a:lnSpc>
+              <a:spcBef>
+                <a:spcPts val="500"/>
+              </a:spcBef>
+              <a:buFont typeface="Arial" panose="020B0604020202020204" pitchFamily="34" charset="0"/>
+              <a:buChar char="•"/>
+              <a:defRPr sz="2000" kern="1200">
+                <a:solidFill>
+                  <a:schemeClr val="tx1"/>
+                </a:solidFill>
+                <a:latin typeface="+mn-lt"/>
+                <a:ea typeface="+mn-ea"/>
+                <a:cs typeface="+mn-cs"/>
+              </a:defRPr>
+            </a:lvl3pPr>
+            <a:lvl4pPr marL="1600200" indent="-228600" algn="l" defTabSz="914400" rtl="0" eaLnBrk="1" latinLnBrk="0" hangingPunct="1">
+              <a:lnSpc>
+                <a:spcPct val="90000"/>
+              </a:lnSpc>
+              <a:spcBef>
+                <a:spcPts val="500"/>
+              </a:spcBef>
+              <a:buFont typeface="Arial" panose="020B0604020202020204" pitchFamily="34" charset="0"/>
+              <a:buChar char="•"/>
+              <a:defRPr sz="1800" kern="1200">
+                <a:solidFill>
+                  <a:schemeClr val="tx1"/>
+                </a:solidFill>
+                <a:latin typeface="+mn-lt"/>
+                <a:ea typeface="+mn-ea"/>
+                <a:cs typeface="+mn-cs"/>
+              </a:defRPr>
+            </a:lvl4pPr>
+            <a:lvl5pPr marL="2057400" indent="-228600" algn="l" defTabSz="914400" rtl="0" eaLnBrk="1" latinLnBrk="0" hangingPunct="1">
+              <a:lnSpc>
+                <a:spcPct val="90000"/>
+              </a:lnSpc>
+              <a:spcBef>
+                <a:spcPts val="500"/>
+              </a:spcBef>
+              <a:buFont typeface="Arial" panose="020B0604020202020204" pitchFamily="34" charset="0"/>
+              <a:buChar char="•"/>
+              <a:defRPr sz="1800" kern="1200">
+                <a:solidFill>
+                  <a:schemeClr val="tx1"/>
+                </a:solidFill>
+                <a:latin typeface="+mn-lt"/>
+                <a:ea typeface="+mn-ea"/>
+                <a:cs typeface="+mn-cs"/>
+              </a:defRPr>
+            </a:lvl5pPr>
+            <a:lvl6pPr marL="2514600" indent="-228600" algn="l" defTabSz="914400" rtl="0" eaLnBrk="1" latinLnBrk="0" hangingPunct="1">
+              <a:lnSpc>
+                <a:spcPct val="90000"/>
+              </a:lnSpc>
+              <a:spcBef>
+                <a:spcPts val="500"/>
+              </a:spcBef>
+              <a:buFont typeface="Arial" panose="020B0604020202020204" pitchFamily="34" charset="0"/>
+              <a:buChar char="•"/>
+              <a:defRPr sz="1800" kern="1200">
+                <a:solidFill>
+                  <a:schemeClr val="tx1"/>
+                </a:solidFill>
+                <a:latin typeface="+mn-lt"/>
+                <a:ea typeface="+mn-ea"/>
+                <a:cs typeface="+mn-cs"/>
+              </a:defRPr>
+            </a:lvl6pPr>
+            <a:lvl7pPr marL="2971800" indent="-228600" algn="l" defTabSz="914400" rtl="0" eaLnBrk="1" latinLnBrk="0" hangingPunct="1">
+              <a:lnSpc>
+                <a:spcPct val="90000"/>
+              </a:lnSpc>
+              <a:spcBef>
+                <a:spcPts val="500"/>
+              </a:spcBef>
+              <a:buFont typeface="Arial" panose="020B0604020202020204" pitchFamily="34" charset="0"/>
+              <a:buChar char="•"/>
+              <a:defRPr sz="1800" kern="1200">
+                <a:solidFill>
+                  <a:schemeClr val="tx1"/>
+                </a:solidFill>
+                <a:latin typeface="+mn-lt"/>
+                <a:ea typeface="+mn-ea"/>
+                <a:cs typeface="+mn-cs"/>
+              </a:defRPr>
+            </a:lvl7pPr>
+            <a:lvl8pPr marL="3429000" indent="-228600" algn="l" defTabSz="914400" rtl="0" eaLnBrk="1" latinLnBrk="0" hangingPunct="1">
+              <a:lnSpc>
+                <a:spcPct val="90000"/>
+              </a:lnSpc>
+              <a:spcBef>
+                <a:spcPts val="500"/>
+              </a:spcBef>
+              <a:buFont typeface="Arial" panose="020B0604020202020204" pitchFamily="34" charset="0"/>
+              <a:buChar char="•"/>
+              <a:defRPr sz="1800" kern="1200">
+                <a:solidFill>
+                  <a:schemeClr val="tx1"/>
+                </a:solidFill>
+                <a:latin typeface="+mn-lt"/>
+                <a:ea typeface="+mn-ea"/>
+                <a:cs typeface="+mn-cs"/>
+              </a:defRPr>
+            </a:lvl8pPr>
+            <a:lvl9pPr marL="3886200" indent="-228600" algn="l" defTabSz="914400" rtl="0" eaLnBrk="1" latinLnBrk="0" hangingPunct="1">
+              <a:lnSpc>
+                <a:spcPct val="90000"/>
+              </a:lnSpc>
+              <a:spcBef>
+                <a:spcPts val="500"/>
+              </a:spcBef>
+              <a:buFont typeface="Arial" panose="020B0604020202020204" pitchFamily="34" charset="0"/>
+              <a:buChar char="•"/>
+              <a:defRPr sz="1800" kern="1200">
+                <a:solidFill>
+                  <a:schemeClr val="tx1"/>
+                </a:solidFill>
+                <a:latin typeface="+mn-lt"/>
+                <a:ea typeface="+mn-ea"/>
+                <a:cs typeface="+mn-cs"/>
+              </a:defRPr>
+            </a:lvl9pPr>
+          </a:lstStyle>
+          <a:p>
+            <a:r>
+              <a:rPr lang="en-US" dirty="0"/>
+              <a:t>High level description:</a:t>
+            </a:r>
+          </a:p>
+          <a:p>
+            <a:pPr lvl="1"/>
+            <a:r>
+              <a:rPr lang="en-US" dirty="0"/>
+              <a:t>LTE has an uplink channel for random access. A UE can inform the </a:t>
+            </a:r>
+            <a:r>
+              <a:rPr lang="en-US" dirty="0" err="1"/>
+              <a:t>gNB</a:t>
+            </a:r>
+            <a:r>
+              <a:rPr lang="en-US" dirty="0"/>
+              <a:t> by following the random access protocol and request resources for data transfer</a:t>
+            </a:r>
+          </a:p>
+          <a:p>
+            <a:pPr lvl="1"/>
+            <a:endParaRPr lang="en-US" dirty="0"/>
+          </a:p>
+        </p:txBody>
+      </p:sp>
+    </p:spTree>
+    <p:extLst>
+      <p:ext uri="{BB962C8B-B14F-4D97-AF65-F5344CB8AC3E}">
+        <p14:creationId xmlns:p14="http://schemas.microsoft.com/office/powerpoint/2010/main" val="2724394901"/>
+      </p:ext>
+    </p:extLst>
+  </p:cSld>
+  <p:clrMapOvr>
+    <a:masterClrMapping/>
+  </p:clrMapOvr>
+</p:sld>
+</file>
+
+<file path=ppt/slides/slide14.xml><?xml version="1.0" encoding="utf-8"?>
+<p:sld xmlns:a="http://schemas.openxmlformats.org/drawingml/2006/main" xmlns:r="http://schemas.openxmlformats.org/officeDocument/2006/relationships" xmlns:p="http://schemas.openxmlformats.org/presentationml/2006/main" show="0">
+  <p:cSld>
+    <p:spTree>
+      <p:nvGrpSpPr>
+        <p:cNvPr id="1" name=""/>
+        <p:cNvGrpSpPr/>
+        <p:nvPr/>
+      </p:nvGrpSpPr>
+      <p:grpSpPr>
+        <a:xfrm>
+          <a:off x="0" y="0"/>
+          <a:ext cx="0" cy="0"/>
+          <a:chOff x="0" y="0"/>
+          <a:chExt cx="0" cy="0"/>
+        </a:xfrm>
+      </p:grpSpPr>
+      <p:sp>
+        <p:nvSpPr>
+          <p:cNvPr id="4" name="Title 1">
+            <a:extLst>
+              <a:ext uri="{FF2B5EF4-FFF2-40B4-BE49-F238E27FC236}">
+                <a16:creationId xmlns:a16="http://schemas.microsoft.com/office/drawing/2014/main" id="{929B7208-682F-5F93-1193-71F93BEA2F2C}"/>
+              </a:ext>
+            </a:extLst>
+          </p:cNvPr>
+          <p:cNvSpPr>
+            <a:spLocks noGrp="1"/>
+          </p:cNvSpPr>
+          <p:nvPr/>
+        </p:nvSpPr>
+        <p:spPr>
+          <a:xfrm>
+            <a:off x="838200" y="523081"/>
+            <a:ext cx="10515600" cy="1325563"/>
+          </a:xfrm>
+          <a:prstGeom prst="rect">
+            <a:avLst/>
+          </a:prstGeom>
+        </p:spPr>
+        <p:txBody>
+          <a:bodyPr vert="horz" lIns="91440" tIns="45720" rIns="91440" bIns="45720" rtlCol="0" anchor="ctr">
+            <a:normAutofit/>
+          </a:bodyPr>
+          <a:lstStyle>
+            <a:lvl1pPr algn="l" defTabSz="914400" rtl="0" eaLnBrk="1" latinLnBrk="0" hangingPunct="1">
+              <a:lnSpc>
+                <a:spcPct val="90000"/>
+              </a:lnSpc>
+              <a:spcBef>
+                <a:spcPct val="0"/>
+              </a:spcBef>
+              <a:buNone/>
+              <a:defRPr sz="4400" kern="1200">
+                <a:solidFill>
+                  <a:schemeClr val="tx1"/>
+                </a:solidFill>
+                <a:latin typeface="+mj-lt"/>
+                <a:ea typeface="+mj-ea"/>
+                <a:cs typeface="+mj-cs"/>
+              </a:defRPr>
+            </a:lvl1pPr>
+          </a:lstStyle>
+          <a:p>
+            <a:r>
+              <a:rPr lang="en-US" dirty="0"/>
+              <a:t>5G Basics -- Finding a UE</a:t>
+            </a:r>
+          </a:p>
+        </p:txBody>
+      </p:sp>
+      <p:sp>
+        <p:nvSpPr>
+          <p:cNvPr id="5" name="Content Placeholder 2">
+            <a:extLst>
+              <a:ext uri="{FF2B5EF4-FFF2-40B4-BE49-F238E27FC236}">
+                <a16:creationId xmlns:a16="http://schemas.microsoft.com/office/drawing/2014/main" id="{4236D5DB-587C-663B-5F28-E82D736A4019}"/>
+              </a:ext>
+            </a:extLst>
+          </p:cNvPr>
+          <p:cNvSpPr>
+            <a:spLocks noGrp="1"/>
+          </p:cNvSpPr>
+          <p:nvPr/>
+        </p:nvSpPr>
+        <p:spPr>
+          <a:xfrm>
+            <a:off x="838200" y="1983581"/>
+            <a:ext cx="10515600" cy="4351338"/>
+          </a:xfrm>
+          <a:prstGeom prst="rect">
+            <a:avLst/>
+          </a:prstGeom>
+        </p:spPr>
+        <p:txBody>
+          <a:bodyPr vert="horz" lIns="91440" tIns="45720" rIns="91440" bIns="45720" rtlCol="0">
+            <a:normAutofit/>
+          </a:bodyPr>
+          <a:lstStyle>
+            <a:lvl1pPr marL="228600" indent="-228600" algn="l" defTabSz="914400" rtl="0" eaLnBrk="1" latinLnBrk="0" hangingPunct="1">
+              <a:lnSpc>
+                <a:spcPct val="90000"/>
+              </a:lnSpc>
+              <a:spcBef>
+                <a:spcPts val="1000"/>
+              </a:spcBef>
+              <a:buFont typeface="Arial" panose="020B0604020202020204" pitchFamily="34" charset="0"/>
+              <a:buChar char="•"/>
+              <a:defRPr sz="2800" kern="1200">
+                <a:solidFill>
+                  <a:schemeClr val="tx1"/>
+                </a:solidFill>
+                <a:latin typeface="+mn-lt"/>
+                <a:ea typeface="+mn-ea"/>
+                <a:cs typeface="+mn-cs"/>
+              </a:defRPr>
+            </a:lvl1pPr>
+            <a:lvl2pPr marL="685800" indent="-228600" algn="l" defTabSz="914400" rtl="0" eaLnBrk="1" latinLnBrk="0" hangingPunct="1">
+              <a:lnSpc>
+                <a:spcPct val="90000"/>
+              </a:lnSpc>
+              <a:spcBef>
+                <a:spcPts val="500"/>
+              </a:spcBef>
+              <a:buFont typeface="Arial" panose="020B0604020202020204" pitchFamily="34" charset="0"/>
+              <a:buChar char="•"/>
+              <a:defRPr sz="2400" kern="1200">
+                <a:solidFill>
+                  <a:schemeClr val="tx1"/>
+                </a:solidFill>
+                <a:latin typeface="+mn-lt"/>
+                <a:ea typeface="+mn-ea"/>
+                <a:cs typeface="+mn-cs"/>
+              </a:defRPr>
+            </a:lvl2pPr>
+            <a:lvl3pPr marL="1143000" indent="-228600" algn="l" defTabSz="914400" rtl="0" eaLnBrk="1" latinLnBrk="0" hangingPunct="1">
+              <a:lnSpc>
+                <a:spcPct val="90000"/>
+              </a:lnSpc>
+              <a:spcBef>
+                <a:spcPts val="500"/>
+              </a:spcBef>
+              <a:buFont typeface="Arial" panose="020B0604020202020204" pitchFamily="34" charset="0"/>
+              <a:buChar char="•"/>
+              <a:defRPr sz="2000" kern="1200">
+                <a:solidFill>
+                  <a:schemeClr val="tx1"/>
+                </a:solidFill>
+                <a:latin typeface="+mn-lt"/>
+                <a:ea typeface="+mn-ea"/>
+                <a:cs typeface="+mn-cs"/>
+              </a:defRPr>
+            </a:lvl3pPr>
+            <a:lvl4pPr marL="1600200" indent="-228600" algn="l" defTabSz="914400" rtl="0" eaLnBrk="1" latinLnBrk="0" hangingPunct="1">
+              <a:lnSpc>
+                <a:spcPct val="90000"/>
+              </a:lnSpc>
+              <a:spcBef>
+                <a:spcPts val="500"/>
+              </a:spcBef>
+              <a:buFont typeface="Arial" panose="020B0604020202020204" pitchFamily="34" charset="0"/>
+              <a:buChar char="•"/>
+              <a:defRPr sz="1800" kern="1200">
+                <a:solidFill>
+                  <a:schemeClr val="tx1"/>
+                </a:solidFill>
+                <a:latin typeface="+mn-lt"/>
+                <a:ea typeface="+mn-ea"/>
+                <a:cs typeface="+mn-cs"/>
+              </a:defRPr>
+            </a:lvl4pPr>
+            <a:lvl5pPr marL="2057400" indent="-228600" algn="l" defTabSz="914400" rtl="0" eaLnBrk="1" latinLnBrk="0" hangingPunct="1">
+              <a:lnSpc>
+                <a:spcPct val="90000"/>
+              </a:lnSpc>
+              <a:spcBef>
+                <a:spcPts val="500"/>
+              </a:spcBef>
+              <a:buFont typeface="Arial" panose="020B0604020202020204" pitchFamily="34" charset="0"/>
+              <a:buChar char="•"/>
+              <a:defRPr sz="1800" kern="1200">
+                <a:solidFill>
+                  <a:schemeClr val="tx1"/>
+                </a:solidFill>
+                <a:latin typeface="+mn-lt"/>
+                <a:ea typeface="+mn-ea"/>
+                <a:cs typeface="+mn-cs"/>
+              </a:defRPr>
+            </a:lvl5pPr>
+            <a:lvl6pPr marL="2514600" indent="-228600" algn="l" defTabSz="914400" rtl="0" eaLnBrk="1" latinLnBrk="0" hangingPunct="1">
+              <a:lnSpc>
+                <a:spcPct val="90000"/>
+              </a:lnSpc>
+              <a:spcBef>
+                <a:spcPts val="500"/>
+              </a:spcBef>
+              <a:buFont typeface="Arial" panose="020B0604020202020204" pitchFamily="34" charset="0"/>
+              <a:buChar char="•"/>
+              <a:defRPr sz="1800" kern="1200">
+                <a:solidFill>
+                  <a:schemeClr val="tx1"/>
+                </a:solidFill>
+                <a:latin typeface="+mn-lt"/>
+                <a:ea typeface="+mn-ea"/>
+                <a:cs typeface="+mn-cs"/>
+              </a:defRPr>
+            </a:lvl6pPr>
+            <a:lvl7pPr marL="2971800" indent="-228600" algn="l" defTabSz="914400" rtl="0" eaLnBrk="1" latinLnBrk="0" hangingPunct="1">
+              <a:lnSpc>
+                <a:spcPct val="90000"/>
+              </a:lnSpc>
+              <a:spcBef>
+                <a:spcPts val="500"/>
+              </a:spcBef>
+              <a:buFont typeface="Arial" panose="020B0604020202020204" pitchFamily="34" charset="0"/>
+              <a:buChar char="•"/>
+              <a:defRPr sz="1800" kern="1200">
+                <a:solidFill>
+                  <a:schemeClr val="tx1"/>
+                </a:solidFill>
+                <a:latin typeface="+mn-lt"/>
+                <a:ea typeface="+mn-ea"/>
+                <a:cs typeface="+mn-cs"/>
+              </a:defRPr>
+            </a:lvl7pPr>
+            <a:lvl8pPr marL="3429000" indent="-228600" algn="l" defTabSz="914400" rtl="0" eaLnBrk="1" latinLnBrk="0" hangingPunct="1">
+              <a:lnSpc>
+                <a:spcPct val="90000"/>
+              </a:lnSpc>
+              <a:spcBef>
+                <a:spcPts val="500"/>
+              </a:spcBef>
+              <a:buFont typeface="Arial" panose="020B0604020202020204" pitchFamily="34" charset="0"/>
+              <a:buChar char="•"/>
+              <a:defRPr sz="1800" kern="1200">
+                <a:solidFill>
+                  <a:schemeClr val="tx1"/>
+                </a:solidFill>
+                <a:latin typeface="+mn-lt"/>
+                <a:ea typeface="+mn-ea"/>
+                <a:cs typeface="+mn-cs"/>
+              </a:defRPr>
+            </a:lvl8pPr>
+            <a:lvl9pPr marL="3886200" indent="-228600" algn="l" defTabSz="914400" rtl="0" eaLnBrk="1" latinLnBrk="0" hangingPunct="1">
+              <a:lnSpc>
+                <a:spcPct val="90000"/>
+              </a:lnSpc>
+              <a:spcBef>
+                <a:spcPts val="500"/>
+              </a:spcBef>
+              <a:buFont typeface="Arial" panose="020B0604020202020204" pitchFamily="34" charset="0"/>
+              <a:buChar char="•"/>
+              <a:defRPr sz="1800" kern="1200">
+                <a:solidFill>
+                  <a:schemeClr val="tx1"/>
+                </a:solidFill>
+                <a:latin typeface="+mn-lt"/>
+                <a:ea typeface="+mn-ea"/>
+                <a:cs typeface="+mn-cs"/>
+              </a:defRPr>
+            </a:lvl9pPr>
+          </a:lstStyle>
+          <a:p>
+            <a:r>
+              <a:rPr lang="en-US" dirty="0"/>
+              <a:t>High level description:</a:t>
+            </a:r>
+          </a:p>
+          <a:p>
+            <a:pPr lvl="1"/>
+            <a:r>
+              <a:rPr lang="en-US" dirty="0"/>
+              <a:t>The </a:t>
+            </a:r>
+            <a:r>
+              <a:rPr lang="en-US" dirty="0" err="1"/>
+              <a:t>gNB</a:t>
+            </a:r>
+            <a:r>
+              <a:rPr lang="en-US" dirty="0"/>
+              <a:t> keep records of the UEs associated with it. If there are data destined to this UE from the backbone network, the </a:t>
+            </a:r>
+            <a:r>
+              <a:rPr lang="en-US" dirty="0" err="1"/>
+              <a:t>gNB</a:t>
+            </a:r>
+            <a:r>
+              <a:rPr lang="en-US" dirty="0"/>
+              <a:t> will send a signal to notify this UE </a:t>
+            </a:r>
+          </a:p>
+        </p:txBody>
+      </p:sp>
+    </p:spTree>
+    <p:extLst>
+      <p:ext uri="{BB962C8B-B14F-4D97-AF65-F5344CB8AC3E}">
+        <p14:creationId xmlns:p14="http://schemas.microsoft.com/office/powerpoint/2010/main" val="1010199779"/>
+      </p:ext>
+    </p:extLst>
+  </p:cSld>
+  <p:clrMapOvr>
+    <a:masterClrMapping/>
+  </p:clrMapOvr>
+</p:sld>
+</file>
+
+<file path=ppt/slides/slide15.xml><?xml version="1.0" encoding="utf-8"?>
+<p:sld xmlns:a="http://schemas.openxmlformats.org/drawingml/2006/main" xmlns:r="http://schemas.openxmlformats.org/officeDocument/2006/relationships" xmlns:p="http://schemas.openxmlformats.org/presentationml/2006/main" show="0">
+  <p:cSld>
+    <p:spTree>
+      <p:nvGrpSpPr>
+        <p:cNvPr id="1" name=""/>
+        <p:cNvGrpSpPr/>
+        <p:nvPr/>
+      </p:nvGrpSpPr>
+      <p:grpSpPr>
+        <a:xfrm>
+          <a:off x="0" y="0"/>
+          <a:ext cx="0" cy="0"/>
+          <a:chOff x="0" y="0"/>
+          <a:chExt cx="0" cy="0"/>
+        </a:xfrm>
+      </p:grpSpPr>
+      <p:sp>
+        <p:nvSpPr>
+          <p:cNvPr id="4" name="Title 1">
+            <a:extLst>
+              <a:ext uri="{FF2B5EF4-FFF2-40B4-BE49-F238E27FC236}">
+                <a16:creationId xmlns:a16="http://schemas.microsoft.com/office/drawing/2014/main" id="{DC365AA3-B10E-C3DE-B782-F368D03D01A5}"/>
+              </a:ext>
+            </a:extLst>
+          </p:cNvPr>
+          <p:cNvSpPr>
+            <a:spLocks noGrp="1"/>
+          </p:cNvSpPr>
+          <p:nvPr/>
+        </p:nvSpPr>
+        <p:spPr>
+          <a:xfrm>
+            <a:off x="838200" y="523081"/>
+            <a:ext cx="10515600" cy="1325563"/>
+          </a:xfrm>
+          <a:prstGeom prst="rect">
+            <a:avLst/>
+          </a:prstGeom>
+        </p:spPr>
+        <p:txBody>
+          <a:bodyPr vert="horz" lIns="91440" tIns="45720" rIns="91440" bIns="45720" rtlCol="0" anchor="ctr">
+            <a:normAutofit/>
+          </a:bodyPr>
+          <a:lstStyle>
+            <a:lvl1pPr algn="l" defTabSz="914400" rtl="0" eaLnBrk="1" latinLnBrk="0" hangingPunct="1">
+              <a:lnSpc>
+                <a:spcPct val="90000"/>
+              </a:lnSpc>
+              <a:spcBef>
+                <a:spcPct val="0"/>
+              </a:spcBef>
+              <a:buNone/>
+              <a:defRPr sz="4400" kern="1200">
+                <a:solidFill>
+                  <a:schemeClr val="tx1"/>
+                </a:solidFill>
+                <a:latin typeface="+mj-lt"/>
+                <a:ea typeface="+mj-ea"/>
+                <a:cs typeface="+mj-cs"/>
+              </a:defRPr>
+            </a:lvl1pPr>
+          </a:lstStyle>
+          <a:p>
+            <a:r>
+              <a:rPr lang="en-US" dirty="0"/>
+              <a:t>5G Basics -- Handover in 5G</a:t>
+            </a:r>
+          </a:p>
+        </p:txBody>
+      </p:sp>
+      <p:sp>
+        <p:nvSpPr>
+          <p:cNvPr id="5" name="Content Placeholder 2">
+            <a:extLst>
+              <a:ext uri="{FF2B5EF4-FFF2-40B4-BE49-F238E27FC236}">
+                <a16:creationId xmlns:a16="http://schemas.microsoft.com/office/drawing/2014/main" id="{46C49028-C2CF-0EE3-4E1B-1FF39856F685}"/>
+              </a:ext>
+            </a:extLst>
+          </p:cNvPr>
+          <p:cNvSpPr>
+            <a:spLocks noGrp="1"/>
+          </p:cNvSpPr>
+          <p:nvPr/>
+        </p:nvSpPr>
+        <p:spPr>
+          <a:xfrm>
+            <a:off x="838200" y="1983581"/>
+            <a:ext cx="10515600" cy="4351338"/>
+          </a:xfrm>
+          <a:prstGeom prst="rect">
+            <a:avLst/>
+          </a:prstGeom>
+        </p:spPr>
+        <p:txBody>
+          <a:bodyPr vert="horz" lIns="91440" tIns="45720" rIns="91440" bIns="45720" rtlCol="0">
+            <a:normAutofit/>
+          </a:bodyPr>
+          <a:lstStyle>
+            <a:lvl1pPr marL="228600" indent="-228600" algn="l" defTabSz="914400" rtl="0" eaLnBrk="1" latinLnBrk="0" hangingPunct="1">
+              <a:lnSpc>
+                <a:spcPct val="90000"/>
+              </a:lnSpc>
+              <a:spcBef>
+                <a:spcPts val="1000"/>
+              </a:spcBef>
+              <a:buFont typeface="Arial" panose="020B0604020202020204" pitchFamily="34" charset="0"/>
+              <a:buChar char="•"/>
+              <a:defRPr sz="2800" kern="1200">
+                <a:solidFill>
+                  <a:schemeClr val="tx1"/>
+                </a:solidFill>
+                <a:latin typeface="+mn-lt"/>
+                <a:ea typeface="+mn-ea"/>
+                <a:cs typeface="+mn-cs"/>
+              </a:defRPr>
+            </a:lvl1pPr>
+            <a:lvl2pPr marL="685800" indent="-228600" algn="l" defTabSz="914400" rtl="0" eaLnBrk="1" latinLnBrk="0" hangingPunct="1">
+              <a:lnSpc>
+                <a:spcPct val="90000"/>
+              </a:lnSpc>
+              <a:spcBef>
+                <a:spcPts val="500"/>
+              </a:spcBef>
+              <a:buFont typeface="Arial" panose="020B0604020202020204" pitchFamily="34" charset="0"/>
+              <a:buChar char="•"/>
+              <a:defRPr sz="2400" kern="1200">
+                <a:solidFill>
+                  <a:schemeClr val="tx1"/>
+                </a:solidFill>
+                <a:latin typeface="+mn-lt"/>
+                <a:ea typeface="+mn-ea"/>
+                <a:cs typeface="+mn-cs"/>
+              </a:defRPr>
+            </a:lvl2pPr>
+            <a:lvl3pPr marL="1143000" indent="-228600" algn="l" defTabSz="914400" rtl="0" eaLnBrk="1" latinLnBrk="0" hangingPunct="1">
+              <a:lnSpc>
+                <a:spcPct val="90000"/>
+              </a:lnSpc>
+              <a:spcBef>
+                <a:spcPts val="500"/>
+              </a:spcBef>
+              <a:buFont typeface="Arial" panose="020B0604020202020204" pitchFamily="34" charset="0"/>
+              <a:buChar char="•"/>
+              <a:defRPr sz="2000" kern="1200">
+                <a:solidFill>
+                  <a:schemeClr val="tx1"/>
+                </a:solidFill>
+                <a:latin typeface="+mn-lt"/>
+                <a:ea typeface="+mn-ea"/>
+                <a:cs typeface="+mn-cs"/>
+              </a:defRPr>
+            </a:lvl3pPr>
+            <a:lvl4pPr marL="1600200" indent="-228600" algn="l" defTabSz="914400" rtl="0" eaLnBrk="1" latinLnBrk="0" hangingPunct="1">
+              <a:lnSpc>
+                <a:spcPct val="90000"/>
+              </a:lnSpc>
+              <a:spcBef>
+                <a:spcPts val="500"/>
+              </a:spcBef>
+              <a:buFont typeface="Arial" panose="020B0604020202020204" pitchFamily="34" charset="0"/>
+              <a:buChar char="•"/>
+              <a:defRPr sz="1800" kern="1200">
+                <a:solidFill>
+                  <a:schemeClr val="tx1"/>
+                </a:solidFill>
+                <a:latin typeface="+mn-lt"/>
+                <a:ea typeface="+mn-ea"/>
+                <a:cs typeface="+mn-cs"/>
+              </a:defRPr>
+            </a:lvl4pPr>
+            <a:lvl5pPr marL="2057400" indent="-228600" algn="l" defTabSz="914400" rtl="0" eaLnBrk="1" latinLnBrk="0" hangingPunct="1">
+              <a:lnSpc>
+                <a:spcPct val="90000"/>
+              </a:lnSpc>
+              <a:spcBef>
+                <a:spcPts val="500"/>
+              </a:spcBef>
+              <a:buFont typeface="Arial" panose="020B0604020202020204" pitchFamily="34" charset="0"/>
+              <a:buChar char="•"/>
+              <a:defRPr sz="1800" kern="1200">
+                <a:solidFill>
+                  <a:schemeClr val="tx1"/>
+                </a:solidFill>
+                <a:latin typeface="+mn-lt"/>
+                <a:ea typeface="+mn-ea"/>
+                <a:cs typeface="+mn-cs"/>
+              </a:defRPr>
+            </a:lvl5pPr>
+            <a:lvl6pPr marL="2514600" indent="-228600" algn="l" defTabSz="914400" rtl="0" eaLnBrk="1" latinLnBrk="0" hangingPunct="1">
+              <a:lnSpc>
+                <a:spcPct val="90000"/>
+              </a:lnSpc>
+              <a:spcBef>
+                <a:spcPts val="500"/>
+              </a:spcBef>
+              <a:buFont typeface="Arial" panose="020B0604020202020204" pitchFamily="34" charset="0"/>
+              <a:buChar char="•"/>
+              <a:defRPr sz="1800" kern="1200">
+                <a:solidFill>
+                  <a:schemeClr val="tx1"/>
+                </a:solidFill>
+                <a:latin typeface="+mn-lt"/>
+                <a:ea typeface="+mn-ea"/>
+                <a:cs typeface="+mn-cs"/>
+              </a:defRPr>
+            </a:lvl6pPr>
+            <a:lvl7pPr marL="2971800" indent="-228600" algn="l" defTabSz="914400" rtl="0" eaLnBrk="1" latinLnBrk="0" hangingPunct="1">
+              <a:lnSpc>
+                <a:spcPct val="90000"/>
+              </a:lnSpc>
+              <a:spcBef>
+                <a:spcPts val="500"/>
+              </a:spcBef>
+              <a:buFont typeface="Arial" panose="020B0604020202020204" pitchFamily="34" charset="0"/>
+              <a:buChar char="•"/>
+              <a:defRPr sz="1800" kern="1200">
+                <a:solidFill>
+                  <a:schemeClr val="tx1"/>
+                </a:solidFill>
+                <a:latin typeface="+mn-lt"/>
+                <a:ea typeface="+mn-ea"/>
+                <a:cs typeface="+mn-cs"/>
+              </a:defRPr>
+            </a:lvl7pPr>
+            <a:lvl8pPr marL="3429000" indent="-228600" algn="l" defTabSz="914400" rtl="0" eaLnBrk="1" latinLnBrk="0" hangingPunct="1">
+              <a:lnSpc>
+                <a:spcPct val="90000"/>
+              </a:lnSpc>
+              <a:spcBef>
+                <a:spcPts val="500"/>
+              </a:spcBef>
+              <a:buFont typeface="Arial" panose="020B0604020202020204" pitchFamily="34" charset="0"/>
+              <a:buChar char="•"/>
+              <a:defRPr sz="1800" kern="1200">
+                <a:solidFill>
+                  <a:schemeClr val="tx1"/>
+                </a:solidFill>
+                <a:latin typeface="+mn-lt"/>
+                <a:ea typeface="+mn-ea"/>
+                <a:cs typeface="+mn-cs"/>
+              </a:defRPr>
+            </a:lvl8pPr>
+            <a:lvl9pPr marL="3886200" indent="-228600" algn="l" defTabSz="914400" rtl="0" eaLnBrk="1" latinLnBrk="0" hangingPunct="1">
+              <a:lnSpc>
+                <a:spcPct val="90000"/>
+              </a:lnSpc>
+              <a:spcBef>
+                <a:spcPts val="500"/>
+              </a:spcBef>
+              <a:buFont typeface="Arial" panose="020B0604020202020204" pitchFamily="34" charset="0"/>
+              <a:buChar char="•"/>
+              <a:defRPr sz="1800" kern="1200">
+                <a:solidFill>
+                  <a:schemeClr val="tx1"/>
+                </a:solidFill>
+                <a:latin typeface="+mn-lt"/>
+                <a:ea typeface="+mn-ea"/>
+                <a:cs typeface="+mn-cs"/>
+              </a:defRPr>
+            </a:lvl9pPr>
+          </a:lstStyle>
+          <a:p>
+            <a:r>
+              <a:rPr lang="en-US" dirty="0"/>
+              <a:t>High level description:</a:t>
+            </a:r>
+          </a:p>
+          <a:p>
+            <a:pPr lvl="1"/>
+            <a:r>
+              <a:rPr lang="en-US" dirty="0"/>
+              <a:t>The UE and </a:t>
+            </a:r>
+            <a:r>
+              <a:rPr lang="en-US" dirty="0" err="1"/>
+              <a:t>gNBs</a:t>
+            </a:r>
+            <a:r>
+              <a:rPr lang="en-US" dirty="0"/>
+              <a:t> constantly monitor the signal quality and will switch the UE to another </a:t>
+            </a:r>
+            <a:r>
+              <a:rPr lang="en-US" dirty="0" err="1"/>
+              <a:t>gNB</a:t>
+            </a:r>
+            <a:r>
+              <a:rPr lang="en-US" dirty="0"/>
+              <a:t> if it will receive better signal or achieve better network utilization</a:t>
+            </a:r>
+          </a:p>
+        </p:txBody>
+      </p:sp>
+    </p:spTree>
+    <p:extLst>
+      <p:ext uri="{BB962C8B-B14F-4D97-AF65-F5344CB8AC3E}">
+        <p14:creationId xmlns:p14="http://schemas.microsoft.com/office/powerpoint/2010/main" val="2870225983"/>
+      </p:ext>
+    </p:extLst>
+  </p:cSld>
+  <p:clrMapOvr>
+    <a:masterClrMapping/>
+  </p:clrMapOvr>
+</p:sld>
+</file>
+
+<file path=ppt/slides/slide16.xml><?xml version="1.0" encoding="utf-8"?>
 <p:sld xmlns:a="http://schemas.openxmlformats.org/drawingml/2006/main" xmlns:r="http://schemas.openxmlformats.org/officeDocument/2006/relationships" xmlns:p="http://schemas.openxmlformats.org/presentationml/2006/main">
   <p:cSld>
     <p:spTree>
@@ -6703,293 +8954,162 @@
       </p:grpSpPr>
       <p:sp>
         <p:nvSpPr>
-          <p:cNvPr id="4" name="Title 1">
+          <p:cNvPr id="2" name="Title 1">
             <a:extLst>
               <a:ext uri="{FF2B5EF4-FFF2-40B4-BE49-F238E27FC236}">
-                <a16:creationId xmlns:a16="http://schemas.microsoft.com/office/drawing/2014/main" id="{64EAFF73-DC6D-83DE-30CD-C156D875FCE8}"/>
+                <a16:creationId xmlns:a16="http://schemas.microsoft.com/office/drawing/2014/main" id="{C3AAB821-33E5-AF61-8FEC-2E1ED26B4225}"/>
               </a:ext>
             </a:extLst>
           </p:cNvPr>
           <p:cNvSpPr>
             <a:spLocks noGrp="1"/>
           </p:cNvSpPr>
-          <p:nvPr/>
+          <p:nvPr>
+            <p:ph type="ctrTitle"/>
+          </p:nvPr>
         </p:nvSpPr>
         <p:spPr>
           <a:xfrm>
-            <a:off x="838200" y="523081"/>
-            <a:ext cx="10515600" cy="1325563"/>
+            <a:off x="1523999" y="291663"/>
+            <a:ext cx="10144539" cy="811924"/>
           </a:xfrm>
-          <a:prstGeom prst="rect">
-            <a:avLst/>
-          </a:prstGeom>
         </p:spPr>
         <p:txBody>
-          <a:bodyPr vert="horz" lIns="91440" tIns="45720" rIns="91440" bIns="45720" rtlCol="0" anchor="ctr">
-            <a:normAutofit/>
+          <a:bodyPr>
+            <a:noAutofit/>
           </a:bodyPr>
-          <a:lstStyle>
-            <a:lvl1pPr algn="l" defTabSz="914400" rtl="0" eaLnBrk="1" latinLnBrk="0" hangingPunct="1">
-              <a:lnSpc>
-                <a:spcPct val="90000"/>
-              </a:lnSpc>
-              <a:spcBef>
-                <a:spcPct val="0"/>
-              </a:spcBef>
-              <a:buNone/>
-              <a:defRPr sz="4400" kern="1200">
-                <a:solidFill>
-                  <a:schemeClr val="tx1"/>
-                </a:solidFill>
-                <a:latin typeface="+mj-lt"/>
-                <a:ea typeface="+mj-ea"/>
-                <a:cs typeface="+mj-cs"/>
-              </a:defRPr>
-            </a:lvl1pPr>
-          </a:lstStyle>
-          <a:p>
-            <a:r>
-              <a:rPr lang="en-US" dirty="0"/>
-              <a:t>5G Basics -- Terms</a:t>
-            </a:r>
-          </a:p>
-        </p:txBody>
-      </p:sp>
-      <p:sp>
-        <p:nvSpPr>
-          <p:cNvPr id="5" name="Content Placeholder 2">
+          <a:lstStyle/>
+          <a:p>
+            <a:r>
+              <a:rPr lang="en-US" sz="3600" dirty="0">
+                <a:solidFill>
+                  <a:srgbClr val="782F40"/>
+                </a:solidFill>
+                <a:latin typeface="Open Sans" panose="020B0606030504020204" pitchFamily="34" charset="0"/>
+                <a:ea typeface="Open Sans" panose="020B0606030504020204" pitchFamily="34" charset="0"/>
+                <a:cs typeface="Open Sans" panose="020B0606030504020204" pitchFamily="34" charset="0"/>
+              </a:rPr>
+              <a:t>Main service categories for 5G networks</a:t>
+            </a:r>
+          </a:p>
+        </p:txBody>
+      </p:sp>
+      <p:sp>
+        <p:nvSpPr>
+          <p:cNvPr id="3" name="Subtitle 2">
             <a:extLst>
               <a:ext uri="{FF2B5EF4-FFF2-40B4-BE49-F238E27FC236}">
-                <a16:creationId xmlns:a16="http://schemas.microsoft.com/office/drawing/2014/main" id="{54BE5F70-64D0-DA64-3D4A-242BC16BD016}"/>
+                <a16:creationId xmlns:a16="http://schemas.microsoft.com/office/drawing/2014/main" id="{4A53E446-A217-D851-66B8-B4454BEDF6B9}"/>
               </a:ext>
             </a:extLst>
           </p:cNvPr>
           <p:cNvSpPr>
             <a:spLocks noGrp="1"/>
           </p:cNvSpPr>
-          <p:nvPr/>
+          <p:nvPr>
+            <p:ph type="subTitle" idx="1"/>
+          </p:nvPr>
         </p:nvSpPr>
         <p:spPr>
           <a:xfrm>
-            <a:off x="838200" y="1983581"/>
-            <a:ext cx="10515600" cy="4351338"/>
+            <a:off x="1523999" y="1347951"/>
+            <a:ext cx="10144539" cy="4627179"/>
           </a:xfrm>
-          <a:prstGeom prst="rect">
-            <a:avLst/>
-          </a:prstGeom>
         </p:spPr>
         <p:txBody>
-          <a:bodyPr vert="horz" lIns="91440" tIns="45720" rIns="91440" bIns="45720" rtlCol="0">
-            <a:normAutofit/>
+          <a:bodyPr>
+            <a:normAutofit lnSpcReduction="10000"/>
           </a:bodyPr>
-          <a:lstStyle>
-            <a:lvl1pPr marL="228600" indent="-228600" algn="l" defTabSz="914400" rtl="0" eaLnBrk="1" latinLnBrk="0" hangingPunct="1">
-              <a:lnSpc>
-                <a:spcPct val="90000"/>
-              </a:lnSpc>
-              <a:spcBef>
-                <a:spcPts val="1000"/>
-              </a:spcBef>
-              <a:buFont typeface="Arial" panose="020B0604020202020204" pitchFamily="34" charset="0"/>
-              <a:buChar char="•"/>
-              <a:defRPr sz="2800" kern="1200">
-                <a:solidFill>
-                  <a:schemeClr val="tx1"/>
-                </a:solidFill>
-                <a:latin typeface="+mn-lt"/>
-                <a:ea typeface="+mn-ea"/>
-                <a:cs typeface="+mn-cs"/>
-              </a:defRPr>
-            </a:lvl1pPr>
-            <a:lvl2pPr marL="685800" indent="-228600" algn="l" defTabSz="914400" rtl="0" eaLnBrk="1" latinLnBrk="0" hangingPunct="1">
-              <a:lnSpc>
-                <a:spcPct val="90000"/>
-              </a:lnSpc>
-              <a:spcBef>
-                <a:spcPts val="500"/>
-              </a:spcBef>
-              <a:buFont typeface="Arial" panose="020B0604020202020204" pitchFamily="34" charset="0"/>
-              <a:buChar char="•"/>
-              <a:defRPr sz="2400" kern="1200">
-                <a:solidFill>
-                  <a:schemeClr val="tx1"/>
-                </a:solidFill>
-                <a:latin typeface="+mn-lt"/>
-                <a:ea typeface="+mn-ea"/>
-                <a:cs typeface="+mn-cs"/>
-              </a:defRPr>
-            </a:lvl2pPr>
-            <a:lvl3pPr marL="1143000" indent="-228600" algn="l" defTabSz="914400" rtl="0" eaLnBrk="1" latinLnBrk="0" hangingPunct="1">
-              <a:lnSpc>
-                <a:spcPct val="90000"/>
-              </a:lnSpc>
-              <a:spcBef>
-                <a:spcPts val="500"/>
-              </a:spcBef>
-              <a:buFont typeface="Arial" panose="020B0604020202020204" pitchFamily="34" charset="0"/>
-              <a:buChar char="•"/>
-              <a:defRPr sz="2000" kern="1200">
-                <a:solidFill>
-                  <a:schemeClr val="tx1"/>
-                </a:solidFill>
-                <a:latin typeface="+mn-lt"/>
-                <a:ea typeface="+mn-ea"/>
-                <a:cs typeface="+mn-cs"/>
-              </a:defRPr>
-            </a:lvl3pPr>
-            <a:lvl4pPr marL="1600200" indent="-228600" algn="l" defTabSz="914400" rtl="0" eaLnBrk="1" latinLnBrk="0" hangingPunct="1">
-              <a:lnSpc>
-                <a:spcPct val="90000"/>
-              </a:lnSpc>
-              <a:spcBef>
-                <a:spcPts val="500"/>
-              </a:spcBef>
-              <a:buFont typeface="Arial" panose="020B0604020202020204" pitchFamily="34" charset="0"/>
-              <a:buChar char="•"/>
-              <a:defRPr sz="1800" kern="1200">
-                <a:solidFill>
-                  <a:schemeClr val="tx1"/>
-                </a:solidFill>
-                <a:latin typeface="+mn-lt"/>
-                <a:ea typeface="+mn-ea"/>
-                <a:cs typeface="+mn-cs"/>
-              </a:defRPr>
-            </a:lvl4pPr>
-            <a:lvl5pPr marL="2057400" indent="-228600" algn="l" defTabSz="914400" rtl="0" eaLnBrk="1" latinLnBrk="0" hangingPunct="1">
-              <a:lnSpc>
-                <a:spcPct val="90000"/>
-              </a:lnSpc>
-              <a:spcBef>
-                <a:spcPts val="500"/>
-              </a:spcBef>
-              <a:buFont typeface="Arial" panose="020B0604020202020204" pitchFamily="34" charset="0"/>
-              <a:buChar char="•"/>
-              <a:defRPr sz="1800" kern="1200">
-                <a:solidFill>
-                  <a:schemeClr val="tx1"/>
-                </a:solidFill>
-                <a:latin typeface="+mn-lt"/>
-                <a:ea typeface="+mn-ea"/>
-                <a:cs typeface="+mn-cs"/>
-              </a:defRPr>
-            </a:lvl5pPr>
-            <a:lvl6pPr marL="2514600" indent="-228600" algn="l" defTabSz="914400" rtl="0" eaLnBrk="1" latinLnBrk="0" hangingPunct="1">
-              <a:lnSpc>
-                <a:spcPct val="90000"/>
-              </a:lnSpc>
-              <a:spcBef>
-                <a:spcPts val="500"/>
-              </a:spcBef>
-              <a:buFont typeface="Arial" panose="020B0604020202020204" pitchFamily="34" charset="0"/>
-              <a:buChar char="•"/>
-              <a:defRPr sz="1800" kern="1200">
-                <a:solidFill>
-                  <a:schemeClr val="tx1"/>
-                </a:solidFill>
-                <a:latin typeface="+mn-lt"/>
-                <a:ea typeface="+mn-ea"/>
-                <a:cs typeface="+mn-cs"/>
-              </a:defRPr>
-            </a:lvl6pPr>
-            <a:lvl7pPr marL="2971800" indent="-228600" algn="l" defTabSz="914400" rtl="0" eaLnBrk="1" latinLnBrk="0" hangingPunct="1">
-              <a:lnSpc>
-                <a:spcPct val="90000"/>
-              </a:lnSpc>
-              <a:spcBef>
-                <a:spcPts val="500"/>
-              </a:spcBef>
-              <a:buFont typeface="Arial" panose="020B0604020202020204" pitchFamily="34" charset="0"/>
-              <a:buChar char="•"/>
-              <a:defRPr sz="1800" kern="1200">
-                <a:solidFill>
-                  <a:schemeClr val="tx1"/>
-                </a:solidFill>
-                <a:latin typeface="+mn-lt"/>
-                <a:ea typeface="+mn-ea"/>
-                <a:cs typeface="+mn-cs"/>
-              </a:defRPr>
-            </a:lvl7pPr>
-            <a:lvl8pPr marL="3429000" indent="-228600" algn="l" defTabSz="914400" rtl="0" eaLnBrk="1" latinLnBrk="0" hangingPunct="1">
-              <a:lnSpc>
-                <a:spcPct val="90000"/>
-              </a:lnSpc>
-              <a:spcBef>
-                <a:spcPts val="500"/>
-              </a:spcBef>
-              <a:buFont typeface="Arial" panose="020B0604020202020204" pitchFamily="34" charset="0"/>
-              <a:buChar char="•"/>
-              <a:defRPr sz="1800" kern="1200">
-                <a:solidFill>
-                  <a:schemeClr val="tx1"/>
-                </a:solidFill>
-                <a:latin typeface="+mn-lt"/>
-                <a:ea typeface="+mn-ea"/>
-                <a:cs typeface="+mn-cs"/>
-              </a:defRPr>
-            </a:lvl8pPr>
-            <a:lvl9pPr marL="3886200" indent="-228600" algn="l" defTabSz="914400" rtl="0" eaLnBrk="1" latinLnBrk="0" hangingPunct="1">
-              <a:lnSpc>
-                <a:spcPct val="90000"/>
-              </a:lnSpc>
-              <a:spcBef>
-                <a:spcPts val="500"/>
-              </a:spcBef>
-              <a:buFont typeface="Arial" panose="020B0604020202020204" pitchFamily="34" charset="0"/>
-              <a:buChar char="•"/>
-              <a:defRPr sz="1800" kern="1200">
-                <a:solidFill>
-                  <a:schemeClr val="tx1"/>
-                </a:solidFill>
-                <a:latin typeface="+mn-lt"/>
-                <a:ea typeface="+mn-ea"/>
-                <a:cs typeface="+mn-cs"/>
-              </a:defRPr>
-            </a:lvl9pPr>
-          </a:lstStyle>
-          <a:p>
-            <a:r>
-              <a:rPr lang="en-US" dirty="0"/>
-              <a:t>Base station: called </a:t>
-            </a:r>
+          <a:lstStyle/>
+          <a:p>
             <a:r>
               <a:rPr lang="en-US" dirty="0" err="1"/>
-              <a:t>gNodeB</a:t>
-            </a:r>
+              <a:t>eMBB</a:t>
+            </a:r>
+            <a:r>
+              <a:rPr lang="en-US" dirty="0"/>
+              <a:t> </a:t>
+            </a:r>
+            <a:r>
+              <a:rPr lang="en-US" b="1" dirty="0"/>
+              <a:t>(Enhanced Mobile Broadband)</a:t>
+            </a:r>
+            <a:r>
+              <a:rPr lang="en-US" dirty="0"/>
+              <a:t>: </a:t>
+            </a:r>
+          </a:p>
+          <a:p>
+            <a:r>
+              <a:rPr lang="en-US" dirty="0"/>
+              <a:t>video streaming, AR/VR</a:t>
+            </a:r>
+          </a:p>
+          <a:p>
             <a:endParaRPr lang="en-US" dirty="0"/>
           </a:p>
           <a:p>
             <a:r>
               <a:rPr lang="en-US" dirty="0"/>
-              <a:t>User device: called UE</a:t>
-            </a:r>
-          </a:p>
-          <a:p>
-            <a:r>
-              <a:rPr lang="en-US" dirty="0" err="1"/>
-              <a:t>gNB</a:t>
-            </a:r>
-            <a:r>
-              <a:rPr lang="en-US" dirty="0"/>
-              <a:t> may connect to each other with an interface named X2; </a:t>
-            </a:r>
-            <a:r>
-              <a:rPr lang="en-US" dirty="0" err="1"/>
-              <a:t>gNB</a:t>
-            </a:r>
-            <a:r>
-              <a:rPr lang="en-US" dirty="0"/>
-              <a:t> may connect to the Evolved Packet Core (EPC) with an interface called X1 </a:t>
+              <a:t>URLLC </a:t>
+            </a:r>
+            <a:r>
+              <a:rPr lang="en-US" b="1" dirty="0"/>
+              <a:t>(Ultra-Reliable Low-Latency Communications)</a:t>
+            </a:r>
+            <a:r>
+              <a:rPr lang="en-US" dirty="0"/>
+              <a:t>:</a:t>
+            </a:r>
+          </a:p>
+          <a:p>
+            <a:r>
+              <a:rPr lang="en-US" dirty="0"/>
+              <a:t>remote surgery, autonomous cars (partially)</a:t>
             </a:r>
           </a:p>
           <a:p>
             <a:endParaRPr lang="en-US" dirty="0"/>
+          </a:p>
+          <a:p>
+            <a:r>
+              <a:rPr lang="en-US" altLang="zh-CN" dirty="0" err="1"/>
+              <a:t>mMTC</a:t>
+            </a:r>
+            <a:r>
+              <a:rPr lang="en-US" altLang="zh-CN" dirty="0"/>
+              <a:t> </a:t>
+            </a:r>
+            <a:r>
+              <a:rPr lang="en-US" b="1" dirty="0"/>
+              <a:t>(massive Machine-Type Communications)</a:t>
+            </a:r>
+            <a:r>
+              <a:rPr lang="en-US" altLang="zh-CN" dirty="0"/>
+              <a:t>:</a:t>
+            </a:r>
+          </a:p>
+          <a:p>
+            <a:r>
+              <a:rPr lang="en-US" dirty="0"/>
+              <a:t>smart cities, sensors</a:t>
+            </a:r>
+          </a:p>
+          <a:p>
+            <a:endParaRPr lang="en-US" dirty="0"/>
+          </a:p>
+          <a:p>
+            <a:r>
+              <a:rPr lang="en-US" dirty="0"/>
+              <a:t>These distinct requirements are met through network slicing, allowing tailored resource allocation for different services</a:t>
+            </a:r>
           </a:p>
         </p:txBody>
       </p:sp>
     </p:spTree>
     <p:extLst>
       <p:ext uri="{BB962C8B-B14F-4D97-AF65-F5344CB8AC3E}">
-        <p14:creationId xmlns:p14="http://schemas.microsoft.com/office/powerpoint/2010/main" val="4257219969"/>
+        <p14:creationId xmlns:p14="http://schemas.microsoft.com/office/powerpoint/2010/main" val="1677925931"/>
       </p:ext>
     </p:extLst>
   </p:cSld>
@@ -6999,1240 +9119,7 @@
 </p:sld>
 </file>
 
-<file path=ppt/slides/slide12.xml><?xml version="1.0" encoding="utf-8"?>
-<p:sld xmlns:a="http://schemas.openxmlformats.org/drawingml/2006/main" xmlns:r="http://schemas.openxmlformats.org/officeDocument/2006/relationships" xmlns:p="http://schemas.openxmlformats.org/presentationml/2006/main">
-  <p:cSld>
-    <p:spTree>
-      <p:nvGrpSpPr>
-        <p:cNvPr id="1" name=""/>
-        <p:cNvGrpSpPr/>
-        <p:nvPr/>
-      </p:nvGrpSpPr>
-      <p:grpSpPr>
-        <a:xfrm>
-          <a:off x="0" y="0"/>
-          <a:ext cx="0" cy="0"/>
-          <a:chOff x="0" y="0"/>
-          <a:chExt cx="0" cy="0"/>
-        </a:xfrm>
-      </p:grpSpPr>
-      <p:sp>
-        <p:nvSpPr>
-          <p:cNvPr id="6" name="Title 1">
-            <a:extLst>
-              <a:ext uri="{FF2B5EF4-FFF2-40B4-BE49-F238E27FC236}">
-                <a16:creationId xmlns:a16="http://schemas.microsoft.com/office/drawing/2014/main" id="{3D59401F-073A-3FDE-23B3-6D7A3BA53915}"/>
-              </a:ext>
-            </a:extLst>
-          </p:cNvPr>
-          <p:cNvSpPr>
-            <a:spLocks noGrp="1"/>
-          </p:cNvSpPr>
-          <p:nvPr/>
-        </p:nvSpPr>
-        <p:spPr>
-          <a:xfrm>
-            <a:off x="838200" y="523081"/>
-            <a:ext cx="10515600" cy="1325563"/>
-          </a:xfrm>
-          <a:prstGeom prst="rect">
-            <a:avLst/>
-          </a:prstGeom>
-        </p:spPr>
-        <p:txBody>
-          <a:bodyPr vert="horz" lIns="91440" tIns="45720" rIns="91440" bIns="45720" rtlCol="0" anchor="ctr">
-            <a:normAutofit/>
-          </a:bodyPr>
-          <a:lstStyle>
-            <a:lvl1pPr algn="l" defTabSz="914400" rtl="0" eaLnBrk="1" latinLnBrk="0" hangingPunct="1">
-              <a:lnSpc>
-                <a:spcPct val="90000"/>
-              </a:lnSpc>
-              <a:spcBef>
-                <a:spcPct val="0"/>
-              </a:spcBef>
-              <a:buNone/>
-              <a:defRPr sz="4400" kern="1200">
-                <a:solidFill>
-                  <a:schemeClr val="tx1"/>
-                </a:solidFill>
-                <a:latin typeface="+mj-lt"/>
-                <a:ea typeface="+mj-ea"/>
-                <a:cs typeface="+mj-cs"/>
-              </a:defRPr>
-            </a:lvl1pPr>
-          </a:lstStyle>
-          <a:p>
-            <a:r>
-              <a:rPr lang="en-US" dirty="0"/>
-              <a:t>5G Basics -- Joining an LTE network</a:t>
-            </a:r>
-          </a:p>
-        </p:txBody>
-      </p:sp>
-      <p:sp>
-        <p:nvSpPr>
-          <p:cNvPr id="7" name="Content Placeholder 2">
-            <a:extLst>
-              <a:ext uri="{FF2B5EF4-FFF2-40B4-BE49-F238E27FC236}">
-                <a16:creationId xmlns:a16="http://schemas.microsoft.com/office/drawing/2014/main" id="{8E90EBBF-1C31-CA03-33D1-1506B904D151}"/>
-              </a:ext>
-            </a:extLst>
-          </p:cNvPr>
-          <p:cNvSpPr>
-            <a:spLocks noGrp="1"/>
-          </p:cNvSpPr>
-          <p:nvPr/>
-        </p:nvSpPr>
-        <p:spPr>
-          <a:xfrm>
-            <a:off x="838200" y="1983581"/>
-            <a:ext cx="10515600" cy="4351338"/>
-          </a:xfrm>
-          <a:prstGeom prst="rect">
-            <a:avLst/>
-          </a:prstGeom>
-        </p:spPr>
-        <p:txBody>
-          <a:bodyPr vert="horz" lIns="91440" tIns="45720" rIns="91440" bIns="45720" rtlCol="0">
-            <a:normAutofit/>
-          </a:bodyPr>
-          <a:lstStyle>
-            <a:lvl1pPr marL="228600" indent="-228600" algn="l" defTabSz="914400" rtl="0" eaLnBrk="1" latinLnBrk="0" hangingPunct="1">
-              <a:lnSpc>
-                <a:spcPct val="90000"/>
-              </a:lnSpc>
-              <a:spcBef>
-                <a:spcPts val="1000"/>
-              </a:spcBef>
-              <a:buFont typeface="Arial" panose="020B0604020202020204" pitchFamily="34" charset="0"/>
-              <a:buChar char="•"/>
-              <a:defRPr sz="2800" kern="1200">
-                <a:solidFill>
-                  <a:schemeClr val="tx1"/>
-                </a:solidFill>
-                <a:latin typeface="+mn-lt"/>
-                <a:ea typeface="+mn-ea"/>
-                <a:cs typeface="+mn-cs"/>
-              </a:defRPr>
-            </a:lvl1pPr>
-            <a:lvl2pPr marL="685800" indent="-228600" algn="l" defTabSz="914400" rtl="0" eaLnBrk="1" latinLnBrk="0" hangingPunct="1">
-              <a:lnSpc>
-                <a:spcPct val="90000"/>
-              </a:lnSpc>
-              <a:spcBef>
-                <a:spcPts val="500"/>
-              </a:spcBef>
-              <a:buFont typeface="Arial" panose="020B0604020202020204" pitchFamily="34" charset="0"/>
-              <a:buChar char="•"/>
-              <a:defRPr sz="2400" kern="1200">
-                <a:solidFill>
-                  <a:schemeClr val="tx1"/>
-                </a:solidFill>
-                <a:latin typeface="+mn-lt"/>
-                <a:ea typeface="+mn-ea"/>
-                <a:cs typeface="+mn-cs"/>
-              </a:defRPr>
-            </a:lvl2pPr>
-            <a:lvl3pPr marL="1143000" indent="-228600" algn="l" defTabSz="914400" rtl="0" eaLnBrk="1" latinLnBrk="0" hangingPunct="1">
-              <a:lnSpc>
-                <a:spcPct val="90000"/>
-              </a:lnSpc>
-              <a:spcBef>
-                <a:spcPts val="500"/>
-              </a:spcBef>
-              <a:buFont typeface="Arial" panose="020B0604020202020204" pitchFamily="34" charset="0"/>
-              <a:buChar char="•"/>
-              <a:defRPr sz="2000" kern="1200">
-                <a:solidFill>
-                  <a:schemeClr val="tx1"/>
-                </a:solidFill>
-                <a:latin typeface="+mn-lt"/>
-                <a:ea typeface="+mn-ea"/>
-                <a:cs typeface="+mn-cs"/>
-              </a:defRPr>
-            </a:lvl3pPr>
-            <a:lvl4pPr marL="1600200" indent="-228600" algn="l" defTabSz="914400" rtl="0" eaLnBrk="1" latinLnBrk="0" hangingPunct="1">
-              <a:lnSpc>
-                <a:spcPct val="90000"/>
-              </a:lnSpc>
-              <a:spcBef>
-                <a:spcPts val="500"/>
-              </a:spcBef>
-              <a:buFont typeface="Arial" panose="020B0604020202020204" pitchFamily="34" charset="0"/>
-              <a:buChar char="•"/>
-              <a:defRPr sz="1800" kern="1200">
-                <a:solidFill>
-                  <a:schemeClr val="tx1"/>
-                </a:solidFill>
-                <a:latin typeface="+mn-lt"/>
-                <a:ea typeface="+mn-ea"/>
-                <a:cs typeface="+mn-cs"/>
-              </a:defRPr>
-            </a:lvl4pPr>
-            <a:lvl5pPr marL="2057400" indent="-228600" algn="l" defTabSz="914400" rtl="0" eaLnBrk="1" latinLnBrk="0" hangingPunct="1">
-              <a:lnSpc>
-                <a:spcPct val="90000"/>
-              </a:lnSpc>
-              <a:spcBef>
-                <a:spcPts val="500"/>
-              </a:spcBef>
-              <a:buFont typeface="Arial" panose="020B0604020202020204" pitchFamily="34" charset="0"/>
-              <a:buChar char="•"/>
-              <a:defRPr sz="1800" kern="1200">
-                <a:solidFill>
-                  <a:schemeClr val="tx1"/>
-                </a:solidFill>
-                <a:latin typeface="+mn-lt"/>
-                <a:ea typeface="+mn-ea"/>
-                <a:cs typeface="+mn-cs"/>
-              </a:defRPr>
-            </a:lvl5pPr>
-            <a:lvl6pPr marL="2514600" indent="-228600" algn="l" defTabSz="914400" rtl="0" eaLnBrk="1" latinLnBrk="0" hangingPunct="1">
-              <a:lnSpc>
-                <a:spcPct val="90000"/>
-              </a:lnSpc>
-              <a:spcBef>
-                <a:spcPts val="500"/>
-              </a:spcBef>
-              <a:buFont typeface="Arial" panose="020B0604020202020204" pitchFamily="34" charset="0"/>
-              <a:buChar char="•"/>
-              <a:defRPr sz="1800" kern="1200">
-                <a:solidFill>
-                  <a:schemeClr val="tx1"/>
-                </a:solidFill>
-                <a:latin typeface="+mn-lt"/>
-                <a:ea typeface="+mn-ea"/>
-                <a:cs typeface="+mn-cs"/>
-              </a:defRPr>
-            </a:lvl6pPr>
-            <a:lvl7pPr marL="2971800" indent="-228600" algn="l" defTabSz="914400" rtl="0" eaLnBrk="1" latinLnBrk="0" hangingPunct="1">
-              <a:lnSpc>
-                <a:spcPct val="90000"/>
-              </a:lnSpc>
-              <a:spcBef>
-                <a:spcPts val="500"/>
-              </a:spcBef>
-              <a:buFont typeface="Arial" panose="020B0604020202020204" pitchFamily="34" charset="0"/>
-              <a:buChar char="•"/>
-              <a:defRPr sz="1800" kern="1200">
-                <a:solidFill>
-                  <a:schemeClr val="tx1"/>
-                </a:solidFill>
-                <a:latin typeface="+mn-lt"/>
-                <a:ea typeface="+mn-ea"/>
-                <a:cs typeface="+mn-cs"/>
-              </a:defRPr>
-            </a:lvl7pPr>
-            <a:lvl8pPr marL="3429000" indent="-228600" algn="l" defTabSz="914400" rtl="0" eaLnBrk="1" latinLnBrk="0" hangingPunct="1">
-              <a:lnSpc>
-                <a:spcPct val="90000"/>
-              </a:lnSpc>
-              <a:spcBef>
-                <a:spcPts val="500"/>
-              </a:spcBef>
-              <a:buFont typeface="Arial" panose="020B0604020202020204" pitchFamily="34" charset="0"/>
-              <a:buChar char="•"/>
-              <a:defRPr sz="1800" kern="1200">
-                <a:solidFill>
-                  <a:schemeClr val="tx1"/>
-                </a:solidFill>
-                <a:latin typeface="+mn-lt"/>
-                <a:ea typeface="+mn-ea"/>
-                <a:cs typeface="+mn-cs"/>
-              </a:defRPr>
-            </a:lvl8pPr>
-            <a:lvl9pPr marL="3886200" indent="-228600" algn="l" defTabSz="914400" rtl="0" eaLnBrk="1" latinLnBrk="0" hangingPunct="1">
-              <a:lnSpc>
-                <a:spcPct val="90000"/>
-              </a:lnSpc>
-              <a:spcBef>
-                <a:spcPts val="500"/>
-              </a:spcBef>
-              <a:buFont typeface="Arial" panose="020B0604020202020204" pitchFamily="34" charset="0"/>
-              <a:buChar char="•"/>
-              <a:defRPr sz="1800" kern="1200">
-                <a:solidFill>
-                  <a:schemeClr val="tx1"/>
-                </a:solidFill>
-                <a:latin typeface="+mn-lt"/>
-                <a:ea typeface="+mn-ea"/>
-                <a:cs typeface="+mn-cs"/>
-              </a:defRPr>
-            </a:lvl9pPr>
-          </a:lstStyle>
-          <a:p>
-            <a:r>
-              <a:rPr lang="en-US" dirty="0"/>
-              <a:t>High level description:</a:t>
-            </a:r>
-          </a:p>
-          <a:p>
-            <a:pPr marL="914400" lvl="1" indent="-457200">
-              <a:buFont typeface="+mj-lt"/>
-              <a:buAutoNum type="arabicPeriod"/>
-            </a:pPr>
-            <a:r>
-              <a:rPr lang="en-US" dirty="0"/>
-              <a:t>The UE receives the broadcast signals from neighboring </a:t>
-            </a:r>
-            <a:r>
-              <a:rPr lang="en-US" dirty="0" err="1"/>
-              <a:t>gNBs</a:t>
-            </a:r>
-            <a:r>
-              <a:rPr lang="en-US" dirty="0"/>
-              <a:t> and finds the one with the strongest signal. </a:t>
-            </a:r>
-          </a:p>
-          <a:p>
-            <a:pPr marL="914400" lvl="1" indent="-457200">
-              <a:buFont typeface="+mj-lt"/>
-              <a:buAutoNum type="arabicPeriod"/>
-            </a:pPr>
-            <a:r>
-              <a:rPr lang="en-US" dirty="0"/>
-              <a:t>The UE sends connection request with the help of a random access channel to the selected </a:t>
-            </a:r>
-            <a:r>
-              <a:rPr lang="en-US" dirty="0" err="1"/>
-              <a:t>gNB</a:t>
-            </a:r>
-            <a:r>
-              <a:rPr lang="en-US" dirty="0"/>
-              <a:t>, which may accept the request.  </a:t>
-            </a:r>
-          </a:p>
-        </p:txBody>
-      </p:sp>
-    </p:spTree>
-    <p:extLst>
-      <p:ext uri="{BB962C8B-B14F-4D97-AF65-F5344CB8AC3E}">
-        <p14:creationId xmlns:p14="http://schemas.microsoft.com/office/powerpoint/2010/main" val="2764665478"/>
-      </p:ext>
-    </p:extLst>
-  </p:cSld>
-  <p:clrMapOvr>
-    <a:masterClrMapping/>
-  </p:clrMapOvr>
-</p:sld>
-</file>
-
-<file path=ppt/slides/slide13.xml><?xml version="1.0" encoding="utf-8"?>
-<p:sld xmlns:a="http://schemas.openxmlformats.org/drawingml/2006/main" xmlns:r="http://schemas.openxmlformats.org/officeDocument/2006/relationships" xmlns:p="http://schemas.openxmlformats.org/presentationml/2006/main">
-  <p:cSld>
-    <p:spTree>
-      <p:nvGrpSpPr>
-        <p:cNvPr id="1" name=""/>
-        <p:cNvGrpSpPr/>
-        <p:nvPr/>
-      </p:nvGrpSpPr>
-      <p:grpSpPr>
-        <a:xfrm>
-          <a:off x="0" y="0"/>
-          <a:ext cx="0" cy="0"/>
-          <a:chOff x="0" y="0"/>
-          <a:chExt cx="0" cy="0"/>
-        </a:xfrm>
-      </p:grpSpPr>
-      <p:sp>
-        <p:nvSpPr>
-          <p:cNvPr id="4" name="Title 1">
-            <a:extLst>
-              <a:ext uri="{FF2B5EF4-FFF2-40B4-BE49-F238E27FC236}">
-                <a16:creationId xmlns:a16="http://schemas.microsoft.com/office/drawing/2014/main" id="{6F39771A-5F2D-D683-57D1-45DE7A190E4F}"/>
-              </a:ext>
-            </a:extLst>
-          </p:cNvPr>
-          <p:cNvSpPr>
-            <a:spLocks noGrp="1"/>
-          </p:cNvSpPr>
-          <p:nvPr/>
-        </p:nvSpPr>
-        <p:spPr>
-          <a:xfrm>
-            <a:off x="838200" y="523081"/>
-            <a:ext cx="10515600" cy="1325563"/>
-          </a:xfrm>
-          <a:prstGeom prst="rect">
-            <a:avLst/>
-          </a:prstGeom>
-        </p:spPr>
-        <p:txBody>
-          <a:bodyPr vert="horz" lIns="91440" tIns="45720" rIns="91440" bIns="45720" rtlCol="0" anchor="ctr">
-            <a:normAutofit/>
-          </a:bodyPr>
-          <a:lstStyle>
-            <a:lvl1pPr algn="l" defTabSz="914400" rtl="0" eaLnBrk="1" latinLnBrk="0" hangingPunct="1">
-              <a:lnSpc>
-                <a:spcPct val="90000"/>
-              </a:lnSpc>
-              <a:spcBef>
-                <a:spcPct val="0"/>
-              </a:spcBef>
-              <a:buNone/>
-              <a:defRPr sz="4400" kern="1200">
-                <a:solidFill>
-                  <a:schemeClr val="tx1"/>
-                </a:solidFill>
-                <a:latin typeface="+mj-lt"/>
-                <a:ea typeface="+mj-ea"/>
-                <a:cs typeface="+mj-cs"/>
-              </a:defRPr>
-            </a:lvl1pPr>
-          </a:lstStyle>
-          <a:p>
-            <a:r>
-              <a:rPr lang="en-US" dirty="0"/>
-              <a:t>5G Basics -- Initiating data transfer from a cellphone</a:t>
-            </a:r>
-          </a:p>
-        </p:txBody>
-      </p:sp>
-      <p:sp>
-        <p:nvSpPr>
-          <p:cNvPr id="5" name="Content Placeholder 2">
-            <a:extLst>
-              <a:ext uri="{FF2B5EF4-FFF2-40B4-BE49-F238E27FC236}">
-                <a16:creationId xmlns:a16="http://schemas.microsoft.com/office/drawing/2014/main" id="{A3B5990A-8184-B364-DF55-9BB71AD4499E}"/>
-              </a:ext>
-            </a:extLst>
-          </p:cNvPr>
-          <p:cNvSpPr>
-            <a:spLocks noGrp="1"/>
-          </p:cNvSpPr>
-          <p:nvPr/>
-        </p:nvSpPr>
-        <p:spPr>
-          <a:xfrm>
-            <a:off x="838200" y="1983581"/>
-            <a:ext cx="10515600" cy="4351338"/>
-          </a:xfrm>
-          <a:prstGeom prst="rect">
-            <a:avLst/>
-          </a:prstGeom>
-        </p:spPr>
-        <p:txBody>
-          <a:bodyPr vert="horz" lIns="91440" tIns="45720" rIns="91440" bIns="45720" rtlCol="0">
-            <a:normAutofit/>
-          </a:bodyPr>
-          <a:lstStyle>
-            <a:lvl1pPr marL="228600" indent="-228600" algn="l" defTabSz="914400" rtl="0" eaLnBrk="1" latinLnBrk="0" hangingPunct="1">
-              <a:lnSpc>
-                <a:spcPct val="90000"/>
-              </a:lnSpc>
-              <a:spcBef>
-                <a:spcPts val="1000"/>
-              </a:spcBef>
-              <a:buFont typeface="Arial" panose="020B0604020202020204" pitchFamily="34" charset="0"/>
-              <a:buChar char="•"/>
-              <a:defRPr sz="2800" kern="1200">
-                <a:solidFill>
-                  <a:schemeClr val="tx1"/>
-                </a:solidFill>
-                <a:latin typeface="+mn-lt"/>
-                <a:ea typeface="+mn-ea"/>
-                <a:cs typeface="+mn-cs"/>
-              </a:defRPr>
-            </a:lvl1pPr>
-            <a:lvl2pPr marL="685800" indent="-228600" algn="l" defTabSz="914400" rtl="0" eaLnBrk="1" latinLnBrk="0" hangingPunct="1">
-              <a:lnSpc>
-                <a:spcPct val="90000"/>
-              </a:lnSpc>
-              <a:spcBef>
-                <a:spcPts val="500"/>
-              </a:spcBef>
-              <a:buFont typeface="Arial" panose="020B0604020202020204" pitchFamily="34" charset="0"/>
-              <a:buChar char="•"/>
-              <a:defRPr sz="2400" kern="1200">
-                <a:solidFill>
-                  <a:schemeClr val="tx1"/>
-                </a:solidFill>
-                <a:latin typeface="+mn-lt"/>
-                <a:ea typeface="+mn-ea"/>
-                <a:cs typeface="+mn-cs"/>
-              </a:defRPr>
-            </a:lvl2pPr>
-            <a:lvl3pPr marL="1143000" indent="-228600" algn="l" defTabSz="914400" rtl="0" eaLnBrk="1" latinLnBrk="0" hangingPunct="1">
-              <a:lnSpc>
-                <a:spcPct val="90000"/>
-              </a:lnSpc>
-              <a:spcBef>
-                <a:spcPts val="500"/>
-              </a:spcBef>
-              <a:buFont typeface="Arial" panose="020B0604020202020204" pitchFamily="34" charset="0"/>
-              <a:buChar char="•"/>
-              <a:defRPr sz="2000" kern="1200">
-                <a:solidFill>
-                  <a:schemeClr val="tx1"/>
-                </a:solidFill>
-                <a:latin typeface="+mn-lt"/>
-                <a:ea typeface="+mn-ea"/>
-                <a:cs typeface="+mn-cs"/>
-              </a:defRPr>
-            </a:lvl3pPr>
-            <a:lvl4pPr marL="1600200" indent="-228600" algn="l" defTabSz="914400" rtl="0" eaLnBrk="1" latinLnBrk="0" hangingPunct="1">
-              <a:lnSpc>
-                <a:spcPct val="90000"/>
-              </a:lnSpc>
-              <a:spcBef>
-                <a:spcPts val="500"/>
-              </a:spcBef>
-              <a:buFont typeface="Arial" panose="020B0604020202020204" pitchFamily="34" charset="0"/>
-              <a:buChar char="•"/>
-              <a:defRPr sz="1800" kern="1200">
-                <a:solidFill>
-                  <a:schemeClr val="tx1"/>
-                </a:solidFill>
-                <a:latin typeface="+mn-lt"/>
-                <a:ea typeface="+mn-ea"/>
-                <a:cs typeface="+mn-cs"/>
-              </a:defRPr>
-            </a:lvl4pPr>
-            <a:lvl5pPr marL="2057400" indent="-228600" algn="l" defTabSz="914400" rtl="0" eaLnBrk="1" latinLnBrk="0" hangingPunct="1">
-              <a:lnSpc>
-                <a:spcPct val="90000"/>
-              </a:lnSpc>
-              <a:spcBef>
-                <a:spcPts val="500"/>
-              </a:spcBef>
-              <a:buFont typeface="Arial" panose="020B0604020202020204" pitchFamily="34" charset="0"/>
-              <a:buChar char="•"/>
-              <a:defRPr sz="1800" kern="1200">
-                <a:solidFill>
-                  <a:schemeClr val="tx1"/>
-                </a:solidFill>
-                <a:latin typeface="+mn-lt"/>
-                <a:ea typeface="+mn-ea"/>
-                <a:cs typeface="+mn-cs"/>
-              </a:defRPr>
-            </a:lvl5pPr>
-            <a:lvl6pPr marL="2514600" indent="-228600" algn="l" defTabSz="914400" rtl="0" eaLnBrk="1" latinLnBrk="0" hangingPunct="1">
-              <a:lnSpc>
-                <a:spcPct val="90000"/>
-              </a:lnSpc>
-              <a:spcBef>
-                <a:spcPts val="500"/>
-              </a:spcBef>
-              <a:buFont typeface="Arial" panose="020B0604020202020204" pitchFamily="34" charset="0"/>
-              <a:buChar char="•"/>
-              <a:defRPr sz="1800" kern="1200">
-                <a:solidFill>
-                  <a:schemeClr val="tx1"/>
-                </a:solidFill>
-                <a:latin typeface="+mn-lt"/>
-                <a:ea typeface="+mn-ea"/>
-                <a:cs typeface="+mn-cs"/>
-              </a:defRPr>
-            </a:lvl6pPr>
-            <a:lvl7pPr marL="2971800" indent="-228600" algn="l" defTabSz="914400" rtl="0" eaLnBrk="1" latinLnBrk="0" hangingPunct="1">
-              <a:lnSpc>
-                <a:spcPct val="90000"/>
-              </a:lnSpc>
-              <a:spcBef>
-                <a:spcPts val="500"/>
-              </a:spcBef>
-              <a:buFont typeface="Arial" panose="020B0604020202020204" pitchFamily="34" charset="0"/>
-              <a:buChar char="•"/>
-              <a:defRPr sz="1800" kern="1200">
-                <a:solidFill>
-                  <a:schemeClr val="tx1"/>
-                </a:solidFill>
-                <a:latin typeface="+mn-lt"/>
-                <a:ea typeface="+mn-ea"/>
-                <a:cs typeface="+mn-cs"/>
-              </a:defRPr>
-            </a:lvl7pPr>
-            <a:lvl8pPr marL="3429000" indent="-228600" algn="l" defTabSz="914400" rtl="0" eaLnBrk="1" latinLnBrk="0" hangingPunct="1">
-              <a:lnSpc>
-                <a:spcPct val="90000"/>
-              </a:lnSpc>
-              <a:spcBef>
-                <a:spcPts val="500"/>
-              </a:spcBef>
-              <a:buFont typeface="Arial" panose="020B0604020202020204" pitchFamily="34" charset="0"/>
-              <a:buChar char="•"/>
-              <a:defRPr sz="1800" kern="1200">
-                <a:solidFill>
-                  <a:schemeClr val="tx1"/>
-                </a:solidFill>
-                <a:latin typeface="+mn-lt"/>
-                <a:ea typeface="+mn-ea"/>
-                <a:cs typeface="+mn-cs"/>
-              </a:defRPr>
-            </a:lvl8pPr>
-            <a:lvl9pPr marL="3886200" indent="-228600" algn="l" defTabSz="914400" rtl="0" eaLnBrk="1" latinLnBrk="0" hangingPunct="1">
-              <a:lnSpc>
-                <a:spcPct val="90000"/>
-              </a:lnSpc>
-              <a:spcBef>
-                <a:spcPts val="500"/>
-              </a:spcBef>
-              <a:buFont typeface="Arial" panose="020B0604020202020204" pitchFamily="34" charset="0"/>
-              <a:buChar char="•"/>
-              <a:defRPr sz="1800" kern="1200">
-                <a:solidFill>
-                  <a:schemeClr val="tx1"/>
-                </a:solidFill>
-                <a:latin typeface="+mn-lt"/>
-                <a:ea typeface="+mn-ea"/>
-                <a:cs typeface="+mn-cs"/>
-              </a:defRPr>
-            </a:lvl9pPr>
-          </a:lstStyle>
-          <a:p>
-            <a:r>
-              <a:rPr lang="en-US" dirty="0"/>
-              <a:t>High level description:</a:t>
-            </a:r>
-          </a:p>
-          <a:p>
-            <a:pPr lvl="1"/>
-            <a:r>
-              <a:rPr lang="en-US" dirty="0"/>
-              <a:t>LTE has an uplink channel for random access. A UE can inform the </a:t>
-            </a:r>
-            <a:r>
-              <a:rPr lang="en-US" dirty="0" err="1"/>
-              <a:t>gNB</a:t>
-            </a:r>
-            <a:r>
-              <a:rPr lang="en-US" dirty="0"/>
-              <a:t> by following the random access protocol and request resources for data transfer</a:t>
-            </a:r>
-          </a:p>
-          <a:p>
-            <a:pPr lvl="1"/>
-            <a:endParaRPr lang="en-US" dirty="0"/>
-          </a:p>
-        </p:txBody>
-      </p:sp>
-    </p:spTree>
-    <p:extLst>
-      <p:ext uri="{BB962C8B-B14F-4D97-AF65-F5344CB8AC3E}">
-        <p14:creationId xmlns:p14="http://schemas.microsoft.com/office/powerpoint/2010/main" val="2724394901"/>
-      </p:ext>
-    </p:extLst>
-  </p:cSld>
-  <p:clrMapOvr>
-    <a:masterClrMapping/>
-  </p:clrMapOvr>
-</p:sld>
-</file>
-
-<file path=ppt/slides/slide14.xml><?xml version="1.0" encoding="utf-8"?>
-<p:sld xmlns:a="http://schemas.openxmlformats.org/drawingml/2006/main" xmlns:r="http://schemas.openxmlformats.org/officeDocument/2006/relationships" xmlns:p="http://schemas.openxmlformats.org/presentationml/2006/main">
-  <p:cSld>
-    <p:spTree>
-      <p:nvGrpSpPr>
-        <p:cNvPr id="1" name=""/>
-        <p:cNvGrpSpPr/>
-        <p:nvPr/>
-      </p:nvGrpSpPr>
-      <p:grpSpPr>
-        <a:xfrm>
-          <a:off x="0" y="0"/>
-          <a:ext cx="0" cy="0"/>
-          <a:chOff x="0" y="0"/>
-          <a:chExt cx="0" cy="0"/>
-        </a:xfrm>
-      </p:grpSpPr>
-      <p:sp>
-        <p:nvSpPr>
-          <p:cNvPr id="4" name="Title 1">
-            <a:extLst>
-              <a:ext uri="{FF2B5EF4-FFF2-40B4-BE49-F238E27FC236}">
-                <a16:creationId xmlns:a16="http://schemas.microsoft.com/office/drawing/2014/main" id="{929B7208-682F-5F93-1193-71F93BEA2F2C}"/>
-              </a:ext>
-            </a:extLst>
-          </p:cNvPr>
-          <p:cNvSpPr>
-            <a:spLocks noGrp="1"/>
-          </p:cNvSpPr>
-          <p:nvPr/>
-        </p:nvSpPr>
-        <p:spPr>
-          <a:xfrm>
-            <a:off x="838200" y="523081"/>
-            <a:ext cx="10515600" cy="1325563"/>
-          </a:xfrm>
-          <a:prstGeom prst="rect">
-            <a:avLst/>
-          </a:prstGeom>
-        </p:spPr>
-        <p:txBody>
-          <a:bodyPr vert="horz" lIns="91440" tIns="45720" rIns="91440" bIns="45720" rtlCol="0" anchor="ctr">
-            <a:normAutofit/>
-          </a:bodyPr>
-          <a:lstStyle>
-            <a:lvl1pPr algn="l" defTabSz="914400" rtl="0" eaLnBrk="1" latinLnBrk="0" hangingPunct="1">
-              <a:lnSpc>
-                <a:spcPct val="90000"/>
-              </a:lnSpc>
-              <a:spcBef>
-                <a:spcPct val="0"/>
-              </a:spcBef>
-              <a:buNone/>
-              <a:defRPr sz="4400" kern="1200">
-                <a:solidFill>
-                  <a:schemeClr val="tx1"/>
-                </a:solidFill>
-                <a:latin typeface="+mj-lt"/>
-                <a:ea typeface="+mj-ea"/>
-                <a:cs typeface="+mj-cs"/>
-              </a:defRPr>
-            </a:lvl1pPr>
-          </a:lstStyle>
-          <a:p>
-            <a:r>
-              <a:rPr lang="en-US" dirty="0"/>
-              <a:t>5G Basics -- Finding a UE</a:t>
-            </a:r>
-          </a:p>
-        </p:txBody>
-      </p:sp>
-      <p:sp>
-        <p:nvSpPr>
-          <p:cNvPr id="5" name="Content Placeholder 2">
-            <a:extLst>
-              <a:ext uri="{FF2B5EF4-FFF2-40B4-BE49-F238E27FC236}">
-                <a16:creationId xmlns:a16="http://schemas.microsoft.com/office/drawing/2014/main" id="{4236D5DB-587C-663B-5F28-E82D736A4019}"/>
-              </a:ext>
-            </a:extLst>
-          </p:cNvPr>
-          <p:cNvSpPr>
-            <a:spLocks noGrp="1"/>
-          </p:cNvSpPr>
-          <p:nvPr/>
-        </p:nvSpPr>
-        <p:spPr>
-          <a:xfrm>
-            <a:off x="838200" y="1983581"/>
-            <a:ext cx="10515600" cy="4351338"/>
-          </a:xfrm>
-          <a:prstGeom prst="rect">
-            <a:avLst/>
-          </a:prstGeom>
-        </p:spPr>
-        <p:txBody>
-          <a:bodyPr vert="horz" lIns="91440" tIns="45720" rIns="91440" bIns="45720" rtlCol="0">
-            <a:normAutofit/>
-          </a:bodyPr>
-          <a:lstStyle>
-            <a:lvl1pPr marL="228600" indent="-228600" algn="l" defTabSz="914400" rtl="0" eaLnBrk="1" latinLnBrk="0" hangingPunct="1">
-              <a:lnSpc>
-                <a:spcPct val="90000"/>
-              </a:lnSpc>
-              <a:spcBef>
-                <a:spcPts val="1000"/>
-              </a:spcBef>
-              <a:buFont typeface="Arial" panose="020B0604020202020204" pitchFamily="34" charset="0"/>
-              <a:buChar char="•"/>
-              <a:defRPr sz="2800" kern="1200">
-                <a:solidFill>
-                  <a:schemeClr val="tx1"/>
-                </a:solidFill>
-                <a:latin typeface="+mn-lt"/>
-                <a:ea typeface="+mn-ea"/>
-                <a:cs typeface="+mn-cs"/>
-              </a:defRPr>
-            </a:lvl1pPr>
-            <a:lvl2pPr marL="685800" indent="-228600" algn="l" defTabSz="914400" rtl="0" eaLnBrk="1" latinLnBrk="0" hangingPunct="1">
-              <a:lnSpc>
-                <a:spcPct val="90000"/>
-              </a:lnSpc>
-              <a:spcBef>
-                <a:spcPts val="500"/>
-              </a:spcBef>
-              <a:buFont typeface="Arial" panose="020B0604020202020204" pitchFamily="34" charset="0"/>
-              <a:buChar char="•"/>
-              <a:defRPr sz="2400" kern="1200">
-                <a:solidFill>
-                  <a:schemeClr val="tx1"/>
-                </a:solidFill>
-                <a:latin typeface="+mn-lt"/>
-                <a:ea typeface="+mn-ea"/>
-                <a:cs typeface="+mn-cs"/>
-              </a:defRPr>
-            </a:lvl2pPr>
-            <a:lvl3pPr marL="1143000" indent="-228600" algn="l" defTabSz="914400" rtl="0" eaLnBrk="1" latinLnBrk="0" hangingPunct="1">
-              <a:lnSpc>
-                <a:spcPct val="90000"/>
-              </a:lnSpc>
-              <a:spcBef>
-                <a:spcPts val="500"/>
-              </a:spcBef>
-              <a:buFont typeface="Arial" panose="020B0604020202020204" pitchFamily="34" charset="0"/>
-              <a:buChar char="•"/>
-              <a:defRPr sz="2000" kern="1200">
-                <a:solidFill>
-                  <a:schemeClr val="tx1"/>
-                </a:solidFill>
-                <a:latin typeface="+mn-lt"/>
-                <a:ea typeface="+mn-ea"/>
-                <a:cs typeface="+mn-cs"/>
-              </a:defRPr>
-            </a:lvl3pPr>
-            <a:lvl4pPr marL="1600200" indent="-228600" algn="l" defTabSz="914400" rtl="0" eaLnBrk="1" latinLnBrk="0" hangingPunct="1">
-              <a:lnSpc>
-                <a:spcPct val="90000"/>
-              </a:lnSpc>
-              <a:spcBef>
-                <a:spcPts val="500"/>
-              </a:spcBef>
-              <a:buFont typeface="Arial" panose="020B0604020202020204" pitchFamily="34" charset="0"/>
-              <a:buChar char="•"/>
-              <a:defRPr sz="1800" kern="1200">
-                <a:solidFill>
-                  <a:schemeClr val="tx1"/>
-                </a:solidFill>
-                <a:latin typeface="+mn-lt"/>
-                <a:ea typeface="+mn-ea"/>
-                <a:cs typeface="+mn-cs"/>
-              </a:defRPr>
-            </a:lvl4pPr>
-            <a:lvl5pPr marL="2057400" indent="-228600" algn="l" defTabSz="914400" rtl="0" eaLnBrk="1" latinLnBrk="0" hangingPunct="1">
-              <a:lnSpc>
-                <a:spcPct val="90000"/>
-              </a:lnSpc>
-              <a:spcBef>
-                <a:spcPts val="500"/>
-              </a:spcBef>
-              <a:buFont typeface="Arial" panose="020B0604020202020204" pitchFamily="34" charset="0"/>
-              <a:buChar char="•"/>
-              <a:defRPr sz="1800" kern="1200">
-                <a:solidFill>
-                  <a:schemeClr val="tx1"/>
-                </a:solidFill>
-                <a:latin typeface="+mn-lt"/>
-                <a:ea typeface="+mn-ea"/>
-                <a:cs typeface="+mn-cs"/>
-              </a:defRPr>
-            </a:lvl5pPr>
-            <a:lvl6pPr marL="2514600" indent="-228600" algn="l" defTabSz="914400" rtl="0" eaLnBrk="1" latinLnBrk="0" hangingPunct="1">
-              <a:lnSpc>
-                <a:spcPct val="90000"/>
-              </a:lnSpc>
-              <a:spcBef>
-                <a:spcPts val="500"/>
-              </a:spcBef>
-              <a:buFont typeface="Arial" panose="020B0604020202020204" pitchFamily="34" charset="0"/>
-              <a:buChar char="•"/>
-              <a:defRPr sz="1800" kern="1200">
-                <a:solidFill>
-                  <a:schemeClr val="tx1"/>
-                </a:solidFill>
-                <a:latin typeface="+mn-lt"/>
-                <a:ea typeface="+mn-ea"/>
-                <a:cs typeface="+mn-cs"/>
-              </a:defRPr>
-            </a:lvl6pPr>
-            <a:lvl7pPr marL="2971800" indent="-228600" algn="l" defTabSz="914400" rtl="0" eaLnBrk="1" latinLnBrk="0" hangingPunct="1">
-              <a:lnSpc>
-                <a:spcPct val="90000"/>
-              </a:lnSpc>
-              <a:spcBef>
-                <a:spcPts val="500"/>
-              </a:spcBef>
-              <a:buFont typeface="Arial" panose="020B0604020202020204" pitchFamily="34" charset="0"/>
-              <a:buChar char="•"/>
-              <a:defRPr sz="1800" kern="1200">
-                <a:solidFill>
-                  <a:schemeClr val="tx1"/>
-                </a:solidFill>
-                <a:latin typeface="+mn-lt"/>
-                <a:ea typeface="+mn-ea"/>
-                <a:cs typeface="+mn-cs"/>
-              </a:defRPr>
-            </a:lvl7pPr>
-            <a:lvl8pPr marL="3429000" indent="-228600" algn="l" defTabSz="914400" rtl="0" eaLnBrk="1" latinLnBrk="0" hangingPunct="1">
-              <a:lnSpc>
-                <a:spcPct val="90000"/>
-              </a:lnSpc>
-              <a:spcBef>
-                <a:spcPts val="500"/>
-              </a:spcBef>
-              <a:buFont typeface="Arial" panose="020B0604020202020204" pitchFamily="34" charset="0"/>
-              <a:buChar char="•"/>
-              <a:defRPr sz="1800" kern="1200">
-                <a:solidFill>
-                  <a:schemeClr val="tx1"/>
-                </a:solidFill>
-                <a:latin typeface="+mn-lt"/>
-                <a:ea typeface="+mn-ea"/>
-                <a:cs typeface="+mn-cs"/>
-              </a:defRPr>
-            </a:lvl8pPr>
-            <a:lvl9pPr marL="3886200" indent="-228600" algn="l" defTabSz="914400" rtl="0" eaLnBrk="1" latinLnBrk="0" hangingPunct="1">
-              <a:lnSpc>
-                <a:spcPct val="90000"/>
-              </a:lnSpc>
-              <a:spcBef>
-                <a:spcPts val="500"/>
-              </a:spcBef>
-              <a:buFont typeface="Arial" panose="020B0604020202020204" pitchFamily="34" charset="0"/>
-              <a:buChar char="•"/>
-              <a:defRPr sz="1800" kern="1200">
-                <a:solidFill>
-                  <a:schemeClr val="tx1"/>
-                </a:solidFill>
-                <a:latin typeface="+mn-lt"/>
-                <a:ea typeface="+mn-ea"/>
-                <a:cs typeface="+mn-cs"/>
-              </a:defRPr>
-            </a:lvl9pPr>
-          </a:lstStyle>
-          <a:p>
-            <a:r>
-              <a:rPr lang="en-US" dirty="0"/>
-              <a:t>High level description:</a:t>
-            </a:r>
-          </a:p>
-          <a:p>
-            <a:pPr lvl="1"/>
-            <a:r>
-              <a:rPr lang="en-US" dirty="0"/>
-              <a:t>The </a:t>
-            </a:r>
-            <a:r>
-              <a:rPr lang="en-US" dirty="0" err="1"/>
-              <a:t>gNB</a:t>
-            </a:r>
-            <a:r>
-              <a:rPr lang="en-US" dirty="0"/>
-              <a:t> keep records of the UEs associated with it. If there are data destined to this UE from the backbone network, the </a:t>
-            </a:r>
-            <a:r>
-              <a:rPr lang="en-US" dirty="0" err="1"/>
-              <a:t>gNB</a:t>
-            </a:r>
-            <a:r>
-              <a:rPr lang="en-US" dirty="0"/>
-              <a:t> will send a signal to notify this UE </a:t>
-            </a:r>
-          </a:p>
-        </p:txBody>
-      </p:sp>
-    </p:spTree>
-    <p:extLst>
-      <p:ext uri="{BB962C8B-B14F-4D97-AF65-F5344CB8AC3E}">
-        <p14:creationId xmlns:p14="http://schemas.microsoft.com/office/powerpoint/2010/main" val="1010199779"/>
-      </p:ext>
-    </p:extLst>
-  </p:cSld>
-  <p:clrMapOvr>
-    <a:masterClrMapping/>
-  </p:clrMapOvr>
-</p:sld>
-</file>
-
-<file path=ppt/slides/slide15.xml><?xml version="1.0" encoding="utf-8"?>
-<p:sld xmlns:a="http://schemas.openxmlformats.org/drawingml/2006/main" xmlns:r="http://schemas.openxmlformats.org/officeDocument/2006/relationships" xmlns:p="http://schemas.openxmlformats.org/presentationml/2006/main">
-  <p:cSld>
-    <p:spTree>
-      <p:nvGrpSpPr>
-        <p:cNvPr id="1" name=""/>
-        <p:cNvGrpSpPr/>
-        <p:nvPr/>
-      </p:nvGrpSpPr>
-      <p:grpSpPr>
-        <a:xfrm>
-          <a:off x="0" y="0"/>
-          <a:ext cx="0" cy="0"/>
-          <a:chOff x="0" y="0"/>
-          <a:chExt cx="0" cy="0"/>
-        </a:xfrm>
-      </p:grpSpPr>
-      <p:sp>
-        <p:nvSpPr>
-          <p:cNvPr id="4" name="Title 1">
-            <a:extLst>
-              <a:ext uri="{FF2B5EF4-FFF2-40B4-BE49-F238E27FC236}">
-                <a16:creationId xmlns:a16="http://schemas.microsoft.com/office/drawing/2014/main" id="{DC365AA3-B10E-C3DE-B782-F368D03D01A5}"/>
-              </a:ext>
-            </a:extLst>
-          </p:cNvPr>
-          <p:cNvSpPr>
-            <a:spLocks noGrp="1"/>
-          </p:cNvSpPr>
-          <p:nvPr/>
-        </p:nvSpPr>
-        <p:spPr>
-          <a:xfrm>
-            <a:off x="838200" y="523081"/>
-            <a:ext cx="10515600" cy="1325563"/>
-          </a:xfrm>
-          <a:prstGeom prst="rect">
-            <a:avLst/>
-          </a:prstGeom>
-        </p:spPr>
-        <p:txBody>
-          <a:bodyPr vert="horz" lIns="91440" tIns="45720" rIns="91440" bIns="45720" rtlCol="0" anchor="ctr">
-            <a:normAutofit/>
-          </a:bodyPr>
-          <a:lstStyle>
-            <a:lvl1pPr algn="l" defTabSz="914400" rtl="0" eaLnBrk="1" latinLnBrk="0" hangingPunct="1">
-              <a:lnSpc>
-                <a:spcPct val="90000"/>
-              </a:lnSpc>
-              <a:spcBef>
-                <a:spcPct val="0"/>
-              </a:spcBef>
-              <a:buNone/>
-              <a:defRPr sz="4400" kern="1200">
-                <a:solidFill>
-                  <a:schemeClr val="tx1"/>
-                </a:solidFill>
-                <a:latin typeface="+mj-lt"/>
-                <a:ea typeface="+mj-ea"/>
-                <a:cs typeface="+mj-cs"/>
-              </a:defRPr>
-            </a:lvl1pPr>
-          </a:lstStyle>
-          <a:p>
-            <a:r>
-              <a:rPr lang="en-US" dirty="0"/>
-              <a:t>LTE Basics -- Handover in LTE</a:t>
-            </a:r>
-          </a:p>
-        </p:txBody>
-      </p:sp>
-      <p:sp>
-        <p:nvSpPr>
-          <p:cNvPr id="5" name="Content Placeholder 2">
-            <a:extLst>
-              <a:ext uri="{FF2B5EF4-FFF2-40B4-BE49-F238E27FC236}">
-                <a16:creationId xmlns:a16="http://schemas.microsoft.com/office/drawing/2014/main" id="{46C49028-C2CF-0EE3-4E1B-1FF39856F685}"/>
-              </a:ext>
-            </a:extLst>
-          </p:cNvPr>
-          <p:cNvSpPr>
-            <a:spLocks noGrp="1"/>
-          </p:cNvSpPr>
-          <p:nvPr/>
-        </p:nvSpPr>
-        <p:spPr>
-          <a:xfrm>
-            <a:off x="838200" y="1983581"/>
-            <a:ext cx="10515600" cy="4351338"/>
-          </a:xfrm>
-          <a:prstGeom prst="rect">
-            <a:avLst/>
-          </a:prstGeom>
-        </p:spPr>
-        <p:txBody>
-          <a:bodyPr vert="horz" lIns="91440" tIns="45720" rIns="91440" bIns="45720" rtlCol="0">
-            <a:normAutofit/>
-          </a:bodyPr>
-          <a:lstStyle>
-            <a:lvl1pPr marL="228600" indent="-228600" algn="l" defTabSz="914400" rtl="0" eaLnBrk="1" latinLnBrk="0" hangingPunct="1">
-              <a:lnSpc>
-                <a:spcPct val="90000"/>
-              </a:lnSpc>
-              <a:spcBef>
-                <a:spcPts val="1000"/>
-              </a:spcBef>
-              <a:buFont typeface="Arial" panose="020B0604020202020204" pitchFamily="34" charset="0"/>
-              <a:buChar char="•"/>
-              <a:defRPr sz="2800" kern="1200">
-                <a:solidFill>
-                  <a:schemeClr val="tx1"/>
-                </a:solidFill>
-                <a:latin typeface="+mn-lt"/>
-                <a:ea typeface="+mn-ea"/>
-                <a:cs typeface="+mn-cs"/>
-              </a:defRPr>
-            </a:lvl1pPr>
-            <a:lvl2pPr marL="685800" indent="-228600" algn="l" defTabSz="914400" rtl="0" eaLnBrk="1" latinLnBrk="0" hangingPunct="1">
-              <a:lnSpc>
-                <a:spcPct val="90000"/>
-              </a:lnSpc>
-              <a:spcBef>
-                <a:spcPts val="500"/>
-              </a:spcBef>
-              <a:buFont typeface="Arial" panose="020B0604020202020204" pitchFamily="34" charset="0"/>
-              <a:buChar char="•"/>
-              <a:defRPr sz="2400" kern="1200">
-                <a:solidFill>
-                  <a:schemeClr val="tx1"/>
-                </a:solidFill>
-                <a:latin typeface="+mn-lt"/>
-                <a:ea typeface="+mn-ea"/>
-                <a:cs typeface="+mn-cs"/>
-              </a:defRPr>
-            </a:lvl2pPr>
-            <a:lvl3pPr marL="1143000" indent="-228600" algn="l" defTabSz="914400" rtl="0" eaLnBrk="1" latinLnBrk="0" hangingPunct="1">
-              <a:lnSpc>
-                <a:spcPct val="90000"/>
-              </a:lnSpc>
-              <a:spcBef>
-                <a:spcPts val="500"/>
-              </a:spcBef>
-              <a:buFont typeface="Arial" panose="020B0604020202020204" pitchFamily="34" charset="0"/>
-              <a:buChar char="•"/>
-              <a:defRPr sz="2000" kern="1200">
-                <a:solidFill>
-                  <a:schemeClr val="tx1"/>
-                </a:solidFill>
-                <a:latin typeface="+mn-lt"/>
-                <a:ea typeface="+mn-ea"/>
-                <a:cs typeface="+mn-cs"/>
-              </a:defRPr>
-            </a:lvl3pPr>
-            <a:lvl4pPr marL="1600200" indent="-228600" algn="l" defTabSz="914400" rtl="0" eaLnBrk="1" latinLnBrk="0" hangingPunct="1">
-              <a:lnSpc>
-                <a:spcPct val="90000"/>
-              </a:lnSpc>
-              <a:spcBef>
-                <a:spcPts val="500"/>
-              </a:spcBef>
-              <a:buFont typeface="Arial" panose="020B0604020202020204" pitchFamily="34" charset="0"/>
-              <a:buChar char="•"/>
-              <a:defRPr sz="1800" kern="1200">
-                <a:solidFill>
-                  <a:schemeClr val="tx1"/>
-                </a:solidFill>
-                <a:latin typeface="+mn-lt"/>
-                <a:ea typeface="+mn-ea"/>
-                <a:cs typeface="+mn-cs"/>
-              </a:defRPr>
-            </a:lvl4pPr>
-            <a:lvl5pPr marL="2057400" indent="-228600" algn="l" defTabSz="914400" rtl="0" eaLnBrk="1" latinLnBrk="0" hangingPunct="1">
-              <a:lnSpc>
-                <a:spcPct val="90000"/>
-              </a:lnSpc>
-              <a:spcBef>
-                <a:spcPts val="500"/>
-              </a:spcBef>
-              <a:buFont typeface="Arial" panose="020B0604020202020204" pitchFamily="34" charset="0"/>
-              <a:buChar char="•"/>
-              <a:defRPr sz="1800" kern="1200">
-                <a:solidFill>
-                  <a:schemeClr val="tx1"/>
-                </a:solidFill>
-                <a:latin typeface="+mn-lt"/>
-                <a:ea typeface="+mn-ea"/>
-                <a:cs typeface="+mn-cs"/>
-              </a:defRPr>
-            </a:lvl5pPr>
-            <a:lvl6pPr marL="2514600" indent="-228600" algn="l" defTabSz="914400" rtl="0" eaLnBrk="1" latinLnBrk="0" hangingPunct="1">
-              <a:lnSpc>
-                <a:spcPct val="90000"/>
-              </a:lnSpc>
-              <a:spcBef>
-                <a:spcPts val="500"/>
-              </a:spcBef>
-              <a:buFont typeface="Arial" panose="020B0604020202020204" pitchFamily="34" charset="0"/>
-              <a:buChar char="•"/>
-              <a:defRPr sz="1800" kern="1200">
-                <a:solidFill>
-                  <a:schemeClr val="tx1"/>
-                </a:solidFill>
-                <a:latin typeface="+mn-lt"/>
-                <a:ea typeface="+mn-ea"/>
-                <a:cs typeface="+mn-cs"/>
-              </a:defRPr>
-            </a:lvl6pPr>
-            <a:lvl7pPr marL="2971800" indent="-228600" algn="l" defTabSz="914400" rtl="0" eaLnBrk="1" latinLnBrk="0" hangingPunct="1">
-              <a:lnSpc>
-                <a:spcPct val="90000"/>
-              </a:lnSpc>
-              <a:spcBef>
-                <a:spcPts val="500"/>
-              </a:spcBef>
-              <a:buFont typeface="Arial" panose="020B0604020202020204" pitchFamily="34" charset="0"/>
-              <a:buChar char="•"/>
-              <a:defRPr sz="1800" kern="1200">
-                <a:solidFill>
-                  <a:schemeClr val="tx1"/>
-                </a:solidFill>
-                <a:latin typeface="+mn-lt"/>
-                <a:ea typeface="+mn-ea"/>
-                <a:cs typeface="+mn-cs"/>
-              </a:defRPr>
-            </a:lvl7pPr>
-            <a:lvl8pPr marL="3429000" indent="-228600" algn="l" defTabSz="914400" rtl="0" eaLnBrk="1" latinLnBrk="0" hangingPunct="1">
-              <a:lnSpc>
-                <a:spcPct val="90000"/>
-              </a:lnSpc>
-              <a:spcBef>
-                <a:spcPts val="500"/>
-              </a:spcBef>
-              <a:buFont typeface="Arial" panose="020B0604020202020204" pitchFamily="34" charset="0"/>
-              <a:buChar char="•"/>
-              <a:defRPr sz="1800" kern="1200">
-                <a:solidFill>
-                  <a:schemeClr val="tx1"/>
-                </a:solidFill>
-                <a:latin typeface="+mn-lt"/>
-                <a:ea typeface="+mn-ea"/>
-                <a:cs typeface="+mn-cs"/>
-              </a:defRPr>
-            </a:lvl8pPr>
-            <a:lvl9pPr marL="3886200" indent="-228600" algn="l" defTabSz="914400" rtl="0" eaLnBrk="1" latinLnBrk="0" hangingPunct="1">
-              <a:lnSpc>
-                <a:spcPct val="90000"/>
-              </a:lnSpc>
-              <a:spcBef>
-                <a:spcPts val="500"/>
-              </a:spcBef>
-              <a:buFont typeface="Arial" panose="020B0604020202020204" pitchFamily="34" charset="0"/>
-              <a:buChar char="•"/>
-              <a:defRPr sz="1800" kern="1200">
-                <a:solidFill>
-                  <a:schemeClr val="tx1"/>
-                </a:solidFill>
-                <a:latin typeface="+mn-lt"/>
-                <a:ea typeface="+mn-ea"/>
-                <a:cs typeface="+mn-cs"/>
-              </a:defRPr>
-            </a:lvl9pPr>
-          </a:lstStyle>
-          <a:p>
-            <a:r>
-              <a:rPr lang="en-US" dirty="0"/>
-              <a:t>High level description:</a:t>
-            </a:r>
-          </a:p>
-          <a:p>
-            <a:pPr lvl="1"/>
-            <a:r>
-              <a:rPr lang="en-US" dirty="0"/>
-              <a:t>The UE and </a:t>
-            </a:r>
-            <a:r>
-              <a:rPr lang="en-US" dirty="0" err="1"/>
-              <a:t>gNBs</a:t>
-            </a:r>
-            <a:r>
-              <a:rPr lang="en-US" dirty="0"/>
-              <a:t> constantly monitor the signal quality and will switch the UE to another </a:t>
-            </a:r>
-            <a:r>
-              <a:rPr lang="en-US" dirty="0" err="1"/>
-              <a:t>gNB</a:t>
-            </a:r>
-            <a:r>
-              <a:rPr lang="en-US" dirty="0"/>
-              <a:t> if it will receive better signal or achieve better network utilization</a:t>
-            </a:r>
-          </a:p>
-        </p:txBody>
-      </p:sp>
-    </p:spTree>
-    <p:extLst>
-      <p:ext uri="{BB962C8B-B14F-4D97-AF65-F5344CB8AC3E}">
-        <p14:creationId xmlns:p14="http://schemas.microsoft.com/office/powerpoint/2010/main" val="2870225983"/>
-      </p:ext>
-    </p:extLst>
-  </p:cSld>
-  <p:clrMapOvr>
-    <a:masterClrMapping/>
-  </p:clrMapOvr>
-</p:sld>
-</file>
-
-<file path=ppt/slides/slide16.xml><?xml version="1.0" encoding="utf-8"?>
+<file path=ppt/slides/slide17.xml><?xml version="1.0" encoding="utf-8"?>
 <p:sld xmlns:a="http://schemas.openxmlformats.org/drawingml/2006/main" xmlns:r="http://schemas.openxmlformats.org/officeDocument/2006/relationships" xmlns:p="http://schemas.openxmlformats.org/presentationml/2006/main">
   <p:cSld>
     <p:spTree>
@@ -8283,7 +9170,15 @@
           <a:p>
             <a:r>
               <a:rPr lang="en-US" dirty="0"/>
-              <a:t>Example: Voice/Video call</a:t>
+              <a:t>Example: Voice/Video call (</a:t>
+            </a:r>
+            <a:r>
+              <a:rPr lang="en-US" dirty="0" err="1"/>
+              <a:t>eMBB</a:t>
+            </a:r>
+            <a:r>
+              <a:rPr lang="en-US" dirty="0"/>
+              <a:t>/URLLC)</a:t>
             </a:r>
           </a:p>
         </p:txBody>
@@ -8323,13 +9218,8 @@
           <a:p>
             <a:r>
               <a:rPr lang="en-US" sz="1800" dirty="0"/>
-              <a:t>1. UE connects to </a:t>
-            </a:r>
-            <a:r>
-              <a:rPr lang="en-US" sz="1800" dirty="0" err="1"/>
-              <a:t>gNodeB</a:t>
-            </a:r>
-            <a:endParaRPr lang="en-US" sz="1800" dirty="0"/>
+              <a:t>1. UE1 connects to gNodeB1</a:t>
+            </a:r>
           </a:p>
           <a:p>
             <a:r>
@@ -8342,7 +9232,7 @@
             </a:r>
             <a:r>
               <a:rPr lang="en-US" sz="1800" dirty="0"/>
-              <a:t>) authenticates device</a:t>
+              <a:t>) already authenticated device</a:t>
             </a:r>
           </a:p>
           <a:p>
@@ -8356,28 +9246,33 @@
             </a:r>
             <a:r>
               <a:rPr lang="en-US" sz="1800" dirty="0"/>
-              <a:t>sets up session</a:t>
+              <a:t>already set up session</a:t>
             </a:r>
           </a:p>
           <a:p>
             <a:r>
               <a:rPr lang="en-US" sz="1800" dirty="0"/>
-              <a:t>4. Voice/Video packets routed via UPF (at data center). UPF anchor mobility; Data center also relays/records/encrypts the data.</a:t>
-            </a:r>
-          </a:p>
-          <a:p>
+              <a:t>4. Call begins: Radio signal from UE1 – </a:t>
+            </a:r>
+            <a:r>
+              <a:rPr lang="en-US" altLang="zh-CN" sz="1800" dirty="0"/>
+              <a:t>gNB1 – data center. </a:t>
+            </a:r>
             <a:r>
               <a:rPr lang="en-US" sz="1800" dirty="0"/>
-              <a:t>5. Voice/Video Packets forwarded to the </a:t>
-            </a:r>
-            <a:r>
-              <a:rPr lang="en-US" sz="1800" dirty="0" err="1"/>
-              <a:t>gNodeB</a:t>
-            </a:r>
+              <a:t>Voice/Video packets routed via UPF (at data center). UPF anchor mobility; Data center also relays/records/encrypts the data.</a:t>
+            </a:r>
+          </a:p>
+          <a:p>
             <a:r>
               <a:rPr lang="en-US" sz="1800" dirty="0"/>
-              <a:t> closest to the destined UE according to the IP (e.g. phone number, device IP)</a:t>
-            </a:r>
+              <a:t>5. Voice/Video Packets forwarded to the gNB2 closest to the destined UE according to the IP (e.g. phone number, device IP). </a:t>
+            </a:r>
+            <a:r>
+              <a:rPr lang="en-US" altLang="zh-CN" sz="1800" dirty="0"/>
+              <a:t>Radio signal from gNB2 – UE2 </a:t>
+            </a:r>
+            <a:endParaRPr lang="en-US" sz="1800" dirty="0"/>
           </a:p>
           <a:p>
             <a:endParaRPr lang="en-US" dirty="0"/>
@@ -8518,7 +9413,7 @@
         </p:nvSpPr>
         <p:spPr>
           <a:xfrm>
-            <a:off x="7296150" y="6486335"/>
+            <a:off x="7727310" y="6486335"/>
             <a:ext cx="4730750" cy="246221"/>
           </a:xfrm>
           <a:prstGeom prst="rect">
@@ -8558,201 +9453,6 @@
     <p:extLst>
       <p:ext uri="{BB962C8B-B14F-4D97-AF65-F5344CB8AC3E}">
         <p14:creationId xmlns:p14="http://schemas.microsoft.com/office/powerpoint/2010/main" val="2469182934"/>
-      </p:ext>
-    </p:extLst>
-  </p:cSld>
-  <p:clrMapOvr>
-    <a:masterClrMapping/>
-  </p:clrMapOvr>
-</p:sld>
-</file>
-
-<file path=ppt/slides/slide17.xml><?xml version="1.0" encoding="utf-8"?>
-<p:sld xmlns:a="http://schemas.openxmlformats.org/drawingml/2006/main" xmlns:r="http://schemas.openxmlformats.org/officeDocument/2006/relationships" xmlns:p="http://schemas.openxmlformats.org/presentationml/2006/main">
-  <p:cSld>
-    <p:spTree>
-      <p:nvGrpSpPr>
-        <p:cNvPr id="1" name=""/>
-        <p:cNvGrpSpPr/>
-        <p:nvPr/>
-      </p:nvGrpSpPr>
-      <p:grpSpPr>
-        <a:xfrm>
-          <a:off x="0" y="0"/>
-          <a:ext cx="0" cy="0"/>
-          <a:chOff x="0" y="0"/>
-          <a:chExt cx="0" cy="0"/>
-        </a:xfrm>
-      </p:grpSpPr>
-      <p:sp>
-        <p:nvSpPr>
-          <p:cNvPr id="2" name="Title 1">
-            <a:extLst>
-              <a:ext uri="{FF2B5EF4-FFF2-40B4-BE49-F238E27FC236}">
-                <a16:creationId xmlns:a16="http://schemas.microsoft.com/office/drawing/2014/main" id="{0E71907E-CF09-7059-0029-A33BF6E30DAB}"/>
-              </a:ext>
-            </a:extLst>
-          </p:cNvPr>
-          <p:cNvSpPr>
-            <a:spLocks noGrp="1"/>
-          </p:cNvSpPr>
-          <p:nvPr>
-            <p:ph type="ctrTitle"/>
-          </p:nvPr>
-        </p:nvSpPr>
-        <p:spPr>
-          <a:xfrm>
-            <a:off x="1523999" y="1"/>
-            <a:ext cx="10144539" cy="692149"/>
-          </a:xfrm>
-        </p:spPr>
-        <p:txBody>
-          <a:bodyPr/>
-          <a:lstStyle/>
-          <a:p>
-            <a:r>
-              <a:rPr lang="en-US" dirty="0"/>
-              <a:t>Example: Web browsing</a:t>
-            </a:r>
-          </a:p>
-        </p:txBody>
-      </p:sp>
-      <p:sp>
-        <p:nvSpPr>
-          <p:cNvPr id="3" name="Subtitle 2">
-            <a:extLst>
-              <a:ext uri="{FF2B5EF4-FFF2-40B4-BE49-F238E27FC236}">
-                <a16:creationId xmlns:a16="http://schemas.microsoft.com/office/drawing/2014/main" id="{7BE4906A-7C31-481F-A8C2-103A5622B81D}"/>
-              </a:ext>
-            </a:extLst>
-          </p:cNvPr>
-          <p:cNvSpPr>
-            <a:spLocks noGrp="1"/>
-          </p:cNvSpPr>
-          <p:nvPr>
-            <p:ph type="subTitle" idx="1"/>
-          </p:nvPr>
-        </p:nvSpPr>
-        <p:spPr>
-          <a:xfrm>
-            <a:off x="1523999" y="3721100"/>
-            <a:ext cx="10144539" cy="2387600"/>
-          </a:xfrm>
-        </p:spPr>
-        <p:txBody>
-          <a:bodyPr/>
-          <a:lstStyle/>
-          <a:p>
-            <a:pPr marL="342900" indent="-342900">
-              <a:buFontTx/>
-              <a:buChar char="-"/>
-            </a:pPr>
-            <a:r>
-              <a:rPr lang="en-US" dirty="0"/>
-              <a:t>Similar to phone call. But the destination is the web server, not the        other UE. </a:t>
-            </a:r>
-          </a:p>
-          <a:p>
-            <a:pPr marL="342900" indent="-342900">
-              <a:buFontTx/>
-              <a:buChar char="-"/>
-            </a:pPr>
-            <a:r>
-              <a:rPr lang="en-US" dirty="0"/>
-              <a:t>Edge DC might save web caches, faster load time.</a:t>
-            </a:r>
-          </a:p>
-        </p:txBody>
-      </p:sp>
-      <p:pic>
-        <p:nvPicPr>
-          <p:cNvPr id="4100" name="Picture 4" descr="Electronics 13 00888 g001">
-            <a:extLst>
-              <a:ext uri="{FF2B5EF4-FFF2-40B4-BE49-F238E27FC236}">
-                <a16:creationId xmlns:a16="http://schemas.microsoft.com/office/drawing/2014/main" id="{39A36A37-30BB-C2B4-5819-0CE4F54EF915}"/>
-              </a:ext>
-            </a:extLst>
-          </p:cNvPr>
-          <p:cNvPicPr>
-            <a:picLocks noChangeAspect="1" noChangeArrowheads="1"/>
-          </p:cNvPicPr>
-          <p:nvPr/>
-        </p:nvPicPr>
-        <p:blipFill>
-          <a:blip r:embed="rId3">
-            <a:extLst>
-              <a:ext uri="{28A0092B-C50C-407E-A947-70E740481C1C}">
-                <a14:useLocalDpi xmlns:a14="http://schemas.microsoft.com/office/drawing/2010/main" val="0"/>
-              </a:ext>
-            </a:extLst>
-          </a:blip>
-          <a:srcRect/>
-          <a:stretch>
-            <a:fillRect/>
-          </a:stretch>
-        </p:blipFill>
-        <p:spPr bwMode="auto">
-          <a:xfrm>
-            <a:off x="1523999" y="638175"/>
-            <a:ext cx="4829176" cy="3037991"/>
-          </a:xfrm>
-          <a:prstGeom prst="rect">
-            <a:avLst/>
-          </a:prstGeom>
-          <a:noFill/>
-          <a:extLst>
-            <a:ext uri="{909E8E84-426E-40DD-AFC4-6F175D3DCCD1}">
-              <a14:hiddenFill xmlns:a14="http://schemas.microsoft.com/office/drawing/2010/main">
-                <a:solidFill>
-                  <a:srgbClr val="FFFFFF"/>
-                </a:solidFill>
-              </a14:hiddenFill>
-            </a:ext>
-          </a:extLst>
-        </p:spPr>
-      </p:pic>
-      <p:sp>
-        <p:nvSpPr>
-          <p:cNvPr id="4" name="TextBox 3">
-            <a:extLst>
-              <a:ext uri="{FF2B5EF4-FFF2-40B4-BE49-F238E27FC236}">
-                <a16:creationId xmlns:a16="http://schemas.microsoft.com/office/drawing/2014/main" id="{243F8019-21D7-137D-5F89-F20ACA666D1A}"/>
-              </a:ext>
-            </a:extLst>
-          </p:cNvPr>
-          <p:cNvSpPr txBox="1"/>
-          <p:nvPr/>
-        </p:nvSpPr>
-        <p:spPr>
-          <a:xfrm>
-            <a:off x="6347032" y="3467184"/>
-            <a:ext cx="5327649" cy="246221"/>
-          </a:xfrm>
-          <a:prstGeom prst="rect">
-            <a:avLst/>
-          </a:prstGeom>
-          <a:noFill/>
-        </p:spPr>
-        <p:txBody>
-          <a:bodyPr wrap="square" rtlCol="0">
-            <a:spAutoFit/>
-          </a:bodyPr>
-          <a:lstStyle/>
-          <a:p>
-            <a:r>
-              <a:rPr lang="en-US" sz="1000" dirty="0">
-                <a:hlinkClick r:id="rId4"/>
-              </a:rPr>
-              <a:t>*Cyber5Gym: An Integrated Framework for 5G Cybersecurity Training</a:t>
-            </a:r>
-            <a:endParaRPr lang="en-US" sz="1000" dirty="0"/>
-          </a:p>
-        </p:txBody>
-      </p:sp>
-    </p:spTree>
-    <p:extLst>
-      <p:ext uri="{BB962C8B-B14F-4D97-AF65-F5344CB8AC3E}">
-        <p14:creationId xmlns:p14="http://schemas.microsoft.com/office/powerpoint/2010/main" val="2108967077"/>
       </p:ext>
     </p:extLst>
   </p:cSld>
@@ -8784,7 +9484,7 @@
           <p:cNvPr id="2" name="Title 1">
             <a:extLst>
               <a:ext uri="{FF2B5EF4-FFF2-40B4-BE49-F238E27FC236}">
-                <a16:creationId xmlns:a16="http://schemas.microsoft.com/office/drawing/2014/main" id="{DDCBB058-3F88-1940-0ACF-0247F205B84C}"/>
+                <a16:creationId xmlns:a16="http://schemas.microsoft.com/office/drawing/2014/main" id="{0E71907E-CF09-7059-0029-A33BF6E30DAB}"/>
               </a:ext>
             </a:extLst>
           </p:cNvPr>
@@ -8797,8 +9497,8 @@
         </p:nvSpPr>
         <p:spPr>
           <a:xfrm>
-            <a:off x="97506" y="55563"/>
-            <a:ext cx="11571031" cy="674687"/>
+            <a:off x="1523999" y="1"/>
+            <a:ext cx="10144539" cy="692149"/>
           </a:xfrm>
         </p:spPr>
         <p:txBody>
@@ -8807,17 +9507,82 @@
           <a:p>
             <a:r>
               <a:rPr lang="en-US" dirty="0"/>
-              <a:t>Example: IOT</a:t>
+              <a:t>Example: Web browsing (</a:t>
+            </a:r>
+            <a:r>
+              <a:rPr lang="en-US" dirty="0" err="1"/>
+              <a:t>eMBB</a:t>
+            </a:r>
+            <a:r>
+              <a:rPr lang="en-US" dirty="0"/>
+              <a:t>)</a:t>
+            </a:r>
+          </a:p>
+        </p:txBody>
+      </p:sp>
+      <p:sp>
+        <p:nvSpPr>
+          <p:cNvPr id="3" name="Subtitle 2">
+            <a:extLst>
+              <a:ext uri="{FF2B5EF4-FFF2-40B4-BE49-F238E27FC236}">
+                <a16:creationId xmlns:a16="http://schemas.microsoft.com/office/drawing/2014/main" id="{7BE4906A-7C31-481F-A8C2-103A5622B81D}"/>
+              </a:ext>
+            </a:extLst>
+          </p:cNvPr>
+          <p:cNvSpPr>
+            <a:spLocks noGrp="1"/>
+          </p:cNvSpPr>
+          <p:nvPr>
+            <p:ph type="subTitle" idx="1"/>
+          </p:nvPr>
+        </p:nvSpPr>
+        <p:spPr>
+          <a:xfrm>
+            <a:off x="1523999" y="3721100"/>
+            <a:ext cx="10144539" cy="2387600"/>
+          </a:xfrm>
+        </p:spPr>
+        <p:txBody>
+          <a:bodyPr/>
+          <a:lstStyle/>
+          <a:p>
+            <a:pPr marL="342900" indent="-342900">
+              <a:buFontTx/>
+              <a:buChar char="-"/>
+            </a:pPr>
+            <a:r>
+              <a:rPr lang="en-US" dirty="0"/>
+              <a:t>Similar to phone call. But the destination is the web server, not the        other UE. </a:t>
+            </a:r>
+          </a:p>
+          <a:p>
+            <a:pPr marL="342900" indent="-342900">
+              <a:buFontTx/>
+              <a:buChar char="-"/>
+            </a:pPr>
+            <a:r>
+              <a:rPr lang="en-US" dirty="0"/>
+              <a:t>Edge DC might save web caches, faster load time.</a:t>
+            </a:r>
+          </a:p>
+          <a:p>
+            <a:pPr marL="342900" indent="-342900">
+              <a:buFontTx/>
+              <a:buChar char="-"/>
+            </a:pPr>
+            <a:r>
+              <a:rPr lang="en-US" dirty="0"/>
+              <a:t>AUSF: Authentication, AMF: registration, mobility management</a:t>
             </a:r>
           </a:p>
         </p:txBody>
       </p:sp>
       <p:pic>
         <p:nvPicPr>
-          <p:cNvPr id="2050" name="Picture 2" descr="5G IoT architecture">
+          <p:cNvPr id="4100" name="Picture 4" descr="Electronics 13 00888 g001">
             <a:extLst>
               <a:ext uri="{FF2B5EF4-FFF2-40B4-BE49-F238E27FC236}">
-                <a16:creationId xmlns:a16="http://schemas.microsoft.com/office/drawing/2014/main" id="{1D0FF4D7-7FB5-FA23-D2A0-4CF0924979E4}"/>
+                <a16:creationId xmlns:a16="http://schemas.microsoft.com/office/drawing/2014/main" id="{39A36A37-30BB-C2B4-5819-0CE4F54EF915}"/>
               </a:ext>
             </a:extLst>
           </p:cNvPr>
@@ -8841,8 +9606,8 @@
         </p:blipFill>
         <p:spPr bwMode="auto">
           <a:xfrm>
-            <a:off x="5583443" y="730250"/>
-            <a:ext cx="6238875" cy="3785246"/>
+            <a:off x="1523999" y="638175"/>
+            <a:ext cx="4829176" cy="3037991"/>
           </a:xfrm>
           <a:prstGeom prst="rect">
             <a:avLst/>
@@ -8859,59 +9624,12 @@
           </a:extLst>
         </p:spPr>
       </p:pic>
-      <p:pic>
-        <p:nvPicPr>
-          <p:cNvPr id="2052" name="Picture 4" descr="The overall IoT network environment in 5G network | Download Scientific  Diagram">
+      <p:sp>
+        <p:nvSpPr>
+          <p:cNvPr id="4" name="TextBox 3">
             <a:extLst>
               <a:ext uri="{FF2B5EF4-FFF2-40B4-BE49-F238E27FC236}">
-                <a16:creationId xmlns:a16="http://schemas.microsoft.com/office/drawing/2014/main" id="{B5E0BDE9-0F82-3126-A4F8-7C3804E88557}"/>
-              </a:ext>
-            </a:extLst>
-          </p:cNvPr>
-          <p:cNvPicPr>
-            <a:picLocks noChangeAspect="1" noChangeArrowheads="1"/>
-          </p:cNvPicPr>
-          <p:nvPr/>
-        </p:nvPicPr>
-        <p:blipFill>
-          <a:blip r:embed="rId4">
-            <a:extLst>
-              <a:ext uri="{28A0092B-C50C-407E-A947-70E740481C1C}">
-                <a14:useLocalDpi xmlns:a14="http://schemas.microsoft.com/office/drawing/2010/main" val="0"/>
-              </a:ext>
-            </a:extLst>
-          </a:blip>
-          <a:srcRect/>
-          <a:stretch>
-            <a:fillRect/>
-          </a:stretch>
-        </p:blipFill>
-        <p:spPr bwMode="auto">
-          <a:xfrm>
-            <a:off x="97506" y="730250"/>
-            <a:ext cx="5407943" cy="5719049"/>
-          </a:xfrm>
-          <a:prstGeom prst="rect">
-            <a:avLst/>
-          </a:prstGeom>
-          <a:noFill/>
-          <a:extLst>
-            <a:ext uri="{909E8E84-426E-40DD-AFC4-6F175D3DCCD1}">
-              <a14:hiddenFill xmlns:a14="http://schemas.microsoft.com/office/drawing/2010/main">
-                <a:solidFill>
-                  <a:srgbClr val="FFFFFF"/>
-                </a:solidFill>
-              </a14:hiddenFill>
-            </a:ext>
-          </a:extLst>
-        </p:spPr>
-      </p:pic>
-      <p:sp>
-        <p:nvSpPr>
-          <p:cNvPr id="4" name="TextBox 3">
-            <a:extLst>
-              <a:ext uri="{FF2B5EF4-FFF2-40B4-BE49-F238E27FC236}">
-                <a16:creationId xmlns:a16="http://schemas.microsoft.com/office/drawing/2014/main" id="{9524EE30-32FB-F18A-FA15-1BDE1B5D6E49}"/>
+                <a16:creationId xmlns:a16="http://schemas.microsoft.com/office/drawing/2014/main" id="{243F8019-21D7-137D-5F89-F20ACA666D1A}"/>
               </a:ext>
             </a:extLst>
           </p:cNvPr>
@@ -8920,8 +9638,8 @@
         </p:nvSpPr>
         <p:spPr>
           <a:xfrm>
-            <a:off x="177800" y="6548521"/>
-            <a:ext cx="5327649" cy="253916"/>
+            <a:off x="6347032" y="3467184"/>
+            <a:ext cx="5327649" cy="246221"/>
           </a:xfrm>
           <a:prstGeom prst="rect">
             <a:avLst/>
@@ -8936,130 +9654,18 @@
           <a:p>
             <a:r>
               <a:rPr lang="en-US" sz="1000" dirty="0">
-                <a:hlinkClick r:id="rId5"/>
+                <a:hlinkClick r:id="rId4"/>
               </a:rPr>
-              <a:t>*The overall IoT network environment in 5G network | Download Scientific Diagram</a:t>
+              <a:t>*Cyber5Gym: An Integrated Framework for 5G Cybersecurity Training</a:t>
             </a:r>
             <a:endParaRPr lang="en-US" sz="1000" dirty="0"/>
-          </a:p>
-        </p:txBody>
-      </p:sp>
-      <p:sp>
-        <p:nvSpPr>
-          <p:cNvPr id="5" name="Rectangle 5">
-            <a:extLst>
-              <a:ext uri="{FF2B5EF4-FFF2-40B4-BE49-F238E27FC236}">
-                <a16:creationId xmlns:a16="http://schemas.microsoft.com/office/drawing/2014/main" id="{80CC4887-2469-27C0-F9BD-511E430339E6}"/>
-              </a:ext>
-            </a:extLst>
-          </p:cNvPr>
-          <p:cNvSpPr>
-            <a:spLocks noGrp="1" noChangeArrowheads="1"/>
-          </p:cNvSpPr>
-          <p:nvPr>
-            <p:ph type="subTitle" idx="1"/>
-          </p:nvPr>
-        </p:nvSpPr>
-        <p:spPr bwMode="auto">
-          <a:xfrm>
-            <a:off x="5505449" y="4451519"/>
-            <a:ext cx="6401368" cy="830997"/>
-          </a:xfrm>
-          <a:prstGeom prst="rect">
-            <a:avLst/>
-          </a:prstGeom>
-          <a:noFill/>
-          <a:ln>
-            <a:noFill/>
-          </a:ln>
-          <a:effectLst/>
-          <a:extLst>
-            <a:ext uri="{909E8E84-426E-40DD-AFC4-6F175D3DCCD1}">
-              <a14:hiddenFill xmlns:a14="http://schemas.microsoft.com/office/drawing/2010/main">
-                <a:solidFill>
-                  <a:schemeClr val="accent1"/>
-                </a:solidFill>
-              </a14:hiddenFill>
-            </a:ext>
-            <a:ext uri="{91240B29-F687-4F45-9708-019B960494DF}">
-              <a14:hiddenLine xmlns:a14="http://schemas.microsoft.com/office/drawing/2010/main" w="9525">
-                <a:solidFill>
-                  <a:schemeClr val="tx1"/>
-                </a:solidFill>
-                <a:miter lim="800000"/>
-                <a:headEnd/>
-                <a:tailEnd/>
-              </a14:hiddenLine>
-            </a:ext>
-            <a:ext uri="{AF507438-7753-43E0-B8FC-AC1667EBCBE1}">
-              <a14:hiddenEffects xmlns:a14="http://schemas.microsoft.com/office/drawing/2010/main">
-                <a:effectLst>
-                  <a:outerShdw dist="35921" dir="2700000" algn="ctr" rotWithShape="0">
-                    <a:schemeClr val="bg2"/>
-                  </a:outerShdw>
-                </a:effectLst>
-              </a14:hiddenEffects>
-            </a:ext>
-          </a:extLst>
-        </p:spPr>
-        <p:txBody>
-          <a:bodyPr vert="horz" wrap="none" lIns="91440" tIns="45720" rIns="91440" bIns="45720" numCol="1" anchor="ctr" anchorCtr="0" compatLnSpc="1">
-            <a:prstTxWarp prst="textNoShape">
-              <a:avLst/>
-            </a:prstTxWarp>
-            <a:spAutoFit/>
-          </a:bodyPr>
-          <a:lstStyle/>
-          <a:p>
-            <a:pPr marL="0" marR="0" lvl="0" indent="0" algn="l" defTabSz="914400" rtl="0" eaLnBrk="0" fontAlgn="base" latinLnBrk="0" hangingPunct="0">
-              <a:lnSpc>
-                <a:spcPct val="100000"/>
-              </a:lnSpc>
-              <a:spcBef>
-                <a:spcPct val="0"/>
-              </a:spcBef>
-              <a:spcAft>
-                <a:spcPct val="0"/>
-              </a:spcAft>
-              <a:buClrTx/>
-              <a:buSzTx/>
-              <a:buFontTx/>
-              <a:buChar char="•"/>
-              <a:tabLst/>
-            </a:pPr>
-            <a:r>
-              <a:rPr lang="en-US" altLang="en-US" dirty="0"/>
-              <a:t>Edge DC processes data locally</a:t>
-            </a:r>
-          </a:p>
-          <a:p>
-            <a:pPr marL="0" marR="0" lvl="0" indent="0" algn="l" defTabSz="914400" rtl="0" eaLnBrk="0" fontAlgn="base" latinLnBrk="0" hangingPunct="0">
-              <a:lnSpc>
-                <a:spcPct val="100000"/>
-              </a:lnSpc>
-              <a:spcBef>
-                <a:spcPct val="0"/>
-              </a:spcBef>
-              <a:spcAft>
-                <a:spcPct val="0"/>
-              </a:spcAft>
-              <a:buClrTx/>
-              <a:buSzTx/>
-              <a:buFontTx/>
-              <a:buChar char="•"/>
-              <a:tabLst/>
-            </a:pPr>
-            <a:r>
-              <a:rPr lang="en-US" altLang="en-US" dirty="0"/>
-              <a:t>Central DC does analytics (AI computation)</a:t>
-            </a:r>
           </a:p>
         </p:txBody>
       </p:sp>
     </p:spTree>
     <p:extLst>
       <p:ext uri="{BB962C8B-B14F-4D97-AF65-F5344CB8AC3E}">
-        <p14:creationId xmlns:p14="http://schemas.microsoft.com/office/powerpoint/2010/main" val="4094042698"/>
+        <p14:creationId xmlns:p14="http://schemas.microsoft.com/office/powerpoint/2010/main" val="2108967077"/>
       </p:ext>
     </p:extLst>
   </p:cSld>
@@ -9091,7 +9697,7 @@
           <p:cNvPr id="2" name="Title 1">
             <a:extLst>
               <a:ext uri="{FF2B5EF4-FFF2-40B4-BE49-F238E27FC236}">
-                <a16:creationId xmlns:a16="http://schemas.microsoft.com/office/drawing/2014/main" id="{7527965E-117A-C09B-B858-FCBE0D017E65}"/>
+                <a16:creationId xmlns:a16="http://schemas.microsoft.com/office/drawing/2014/main" id="{DDCBB058-3F88-1940-0ACF-0247F205B84C}"/>
               </a:ext>
             </a:extLst>
           </p:cNvPr>
@@ -9104,8 +9710,8 @@
         </p:nvSpPr>
         <p:spPr>
           <a:xfrm>
-            <a:off x="5067300" y="615950"/>
-            <a:ext cx="6601238" cy="2894013"/>
+            <a:off x="97506" y="55563"/>
+            <a:ext cx="11571031" cy="674687"/>
           </a:xfrm>
         </p:spPr>
         <p:txBody>
@@ -9114,40 +9720,304 @@
           <a:p>
             <a:r>
               <a:rPr lang="en-US" dirty="0"/>
-              <a:t>Q/A</a:t>
-            </a:r>
-          </a:p>
-        </p:txBody>
-      </p:sp>
-      <p:sp>
-        <p:nvSpPr>
-          <p:cNvPr id="3" name="Subtitle 2">
+              <a:t>Example: IOT (</a:t>
+            </a:r>
+            <a:r>
+              <a:rPr lang="en-US" dirty="0" err="1"/>
+              <a:t>mMTC</a:t>
+            </a:r>
+            <a:r>
+              <a:rPr lang="en-US" dirty="0"/>
+              <a:t>)</a:t>
+            </a:r>
+          </a:p>
+        </p:txBody>
+      </p:sp>
+      <p:pic>
+        <p:nvPicPr>
+          <p:cNvPr id="2050" name="Picture 2" descr="5G IoT architecture">
             <a:extLst>
               <a:ext uri="{FF2B5EF4-FFF2-40B4-BE49-F238E27FC236}">
-                <a16:creationId xmlns:a16="http://schemas.microsoft.com/office/drawing/2014/main" id="{56C4284D-6761-B906-6D89-478436881A4C}"/>
+                <a16:creationId xmlns:a16="http://schemas.microsoft.com/office/drawing/2014/main" id="{1D0FF4D7-7FB5-FA23-D2A0-4CF0924979E4}"/>
               </a:ext>
             </a:extLst>
           </p:cNvPr>
-          <p:cNvSpPr>
-            <a:spLocks noGrp="1"/>
+          <p:cNvPicPr>
+            <a:picLocks noChangeAspect="1" noChangeArrowheads="1"/>
+          </p:cNvPicPr>
+          <p:nvPr/>
+        </p:nvPicPr>
+        <p:blipFill>
+          <a:blip r:embed="rId3">
+            <a:extLst>
+              <a:ext uri="{28A0092B-C50C-407E-A947-70E740481C1C}">
+                <a14:useLocalDpi xmlns:a14="http://schemas.microsoft.com/office/drawing/2010/main" val="0"/>
+              </a:ext>
+            </a:extLst>
+          </a:blip>
+          <a:srcRect/>
+          <a:stretch>
+            <a:fillRect/>
+          </a:stretch>
+        </p:blipFill>
+        <p:spPr bwMode="auto">
+          <a:xfrm>
+            <a:off x="5583443" y="730250"/>
+            <a:ext cx="6238875" cy="3785246"/>
+          </a:xfrm>
+          <a:prstGeom prst="rect">
+            <a:avLst/>
+          </a:prstGeom>
+          <a:noFill/>
+          <a:extLst>
+            <a:ext uri="{909E8E84-426E-40DD-AFC4-6F175D3DCCD1}">
+              <a14:hiddenFill xmlns:a14="http://schemas.microsoft.com/office/drawing/2010/main">
+                <a:solidFill>
+                  <a:srgbClr val="FFFFFF"/>
+                </a:solidFill>
+              </a14:hiddenFill>
+            </a:ext>
+          </a:extLst>
+        </p:spPr>
+      </p:pic>
+      <p:pic>
+        <p:nvPicPr>
+          <p:cNvPr id="2052" name="Picture 4" descr="The overall IoT network environment in 5G network | Download Scientific  Diagram">
+            <a:extLst>
+              <a:ext uri="{FF2B5EF4-FFF2-40B4-BE49-F238E27FC236}">
+                <a16:creationId xmlns:a16="http://schemas.microsoft.com/office/drawing/2014/main" id="{B5E0BDE9-0F82-3126-A4F8-7C3804E88557}"/>
+              </a:ext>
+            </a:extLst>
+          </p:cNvPr>
+          <p:cNvPicPr>
+            <a:picLocks noChangeAspect="1" noChangeArrowheads="1"/>
+          </p:cNvPicPr>
+          <p:nvPr/>
+        </p:nvPicPr>
+        <p:blipFill>
+          <a:blip r:embed="rId4">
+            <a:extLst>
+              <a:ext uri="{28A0092B-C50C-407E-A947-70E740481C1C}">
+                <a14:useLocalDpi xmlns:a14="http://schemas.microsoft.com/office/drawing/2010/main" val="0"/>
+              </a:ext>
+            </a:extLst>
+          </a:blip>
+          <a:srcRect/>
+          <a:stretch>
+            <a:fillRect/>
+          </a:stretch>
+        </p:blipFill>
+        <p:spPr bwMode="auto">
+          <a:xfrm>
+            <a:off x="97506" y="730250"/>
+            <a:ext cx="5407943" cy="5719049"/>
+          </a:xfrm>
+          <a:prstGeom prst="rect">
+            <a:avLst/>
+          </a:prstGeom>
+          <a:noFill/>
+          <a:extLst>
+            <a:ext uri="{909E8E84-426E-40DD-AFC4-6F175D3DCCD1}">
+              <a14:hiddenFill xmlns:a14="http://schemas.microsoft.com/office/drawing/2010/main">
+                <a:solidFill>
+                  <a:srgbClr val="FFFFFF"/>
+                </a:solidFill>
+              </a14:hiddenFill>
+            </a:ext>
+          </a:extLst>
+        </p:spPr>
+      </p:pic>
+      <p:sp>
+        <p:nvSpPr>
+          <p:cNvPr id="4" name="TextBox 3">
+            <a:extLst>
+              <a:ext uri="{FF2B5EF4-FFF2-40B4-BE49-F238E27FC236}">
+                <a16:creationId xmlns:a16="http://schemas.microsoft.com/office/drawing/2014/main" id="{9524EE30-32FB-F18A-FA15-1BDE1B5D6E49}"/>
+              </a:ext>
+            </a:extLst>
+          </p:cNvPr>
+          <p:cNvSpPr txBox="1"/>
+          <p:nvPr/>
+        </p:nvSpPr>
+        <p:spPr>
+          <a:xfrm>
+            <a:off x="177800" y="6548521"/>
+            <a:ext cx="5327649" cy="253916"/>
+          </a:xfrm>
+          <a:prstGeom prst="rect">
+            <a:avLst/>
+          </a:prstGeom>
+          <a:noFill/>
+        </p:spPr>
+        <p:txBody>
+          <a:bodyPr wrap="square" rtlCol="0">
+            <a:spAutoFit/>
+          </a:bodyPr>
+          <a:lstStyle/>
+          <a:p>
+            <a:r>
+              <a:rPr lang="en-US" sz="1000" dirty="0">
+                <a:hlinkClick r:id="rId5"/>
+              </a:rPr>
+              <a:t>*The overall IoT network environment in 5G network | Download Scientific Diagram</a:t>
+            </a:r>
+            <a:endParaRPr lang="en-US" sz="1000" dirty="0"/>
+          </a:p>
+        </p:txBody>
+      </p:sp>
+      <p:sp>
+        <p:nvSpPr>
+          <p:cNvPr id="5" name="Rectangle 5">
+            <a:extLst>
+              <a:ext uri="{FF2B5EF4-FFF2-40B4-BE49-F238E27FC236}">
+                <a16:creationId xmlns:a16="http://schemas.microsoft.com/office/drawing/2014/main" id="{80CC4887-2469-27C0-F9BD-511E430339E6}"/>
+              </a:ext>
+            </a:extLst>
+          </p:cNvPr>
+          <p:cNvSpPr>
+            <a:spLocks noGrp="1" noChangeArrowheads="1"/>
           </p:cNvSpPr>
           <p:nvPr>
             <p:ph type="subTitle" idx="1"/>
           </p:nvPr>
         </p:nvSpPr>
-        <p:spPr/>
-        <p:txBody>
-          <a:bodyPr/>
+        <p:spPr bwMode="auto">
+          <a:xfrm>
+            <a:off x="5583443" y="4523622"/>
+            <a:ext cx="6572890" cy="1569660"/>
+          </a:xfrm>
+          <a:prstGeom prst="rect">
+            <a:avLst/>
+          </a:prstGeom>
+          <a:noFill/>
+          <a:ln>
+            <a:noFill/>
+          </a:ln>
+          <a:effectLst/>
+          <a:extLst>
+            <a:ext uri="{909E8E84-426E-40DD-AFC4-6F175D3DCCD1}">
+              <a14:hiddenFill xmlns:a14="http://schemas.microsoft.com/office/drawing/2010/main">
+                <a:solidFill>
+                  <a:schemeClr val="accent1"/>
+                </a:solidFill>
+              </a14:hiddenFill>
+            </a:ext>
+            <a:ext uri="{91240B29-F687-4F45-9708-019B960494DF}">
+              <a14:hiddenLine xmlns:a14="http://schemas.microsoft.com/office/drawing/2010/main" w="9525">
+                <a:solidFill>
+                  <a:schemeClr val="tx1"/>
+                </a:solidFill>
+                <a:miter lim="800000"/>
+                <a:headEnd/>
+                <a:tailEnd/>
+              </a14:hiddenLine>
+            </a:ext>
+            <a:ext uri="{AF507438-7753-43E0-B8FC-AC1667EBCBE1}">
+              <a14:hiddenEffects xmlns:a14="http://schemas.microsoft.com/office/drawing/2010/main">
+                <a:effectLst>
+                  <a:outerShdw dist="35921" dir="2700000" algn="ctr" rotWithShape="0">
+                    <a:schemeClr val="bg2"/>
+                  </a:outerShdw>
+                </a:effectLst>
+              </a14:hiddenEffects>
+            </a:ext>
+          </a:extLst>
+        </p:spPr>
+        <p:txBody>
+          <a:bodyPr vert="horz" wrap="none" lIns="91440" tIns="45720" rIns="91440" bIns="45720" numCol="1" anchor="ctr" anchorCtr="0" compatLnSpc="1">
+            <a:prstTxWarp prst="textNoShape">
+              <a:avLst/>
+            </a:prstTxWarp>
+            <a:spAutoFit/>
+          </a:bodyPr>
           <a:lstStyle/>
           <a:p>
-            <a:endParaRPr lang="en-US"/>
+            <a:pPr marL="0" marR="0" lvl="0" indent="0" algn="l" defTabSz="914400" rtl="0" eaLnBrk="0" fontAlgn="base" latinLnBrk="0" hangingPunct="0">
+              <a:lnSpc>
+                <a:spcPct val="100000"/>
+              </a:lnSpc>
+              <a:spcBef>
+                <a:spcPct val="0"/>
+              </a:spcBef>
+              <a:spcAft>
+                <a:spcPct val="0"/>
+              </a:spcAft>
+              <a:buClrTx/>
+              <a:buSzTx/>
+              <a:buFontTx/>
+              <a:buChar char="•"/>
+              <a:tabLst/>
+            </a:pPr>
+            <a:r>
+              <a:rPr lang="en-US" altLang="en-US" dirty="0"/>
+              <a:t>Edge DC processes data locally</a:t>
+            </a:r>
+          </a:p>
+          <a:p>
+            <a:pPr marL="0" marR="0" lvl="0" indent="0" algn="l" defTabSz="914400" rtl="0" eaLnBrk="0" fontAlgn="base" latinLnBrk="0" hangingPunct="0">
+              <a:lnSpc>
+                <a:spcPct val="100000"/>
+              </a:lnSpc>
+              <a:spcBef>
+                <a:spcPct val="0"/>
+              </a:spcBef>
+              <a:spcAft>
+                <a:spcPct val="0"/>
+              </a:spcAft>
+              <a:buClrTx/>
+              <a:buSzTx/>
+              <a:buFontTx/>
+              <a:buChar char="•"/>
+              <a:tabLst/>
+            </a:pPr>
+            <a:r>
+              <a:rPr lang="en-US" altLang="en-US" dirty="0"/>
+              <a:t>Central DC does analytics (AI computation)</a:t>
+            </a:r>
+          </a:p>
+          <a:p>
+            <a:pPr marL="0" marR="0" lvl="0" indent="0" algn="l" defTabSz="914400" rtl="0" eaLnBrk="0" fontAlgn="base" latinLnBrk="0" hangingPunct="0">
+              <a:lnSpc>
+                <a:spcPct val="100000"/>
+              </a:lnSpc>
+              <a:spcBef>
+                <a:spcPct val="0"/>
+              </a:spcBef>
+              <a:spcAft>
+                <a:spcPct val="0"/>
+              </a:spcAft>
+              <a:buClrTx/>
+              <a:buSzTx/>
+              <a:tabLst/>
+            </a:pPr>
+            <a:endParaRPr lang="en-US" altLang="en-US" dirty="0"/>
+          </a:p>
+          <a:p>
+            <a:pPr marL="0" marR="0" lvl="0" indent="0" algn="l" defTabSz="914400" rtl="0" eaLnBrk="0" fontAlgn="base" latinLnBrk="0" hangingPunct="0">
+              <a:lnSpc>
+                <a:spcPct val="100000"/>
+              </a:lnSpc>
+              <a:spcBef>
+                <a:spcPct val="0"/>
+              </a:spcBef>
+              <a:spcAft>
+                <a:spcPct val="0"/>
+              </a:spcAft>
+              <a:buClrTx/>
+              <a:buSzTx/>
+              <a:tabLst/>
+            </a:pPr>
+            <a:r>
+              <a:rPr lang="en-US" altLang="en-US" dirty="0"/>
+              <a:t>- e.g. Smart power grid, Autonomous traffic</a:t>
+            </a:r>
           </a:p>
         </p:txBody>
       </p:sp>
     </p:spTree>
     <p:extLst>
       <p:ext uri="{BB962C8B-B14F-4D97-AF65-F5344CB8AC3E}">
-        <p14:creationId xmlns:p14="http://schemas.microsoft.com/office/powerpoint/2010/main" val="3688589592"/>
+        <p14:creationId xmlns:p14="http://schemas.microsoft.com/office/powerpoint/2010/main" val="4094042698"/>
       </p:ext>
     </p:extLst>
   </p:cSld>
@@ -9290,6 +10160,890 @@
     <p:extLst>
       <p:ext uri="{BB962C8B-B14F-4D97-AF65-F5344CB8AC3E}">
         <p14:creationId xmlns:p14="http://schemas.microsoft.com/office/powerpoint/2010/main" val="3995051359"/>
+      </p:ext>
+    </p:extLst>
+  </p:cSld>
+  <p:clrMapOvr>
+    <a:masterClrMapping/>
+  </p:clrMapOvr>
+</p:sld>
+</file>
+
+<file path=ppt/slides/slide20.xml><?xml version="1.0" encoding="utf-8"?>
+<p:sld xmlns:a="http://schemas.openxmlformats.org/drawingml/2006/main" xmlns:r="http://schemas.openxmlformats.org/officeDocument/2006/relationships" xmlns:p="http://schemas.openxmlformats.org/presentationml/2006/main">
+  <p:cSld>
+    <p:spTree>
+      <p:nvGrpSpPr>
+        <p:cNvPr id="1" name="">
+          <a:extLst>
+            <a:ext uri="{FF2B5EF4-FFF2-40B4-BE49-F238E27FC236}">
+              <a16:creationId xmlns:a16="http://schemas.microsoft.com/office/drawing/2014/main" id="{67631C3C-D418-A03F-CF59-D865E2755DA0}"/>
+            </a:ext>
+          </a:extLst>
+        </p:cNvPr>
+        <p:cNvGrpSpPr/>
+        <p:nvPr/>
+      </p:nvGrpSpPr>
+      <p:grpSpPr>
+        <a:xfrm>
+          <a:off x="0" y="0"/>
+          <a:ext cx="0" cy="0"/>
+          <a:chOff x="0" y="0"/>
+          <a:chExt cx="0" cy="0"/>
+        </a:xfrm>
+      </p:grpSpPr>
+      <p:sp>
+        <p:nvSpPr>
+          <p:cNvPr id="2" name="Title 1">
+            <a:extLst>
+              <a:ext uri="{FF2B5EF4-FFF2-40B4-BE49-F238E27FC236}">
+                <a16:creationId xmlns:a16="http://schemas.microsoft.com/office/drawing/2014/main" id="{BAC0F9A7-F149-8029-E9AB-092371A6AAC1}"/>
+              </a:ext>
+            </a:extLst>
+          </p:cNvPr>
+          <p:cNvSpPr>
+            <a:spLocks noGrp="1"/>
+          </p:cNvSpPr>
+          <p:nvPr>
+            <p:ph type="ctrTitle"/>
+          </p:nvPr>
+        </p:nvSpPr>
+        <p:spPr>
+          <a:xfrm>
+            <a:off x="336550" y="152731"/>
+            <a:ext cx="11258345" cy="933119"/>
+          </a:xfrm>
+        </p:spPr>
+        <p:txBody>
+          <a:bodyPr/>
+          <a:lstStyle/>
+          <a:p>
+            <a:r>
+              <a:rPr lang="en-US" dirty="0"/>
+              <a:t>5G modules and layers</a:t>
+            </a:r>
+          </a:p>
+        </p:txBody>
+      </p:sp>
+      <p:sp>
+        <p:nvSpPr>
+          <p:cNvPr id="3" name="Subtitle 2">
+            <a:extLst>
+              <a:ext uri="{FF2B5EF4-FFF2-40B4-BE49-F238E27FC236}">
+                <a16:creationId xmlns:a16="http://schemas.microsoft.com/office/drawing/2014/main" id="{78A3331A-257D-9403-BA50-A7DF57CC3EBE}"/>
+              </a:ext>
+            </a:extLst>
+          </p:cNvPr>
+          <p:cNvSpPr>
+            <a:spLocks noGrp="1"/>
+          </p:cNvSpPr>
+          <p:nvPr>
+            <p:ph type="subTitle" idx="1"/>
+          </p:nvPr>
+        </p:nvSpPr>
+        <p:spPr>
+          <a:xfrm>
+            <a:off x="3376668" y="1035050"/>
+            <a:ext cx="2941637" cy="5431155"/>
+          </a:xfrm>
+        </p:spPr>
+        <p:txBody>
+          <a:bodyPr>
+            <a:normAutofit lnSpcReduction="10000"/>
+          </a:bodyPr>
+          <a:lstStyle/>
+          <a:p>
+            <a:r>
+              <a:rPr lang="en-US" sz="2000" b="1" dirty="0"/>
+              <a:t>Data (user plane):</a:t>
+            </a:r>
+            <a:endParaRPr lang="en-US" sz="1800" b="1" dirty="0"/>
+          </a:p>
+          <a:p>
+            <a:r>
+              <a:rPr lang="en-US" sz="1800" b="1" dirty="0" err="1"/>
+              <a:t>gNB</a:t>
+            </a:r>
+            <a:r>
+              <a:rPr lang="en-US" sz="1800" b="1" dirty="0"/>
+              <a:t>-RU</a:t>
+            </a:r>
+          </a:p>
+          <a:p>
+            <a:r>
+              <a:rPr lang="en-US" sz="1800" dirty="0"/>
+              <a:t>Physical layer</a:t>
+            </a:r>
+          </a:p>
+          <a:p>
+            <a:r>
+              <a:rPr lang="en-US" sz="1800" dirty="0"/>
+              <a:t>RF manipulation</a:t>
+            </a:r>
+          </a:p>
+          <a:p>
+            <a:r>
+              <a:rPr lang="en-US" sz="1800" b="1" dirty="0" err="1"/>
+              <a:t>gNB</a:t>
+            </a:r>
+            <a:r>
+              <a:rPr lang="en-US" sz="1800" b="1" dirty="0"/>
+              <a:t>-DU</a:t>
+            </a:r>
+            <a:endParaRPr lang="en-US" sz="1800" dirty="0"/>
+          </a:p>
+          <a:p>
+            <a:r>
+              <a:rPr lang="en-US" sz="1800" dirty="0"/>
+              <a:t>Lower-layer protocols</a:t>
+            </a:r>
+          </a:p>
+          <a:p>
+            <a:r>
+              <a:rPr lang="en-US" sz="1800" dirty="0"/>
+              <a:t>Real-time radio processing</a:t>
+            </a:r>
+          </a:p>
+          <a:p>
+            <a:r>
+              <a:rPr lang="en-US" sz="1800" b="1" dirty="0" err="1"/>
+              <a:t>gNB</a:t>
+            </a:r>
+            <a:r>
+              <a:rPr lang="en-US" sz="1800" b="1" dirty="0"/>
+              <a:t>-CU </a:t>
+            </a:r>
+            <a:endParaRPr lang="en-US" sz="1800" dirty="0"/>
+          </a:p>
+          <a:p>
+            <a:r>
+              <a:rPr lang="en-US" sz="1800" dirty="0"/>
+              <a:t>Higher-layer protocols</a:t>
+            </a:r>
+          </a:p>
+          <a:p>
+            <a:r>
+              <a:rPr lang="en-US" sz="1800" dirty="0"/>
+              <a:t>Control &amp; user plane processing</a:t>
+            </a:r>
+          </a:p>
+          <a:p>
+            <a:r>
+              <a:rPr lang="en-US" sz="1800" b="1" dirty="0"/>
+              <a:t>5GC/EPC (Central/Edge)</a:t>
+            </a:r>
+          </a:p>
+          <a:p>
+            <a:r>
+              <a:rPr lang="en-US" sz="1800" dirty="0"/>
+              <a:t>session control</a:t>
+            </a:r>
+          </a:p>
+          <a:p>
+            <a:r>
+              <a:rPr lang="en-US" sz="1800" dirty="0"/>
+              <a:t>Mobility</a:t>
+            </a:r>
+          </a:p>
+          <a:p>
+            <a:r>
+              <a:rPr lang="en-US" sz="1800" dirty="0"/>
+              <a:t>routing to internet</a:t>
+            </a:r>
+            <a:endParaRPr lang="en-US" sz="1800" b="1" dirty="0"/>
+          </a:p>
+          <a:p>
+            <a:endParaRPr lang="en-US" dirty="0"/>
+          </a:p>
+          <a:p>
+            <a:endParaRPr lang="en-US" dirty="0"/>
+          </a:p>
+          <a:p>
+            <a:endParaRPr lang="en-US" dirty="0"/>
+          </a:p>
+          <a:p>
+            <a:endParaRPr lang="en-US" dirty="0"/>
+          </a:p>
+        </p:txBody>
+      </p:sp>
+      <p:pic>
+        <p:nvPicPr>
+          <p:cNvPr id="5" name="Picture 4">
+            <a:extLst>
+              <a:ext uri="{FF2B5EF4-FFF2-40B4-BE49-F238E27FC236}">
+                <a16:creationId xmlns:a16="http://schemas.microsoft.com/office/drawing/2014/main" id="{31E52B53-9535-324E-55D3-0D715558DA1D}"/>
+              </a:ext>
+            </a:extLst>
+          </p:cNvPr>
+          <p:cNvPicPr>
+            <a:picLocks noChangeAspect="1"/>
+          </p:cNvPicPr>
+          <p:nvPr/>
+        </p:nvPicPr>
+        <p:blipFill>
+          <a:blip r:embed="rId3"/>
+          <a:stretch>
+            <a:fillRect/>
+          </a:stretch>
+        </p:blipFill>
+        <p:spPr>
+          <a:xfrm>
+            <a:off x="6508750" y="1035050"/>
+            <a:ext cx="5637161" cy="3614726"/>
+          </a:xfrm>
+          <a:prstGeom prst="rect">
+            <a:avLst/>
+          </a:prstGeom>
+        </p:spPr>
+      </p:pic>
+      <p:sp>
+        <p:nvSpPr>
+          <p:cNvPr id="7" name="TextBox 6">
+            <a:extLst>
+              <a:ext uri="{FF2B5EF4-FFF2-40B4-BE49-F238E27FC236}">
+                <a16:creationId xmlns:a16="http://schemas.microsoft.com/office/drawing/2014/main" id="{A968128A-46F2-B9CA-1B02-C4D773AA629F}"/>
+              </a:ext>
+            </a:extLst>
+          </p:cNvPr>
+          <p:cNvSpPr txBox="1"/>
+          <p:nvPr/>
+        </p:nvSpPr>
+        <p:spPr>
+          <a:xfrm>
+            <a:off x="336550" y="1085850"/>
+            <a:ext cx="3275012" cy="5491760"/>
+          </a:xfrm>
+          <a:prstGeom prst="rect">
+            <a:avLst/>
+          </a:prstGeom>
+          <a:noFill/>
+        </p:spPr>
+        <p:txBody>
+          <a:bodyPr wrap="square">
+            <a:spAutoFit/>
+          </a:bodyPr>
+          <a:lstStyle/>
+          <a:p>
+            <a:pPr>
+              <a:lnSpc>
+                <a:spcPct val="90000"/>
+              </a:lnSpc>
+              <a:spcBef>
+                <a:spcPts val="1000"/>
+              </a:spcBef>
+            </a:pPr>
+            <a:r>
+              <a:rPr lang="en-US" b="1" dirty="0">
+                <a:solidFill>
+                  <a:srgbClr val="782F40"/>
+                </a:solidFill>
+                <a:latin typeface="Open Sans" panose="020B0606030504020204" pitchFamily="34" charset="0"/>
+                <a:ea typeface="Open Sans" panose="020B0606030504020204" pitchFamily="34" charset="0"/>
+                <a:cs typeface="Open Sans" panose="020B0606030504020204" pitchFamily="34" charset="0"/>
+              </a:rPr>
+              <a:t>L1 — Physical Layer</a:t>
+            </a:r>
+          </a:p>
+          <a:p>
+            <a:pPr>
+              <a:lnSpc>
+                <a:spcPct val="90000"/>
+              </a:lnSpc>
+              <a:spcBef>
+                <a:spcPts val="1000"/>
+              </a:spcBef>
+            </a:pPr>
+            <a:r>
+              <a:rPr lang="en-US" dirty="0">
+                <a:solidFill>
+                  <a:srgbClr val="782F40"/>
+                </a:solidFill>
+                <a:latin typeface="Open Sans" panose="020B0606030504020204" pitchFamily="34" charset="0"/>
+                <a:ea typeface="Open Sans" panose="020B0606030504020204" pitchFamily="34" charset="0"/>
+                <a:cs typeface="Open Sans" panose="020B0606030504020204" pitchFamily="34" charset="0"/>
+              </a:rPr>
+              <a:t>Radio transmission</a:t>
+            </a:r>
+          </a:p>
+          <a:p>
+            <a:pPr>
+              <a:lnSpc>
+                <a:spcPct val="90000"/>
+              </a:lnSpc>
+              <a:spcBef>
+                <a:spcPts val="1000"/>
+              </a:spcBef>
+            </a:pPr>
+            <a:r>
+              <a:rPr lang="en-US" dirty="0">
+                <a:solidFill>
+                  <a:srgbClr val="782F40"/>
+                </a:solidFill>
+                <a:latin typeface="Open Sans" panose="020B0606030504020204" pitchFamily="34" charset="0"/>
+                <a:ea typeface="Open Sans" panose="020B0606030504020204" pitchFamily="34" charset="0"/>
+                <a:cs typeface="Open Sans" panose="020B0606030504020204" pitchFamily="34" charset="0"/>
+              </a:rPr>
+              <a:t>OFDM, MIMO, </a:t>
+            </a:r>
+            <a:r>
+              <a:rPr lang="en-US" dirty="0" err="1">
+                <a:solidFill>
+                  <a:srgbClr val="782F40"/>
+                </a:solidFill>
+                <a:latin typeface="Open Sans" panose="020B0606030504020204" pitchFamily="34" charset="0"/>
+                <a:ea typeface="Open Sans" panose="020B0606030504020204" pitchFamily="34" charset="0"/>
+                <a:cs typeface="Open Sans" panose="020B0606030504020204" pitchFamily="34" charset="0"/>
+              </a:rPr>
+              <a:t>mmWave</a:t>
+            </a:r>
+            <a:endParaRPr lang="en-US" dirty="0">
+              <a:solidFill>
+                <a:srgbClr val="782F40"/>
+              </a:solidFill>
+              <a:latin typeface="Open Sans" panose="020B0606030504020204" pitchFamily="34" charset="0"/>
+              <a:ea typeface="Open Sans" panose="020B0606030504020204" pitchFamily="34" charset="0"/>
+              <a:cs typeface="Open Sans" panose="020B0606030504020204" pitchFamily="34" charset="0"/>
+            </a:endParaRPr>
+          </a:p>
+          <a:p>
+            <a:pPr>
+              <a:lnSpc>
+                <a:spcPct val="90000"/>
+              </a:lnSpc>
+              <a:spcBef>
+                <a:spcPts val="1000"/>
+              </a:spcBef>
+            </a:pPr>
+            <a:r>
+              <a:rPr lang="en-US" dirty="0">
+                <a:solidFill>
+                  <a:srgbClr val="782F40"/>
+                </a:solidFill>
+                <a:latin typeface="Open Sans" panose="020B0606030504020204" pitchFamily="34" charset="0"/>
+                <a:ea typeface="Open Sans" panose="020B0606030504020204" pitchFamily="34" charset="0"/>
+                <a:cs typeface="Open Sans" panose="020B0606030504020204" pitchFamily="34" charset="0"/>
+              </a:rPr>
+              <a:t>Mostly in DU </a:t>
+            </a:r>
+          </a:p>
+          <a:p>
+            <a:pPr>
+              <a:lnSpc>
+                <a:spcPct val="90000"/>
+              </a:lnSpc>
+              <a:spcBef>
+                <a:spcPts val="1000"/>
+              </a:spcBef>
+            </a:pPr>
+            <a:r>
+              <a:rPr lang="en-US" b="1" dirty="0">
+                <a:solidFill>
+                  <a:srgbClr val="782F40"/>
+                </a:solidFill>
+                <a:latin typeface="Open Sans" panose="020B0606030504020204" pitchFamily="34" charset="0"/>
+                <a:ea typeface="Open Sans" panose="020B0606030504020204" pitchFamily="34" charset="0"/>
+                <a:cs typeface="Open Sans" panose="020B0606030504020204" pitchFamily="34" charset="0"/>
+              </a:rPr>
+              <a:t>L2 — Data Link Layer</a:t>
+            </a:r>
+          </a:p>
+          <a:p>
+            <a:pPr>
+              <a:lnSpc>
+                <a:spcPct val="90000"/>
+              </a:lnSpc>
+              <a:spcBef>
+                <a:spcPts val="1000"/>
+              </a:spcBef>
+            </a:pPr>
+            <a:r>
+              <a:rPr lang="en-US" dirty="0">
+                <a:solidFill>
+                  <a:srgbClr val="782F40"/>
+                </a:solidFill>
+                <a:latin typeface="Open Sans" panose="020B0606030504020204" pitchFamily="34" charset="0"/>
+                <a:ea typeface="Open Sans" panose="020B0606030504020204" pitchFamily="34" charset="0"/>
+                <a:cs typeface="Open Sans" panose="020B0606030504020204" pitchFamily="34" charset="0"/>
+              </a:rPr>
+              <a:t>MAC – scheduling</a:t>
+            </a:r>
+          </a:p>
+          <a:p>
+            <a:pPr>
+              <a:lnSpc>
+                <a:spcPct val="90000"/>
+              </a:lnSpc>
+              <a:spcBef>
+                <a:spcPts val="1000"/>
+              </a:spcBef>
+            </a:pPr>
+            <a:r>
+              <a:rPr lang="en-US" dirty="0">
+                <a:solidFill>
+                  <a:srgbClr val="782F40"/>
+                </a:solidFill>
+                <a:latin typeface="Open Sans" panose="020B0606030504020204" pitchFamily="34" charset="0"/>
+                <a:ea typeface="Open Sans" panose="020B0606030504020204" pitchFamily="34" charset="0"/>
+                <a:cs typeface="Open Sans" panose="020B0606030504020204" pitchFamily="34" charset="0"/>
+              </a:rPr>
+              <a:t>RLC (Radio Link Control) – retransmission</a:t>
+            </a:r>
+          </a:p>
+          <a:p>
+            <a:pPr>
+              <a:lnSpc>
+                <a:spcPct val="90000"/>
+              </a:lnSpc>
+              <a:spcBef>
+                <a:spcPts val="1000"/>
+              </a:spcBef>
+            </a:pPr>
+            <a:r>
+              <a:rPr lang="en-US" dirty="0">
+                <a:solidFill>
+                  <a:srgbClr val="782F40"/>
+                </a:solidFill>
+                <a:latin typeface="Open Sans" panose="020B0606030504020204" pitchFamily="34" charset="0"/>
+                <a:ea typeface="Open Sans" panose="020B0606030504020204" pitchFamily="34" charset="0"/>
+                <a:cs typeface="Open Sans" panose="020B0606030504020204" pitchFamily="34" charset="0"/>
+              </a:rPr>
+              <a:t>PDCP – encryption, compression</a:t>
+            </a:r>
+            <a:br>
+              <a:rPr lang="en-US" dirty="0">
+                <a:solidFill>
+                  <a:srgbClr val="782F40"/>
+                </a:solidFill>
+                <a:latin typeface="Open Sans" panose="020B0606030504020204" pitchFamily="34" charset="0"/>
+                <a:ea typeface="Open Sans" panose="020B0606030504020204" pitchFamily="34" charset="0"/>
+                <a:cs typeface="Open Sans" panose="020B0606030504020204" pitchFamily="34" charset="0"/>
+              </a:rPr>
+            </a:br>
+            <a:r>
+              <a:rPr lang="en-US" dirty="0">
+                <a:solidFill>
+                  <a:srgbClr val="782F40"/>
+                </a:solidFill>
+                <a:latin typeface="Open Sans" panose="020B0606030504020204" pitchFamily="34" charset="0"/>
+                <a:ea typeface="Open Sans" panose="020B0606030504020204" pitchFamily="34" charset="0"/>
+                <a:cs typeface="Open Sans" panose="020B0606030504020204" pitchFamily="34" charset="0"/>
+              </a:rPr>
+              <a:t>Split between DU and CU</a:t>
+            </a:r>
+          </a:p>
+          <a:p>
+            <a:pPr>
+              <a:lnSpc>
+                <a:spcPct val="90000"/>
+              </a:lnSpc>
+              <a:spcBef>
+                <a:spcPts val="1000"/>
+              </a:spcBef>
+            </a:pPr>
+            <a:r>
+              <a:rPr lang="en-US" b="1" dirty="0">
+                <a:solidFill>
+                  <a:srgbClr val="782F40"/>
+                </a:solidFill>
+                <a:latin typeface="Open Sans" panose="020B0606030504020204" pitchFamily="34" charset="0"/>
+                <a:ea typeface="Open Sans" panose="020B0606030504020204" pitchFamily="34" charset="0"/>
+                <a:cs typeface="Open Sans" panose="020B0606030504020204" pitchFamily="34" charset="0"/>
+              </a:rPr>
+              <a:t>L3 — Network Layer</a:t>
+            </a:r>
+          </a:p>
+          <a:p>
+            <a:pPr>
+              <a:lnSpc>
+                <a:spcPct val="90000"/>
+              </a:lnSpc>
+              <a:spcBef>
+                <a:spcPts val="1000"/>
+              </a:spcBef>
+            </a:pPr>
+            <a:r>
+              <a:rPr lang="en-US" dirty="0">
+                <a:solidFill>
+                  <a:srgbClr val="782F40"/>
+                </a:solidFill>
+                <a:latin typeface="Open Sans" panose="020B0606030504020204" pitchFamily="34" charset="0"/>
+                <a:ea typeface="Open Sans" panose="020B0606030504020204" pitchFamily="34" charset="0"/>
+                <a:cs typeface="Open Sans" panose="020B0606030504020204" pitchFamily="34" charset="0"/>
+              </a:rPr>
+              <a:t>IP routing</a:t>
+            </a:r>
+          </a:p>
+          <a:p>
+            <a:pPr>
+              <a:lnSpc>
+                <a:spcPct val="90000"/>
+              </a:lnSpc>
+              <a:spcBef>
+                <a:spcPts val="1000"/>
+              </a:spcBef>
+            </a:pPr>
+            <a:r>
+              <a:rPr lang="en-US" dirty="0">
+                <a:solidFill>
+                  <a:srgbClr val="782F40"/>
+                </a:solidFill>
+                <a:latin typeface="Open Sans" panose="020B0606030504020204" pitchFamily="34" charset="0"/>
+                <a:ea typeface="Open Sans" panose="020B0606030504020204" pitchFamily="34" charset="0"/>
+                <a:cs typeface="Open Sans" panose="020B0606030504020204" pitchFamily="34" charset="0"/>
+              </a:rPr>
+              <a:t>Mobility anchoring</a:t>
+            </a:r>
+          </a:p>
+          <a:p>
+            <a:pPr>
+              <a:lnSpc>
+                <a:spcPct val="90000"/>
+              </a:lnSpc>
+              <a:spcBef>
+                <a:spcPts val="1000"/>
+              </a:spcBef>
+            </a:pPr>
+            <a:r>
+              <a:rPr lang="en-US" dirty="0">
+                <a:solidFill>
+                  <a:srgbClr val="782F40"/>
+                </a:solidFill>
+                <a:latin typeface="Open Sans" panose="020B0606030504020204" pitchFamily="34" charset="0"/>
+                <a:ea typeface="Open Sans" panose="020B0606030504020204" pitchFamily="34" charset="0"/>
+                <a:cs typeface="Open Sans" panose="020B0606030504020204" pitchFamily="34" charset="0"/>
+              </a:rPr>
+              <a:t>QoS enforcement</a:t>
+            </a:r>
+            <a:br>
+              <a:rPr lang="en-US" dirty="0">
+                <a:solidFill>
+                  <a:srgbClr val="782F40"/>
+                </a:solidFill>
+                <a:latin typeface="Open Sans" panose="020B0606030504020204" pitchFamily="34" charset="0"/>
+                <a:ea typeface="Open Sans" panose="020B0606030504020204" pitchFamily="34" charset="0"/>
+                <a:cs typeface="Open Sans" panose="020B0606030504020204" pitchFamily="34" charset="0"/>
+              </a:rPr>
+            </a:br>
+            <a:r>
+              <a:rPr lang="en-US" dirty="0">
+                <a:solidFill>
+                  <a:srgbClr val="782F40"/>
+                </a:solidFill>
+                <a:latin typeface="Open Sans" panose="020B0606030504020204" pitchFamily="34" charset="0"/>
+                <a:ea typeface="Open Sans" panose="020B0606030504020204" pitchFamily="34" charset="0"/>
+                <a:cs typeface="Open Sans" panose="020B0606030504020204" pitchFamily="34" charset="0"/>
+              </a:rPr>
+              <a:t>Mostly in CU + 5G core</a:t>
+            </a:r>
+          </a:p>
+        </p:txBody>
+      </p:sp>
+      <p:sp>
+        <p:nvSpPr>
+          <p:cNvPr id="4" name="TextBox 3">
+            <a:extLst>
+              <a:ext uri="{FF2B5EF4-FFF2-40B4-BE49-F238E27FC236}">
+                <a16:creationId xmlns:a16="http://schemas.microsoft.com/office/drawing/2014/main" id="{2010911B-A5F4-A628-6F1C-9D9632C1027E}"/>
+              </a:ext>
+            </a:extLst>
+          </p:cNvPr>
+          <p:cNvSpPr txBox="1"/>
+          <p:nvPr/>
+        </p:nvSpPr>
+        <p:spPr>
+          <a:xfrm>
+            <a:off x="6500867" y="4753845"/>
+            <a:ext cx="5189264" cy="2763834"/>
+          </a:xfrm>
+          <a:prstGeom prst="rect">
+            <a:avLst/>
+          </a:prstGeom>
+          <a:noFill/>
+        </p:spPr>
+        <p:txBody>
+          <a:bodyPr wrap="square" rtlCol="0">
+            <a:spAutoFit/>
+          </a:bodyPr>
+          <a:lstStyle/>
+          <a:p>
+            <a:r>
+              <a:rPr lang="en-US" sz="2000" b="1" dirty="0">
+                <a:solidFill>
+                  <a:srgbClr val="782F40"/>
+                </a:solidFill>
+                <a:latin typeface="Open Sans" panose="020B0606030504020204" pitchFamily="34" charset="0"/>
+                <a:ea typeface="Open Sans" panose="020B0606030504020204" pitchFamily="34" charset="0"/>
+                <a:cs typeface="Open Sans" panose="020B0606030504020204" pitchFamily="34" charset="0"/>
+              </a:rPr>
+              <a:t>Control plane:</a:t>
+            </a:r>
+          </a:p>
+          <a:p>
+            <a:r>
+              <a:rPr lang="en-US" sz="2000" b="1" dirty="0">
+                <a:solidFill>
+                  <a:srgbClr val="782F40"/>
+                </a:solidFill>
+                <a:latin typeface="Open Sans" panose="020B0606030504020204" pitchFamily="34" charset="0"/>
+                <a:ea typeface="Open Sans" panose="020B0606030504020204" pitchFamily="34" charset="0"/>
+                <a:cs typeface="Open Sans" panose="020B0606030504020204" pitchFamily="34" charset="0"/>
+              </a:rPr>
+              <a:t>RIC — RAN Intelligent Controller</a:t>
+            </a:r>
+          </a:p>
+          <a:p>
+            <a:pPr>
+              <a:lnSpc>
+                <a:spcPct val="90000"/>
+              </a:lnSpc>
+              <a:spcBef>
+                <a:spcPts val="1000"/>
+              </a:spcBef>
+            </a:pPr>
+            <a:r>
+              <a:rPr lang="en-US" dirty="0">
+                <a:solidFill>
+                  <a:srgbClr val="782F40"/>
+                </a:solidFill>
+                <a:latin typeface="Open Sans" panose="020B0606030504020204" pitchFamily="34" charset="0"/>
+                <a:ea typeface="Open Sans" panose="020B0606030504020204" pitchFamily="34" charset="0"/>
+                <a:cs typeface="Open Sans" panose="020B0606030504020204" pitchFamily="34" charset="0"/>
+              </a:rPr>
+              <a:t>Control and optimize the RAN using AI/ML</a:t>
+            </a:r>
+          </a:p>
+          <a:p>
+            <a:pPr>
+              <a:lnSpc>
+                <a:spcPct val="90000"/>
+              </a:lnSpc>
+              <a:spcBef>
+                <a:spcPts val="1000"/>
+              </a:spcBef>
+            </a:pPr>
+            <a:r>
+              <a:rPr lang="en-US" dirty="0">
+                <a:solidFill>
+                  <a:srgbClr val="782F40"/>
+                </a:solidFill>
+                <a:latin typeface="Open Sans" panose="020B0606030504020204" pitchFamily="34" charset="0"/>
+                <a:ea typeface="Open Sans" panose="020B0606030504020204" pitchFamily="34" charset="0"/>
+                <a:cs typeface="Open Sans" panose="020B0606030504020204" pitchFamily="34" charset="0"/>
+              </a:rPr>
+              <a:t>third-party applications (</a:t>
+            </a:r>
+            <a:r>
+              <a:rPr lang="en-US" dirty="0" err="1">
+                <a:solidFill>
+                  <a:srgbClr val="782F40"/>
+                </a:solidFill>
+                <a:latin typeface="Open Sans" panose="020B0606030504020204" pitchFamily="34" charset="0"/>
+                <a:ea typeface="Open Sans" panose="020B0606030504020204" pitchFamily="34" charset="0"/>
+                <a:cs typeface="Open Sans" panose="020B0606030504020204" pitchFamily="34" charset="0"/>
+              </a:rPr>
+              <a:t>xApps</a:t>
+            </a:r>
+            <a:r>
+              <a:rPr lang="en-US" dirty="0">
+                <a:solidFill>
+                  <a:srgbClr val="782F40"/>
+                </a:solidFill>
+                <a:latin typeface="Open Sans" panose="020B0606030504020204" pitchFamily="34" charset="0"/>
+                <a:ea typeface="Open Sans" panose="020B0606030504020204" pitchFamily="34" charset="0"/>
+                <a:cs typeface="Open Sans" panose="020B0606030504020204" pitchFamily="34" charset="0"/>
+              </a:rPr>
+              <a:t>/</a:t>
+            </a:r>
+            <a:r>
+              <a:rPr lang="en-US" dirty="0" err="1">
+                <a:solidFill>
+                  <a:srgbClr val="782F40"/>
+                </a:solidFill>
+                <a:latin typeface="Open Sans" panose="020B0606030504020204" pitchFamily="34" charset="0"/>
+                <a:ea typeface="Open Sans" panose="020B0606030504020204" pitchFamily="34" charset="0"/>
+                <a:cs typeface="Open Sans" panose="020B0606030504020204" pitchFamily="34" charset="0"/>
+              </a:rPr>
+              <a:t>rApps</a:t>
+            </a:r>
+            <a:r>
+              <a:rPr lang="en-US" dirty="0">
+                <a:solidFill>
+                  <a:srgbClr val="782F40"/>
+                </a:solidFill>
+                <a:latin typeface="Open Sans" panose="020B0606030504020204" pitchFamily="34" charset="0"/>
+                <a:ea typeface="Open Sans" panose="020B0606030504020204" pitchFamily="34" charset="0"/>
+                <a:cs typeface="Open Sans" panose="020B0606030504020204" pitchFamily="34" charset="0"/>
+              </a:rPr>
+              <a:t>) </a:t>
+            </a:r>
+          </a:p>
+          <a:p>
+            <a:pPr>
+              <a:lnSpc>
+                <a:spcPct val="90000"/>
+              </a:lnSpc>
+              <a:spcBef>
+                <a:spcPts val="1000"/>
+              </a:spcBef>
+            </a:pPr>
+            <a:r>
+              <a:rPr lang="en-US" dirty="0">
+                <a:solidFill>
+                  <a:srgbClr val="782F40"/>
+                </a:solidFill>
+                <a:latin typeface="Open Sans" panose="020B0606030504020204" pitchFamily="34" charset="0"/>
+                <a:ea typeface="Open Sans" panose="020B0606030504020204" pitchFamily="34" charset="0"/>
+                <a:cs typeface="Open Sans" panose="020B0606030504020204" pitchFamily="34" charset="0"/>
+              </a:rPr>
+              <a:t>resource management, network slicing, </a:t>
+            </a:r>
+            <a:r>
+              <a:rPr lang="en-US" dirty="0" err="1">
+                <a:solidFill>
+                  <a:srgbClr val="782F40"/>
+                </a:solidFill>
+                <a:latin typeface="Open Sans" panose="020B0606030504020204" pitchFamily="34" charset="0"/>
+                <a:ea typeface="Open Sans" panose="020B0606030504020204" pitchFamily="34" charset="0"/>
+                <a:cs typeface="Open Sans" panose="020B0606030504020204" pitchFamily="34" charset="0"/>
+              </a:rPr>
+              <a:t>QoE</a:t>
+            </a:r>
+            <a:endParaRPr lang="en-US" dirty="0">
+              <a:solidFill>
+                <a:srgbClr val="782F40"/>
+              </a:solidFill>
+              <a:latin typeface="Open Sans" panose="020B0606030504020204" pitchFamily="34" charset="0"/>
+              <a:ea typeface="Open Sans" panose="020B0606030504020204" pitchFamily="34" charset="0"/>
+              <a:cs typeface="Open Sans" panose="020B0606030504020204" pitchFamily="34" charset="0"/>
+            </a:endParaRPr>
+          </a:p>
+          <a:p>
+            <a:endParaRPr lang="en-US" sz="2000" dirty="0">
+              <a:solidFill>
+                <a:srgbClr val="782F40"/>
+              </a:solidFill>
+              <a:latin typeface="Open Sans" panose="020B0606030504020204" pitchFamily="34" charset="0"/>
+              <a:ea typeface="Open Sans" panose="020B0606030504020204" pitchFamily="34" charset="0"/>
+              <a:cs typeface="Open Sans" panose="020B0606030504020204" pitchFamily="34" charset="0"/>
+            </a:endParaRPr>
+          </a:p>
+          <a:p>
+            <a:r>
+              <a:rPr lang="en-US" sz="2000" dirty="0">
+                <a:solidFill>
+                  <a:srgbClr val="782F40"/>
+                </a:solidFill>
+                <a:latin typeface="Open Sans" panose="020B0606030504020204" pitchFamily="34" charset="0"/>
+                <a:ea typeface="Open Sans" panose="020B0606030504020204" pitchFamily="34" charset="0"/>
+                <a:cs typeface="Open Sans" panose="020B0606030504020204" pitchFamily="34" charset="0"/>
+              </a:rPr>
+              <a:t> </a:t>
+            </a:r>
+          </a:p>
+          <a:p>
+            <a:endParaRPr lang="en-US" sz="2000" b="1" dirty="0">
+              <a:solidFill>
+                <a:srgbClr val="782F40"/>
+              </a:solidFill>
+              <a:latin typeface="Open Sans" panose="020B0606030504020204" pitchFamily="34" charset="0"/>
+              <a:ea typeface="Open Sans" panose="020B0606030504020204" pitchFamily="34" charset="0"/>
+              <a:cs typeface="Open Sans" panose="020B0606030504020204" pitchFamily="34" charset="0"/>
+            </a:endParaRPr>
+          </a:p>
+        </p:txBody>
+      </p:sp>
+    </p:spTree>
+    <p:extLst>
+      <p:ext uri="{BB962C8B-B14F-4D97-AF65-F5344CB8AC3E}">
+        <p14:creationId xmlns:p14="http://schemas.microsoft.com/office/powerpoint/2010/main" val="2746432850"/>
+      </p:ext>
+    </p:extLst>
+  </p:cSld>
+  <p:clrMapOvr>
+    <a:masterClrMapping/>
+  </p:clrMapOvr>
+</p:sld>
+</file>
+
+<file path=ppt/slides/slide21.xml><?xml version="1.0" encoding="utf-8"?>
+<p:sld xmlns:a="http://schemas.openxmlformats.org/drawingml/2006/main" xmlns:r="http://schemas.openxmlformats.org/officeDocument/2006/relationships" xmlns:p="http://schemas.openxmlformats.org/presentationml/2006/main">
+  <p:cSld>
+    <p:spTree>
+      <p:nvGrpSpPr>
+        <p:cNvPr id="1" name=""/>
+        <p:cNvGrpSpPr/>
+        <p:nvPr/>
+      </p:nvGrpSpPr>
+      <p:grpSpPr>
+        <a:xfrm>
+          <a:off x="0" y="0"/>
+          <a:ext cx="0" cy="0"/>
+          <a:chOff x="0" y="0"/>
+          <a:chExt cx="0" cy="0"/>
+        </a:xfrm>
+      </p:grpSpPr>
+      <p:sp>
+        <p:nvSpPr>
+          <p:cNvPr id="2" name="Title 1">
+            <a:extLst>
+              <a:ext uri="{FF2B5EF4-FFF2-40B4-BE49-F238E27FC236}">
+                <a16:creationId xmlns:a16="http://schemas.microsoft.com/office/drawing/2014/main" id="{7527965E-117A-C09B-B858-FCBE0D017E65}"/>
+              </a:ext>
+            </a:extLst>
+          </p:cNvPr>
+          <p:cNvSpPr>
+            <a:spLocks noGrp="1"/>
+          </p:cNvSpPr>
+          <p:nvPr>
+            <p:ph type="ctrTitle"/>
+          </p:nvPr>
+        </p:nvSpPr>
+        <p:spPr>
+          <a:xfrm>
+            <a:off x="5067300" y="615950"/>
+            <a:ext cx="6601238" cy="2894013"/>
+          </a:xfrm>
+        </p:spPr>
+        <p:txBody>
+          <a:bodyPr/>
+          <a:lstStyle/>
+          <a:p>
+            <a:r>
+              <a:rPr lang="en-US" dirty="0"/>
+              <a:t>Q/A</a:t>
+            </a:r>
+          </a:p>
+        </p:txBody>
+      </p:sp>
+      <p:sp>
+        <p:nvSpPr>
+          <p:cNvPr id="3" name="Subtitle 2">
+            <a:extLst>
+              <a:ext uri="{FF2B5EF4-FFF2-40B4-BE49-F238E27FC236}">
+                <a16:creationId xmlns:a16="http://schemas.microsoft.com/office/drawing/2014/main" id="{56C4284D-6761-B906-6D89-478436881A4C}"/>
+              </a:ext>
+            </a:extLst>
+          </p:cNvPr>
+          <p:cNvSpPr>
+            <a:spLocks noGrp="1"/>
+          </p:cNvSpPr>
+          <p:nvPr>
+            <p:ph type="subTitle" idx="1"/>
+          </p:nvPr>
+        </p:nvSpPr>
+        <p:spPr/>
+        <p:txBody>
+          <a:bodyPr/>
+          <a:lstStyle/>
+          <a:p>
+            <a:endParaRPr lang="en-US"/>
+          </a:p>
+        </p:txBody>
+      </p:sp>
+    </p:spTree>
+    <p:extLst>
+      <p:ext uri="{BB962C8B-B14F-4D97-AF65-F5344CB8AC3E}">
+        <p14:creationId xmlns:p14="http://schemas.microsoft.com/office/powerpoint/2010/main" val="3688589592"/>
       </p:ext>
     </p:extLst>
   </p:cSld>
@@ -10656,7 +12410,7 @@
         <p:spPr>
           <a:xfrm>
             <a:off x="3125788" y="1274113"/>
-            <a:ext cx="3275012" cy="5242461"/>
+            <a:ext cx="3275012" cy="5491760"/>
           </a:xfrm>
           <a:prstGeom prst="rect">
             <a:avLst/>
@@ -10831,7 +12585,7 @@
                 <a:ea typeface="Open Sans" panose="020B0606030504020204" pitchFamily="34" charset="0"/>
                 <a:cs typeface="Open Sans" panose="020B0606030504020204" pitchFamily="34" charset="0"/>
               </a:rPr>
-              <a:t>RLC – retransmission</a:t>
+              <a:t>RLC (Radio Link Control) – retransmission</a:t>
             </a:r>
           </a:p>
           <a:p>
@@ -10979,6 +12733,51 @@
                 <a:cs typeface="Open Sans" panose="020B0606030504020204" pitchFamily="34" charset="0"/>
               </a:rPr>
               <a:t>Mostly in CU + 5G core</a:t>
+            </a:r>
+          </a:p>
+        </p:txBody>
+      </p:sp>
+      <p:sp>
+        <p:nvSpPr>
+          <p:cNvPr id="4" name="TextBox 3">
+            <a:extLst>
+              <a:ext uri="{FF2B5EF4-FFF2-40B4-BE49-F238E27FC236}">
+                <a16:creationId xmlns:a16="http://schemas.microsoft.com/office/drawing/2014/main" id="{34340471-F2F1-99F5-934A-185F10FC69AC}"/>
+              </a:ext>
+            </a:extLst>
+          </p:cNvPr>
+          <p:cNvSpPr txBox="1"/>
+          <p:nvPr/>
+        </p:nvSpPr>
+        <p:spPr>
+          <a:xfrm>
+            <a:off x="6508750" y="4815314"/>
+            <a:ext cx="5189264" cy="1815882"/>
+          </a:xfrm>
+          <a:prstGeom prst="rect">
+            <a:avLst/>
+          </a:prstGeom>
+          <a:noFill/>
+        </p:spPr>
+        <p:txBody>
+          <a:bodyPr wrap="square" rtlCol="0">
+            <a:spAutoFit/>
+          </a:bodyPr>
+          <a:lstStyle/>
+          <a:p>
+            <a:r>
+              <a:rPr lang="en-US" sz="1600" dirty="0"/>
+              <a:t>*</a:t>
+            </a:r>
+            <a:r>
+              <a:rPr lang="en-US" altLang="zh-CN" sz="1600" dirty="0"/>
+              <a:t>Put in the last, talk about O-RAN, multi-vendors…, open source</a:t>
+            </a:r>
+          </a:p>
+          <a:p>
+            <a:r>
+              <a:rPr lang="en-US" sz="1600" dirty="0"/>
+              <a:t>Radio Access Network (RAN) is the wireless part of a cellular network, connecting user devices (phones, tablets) to the core network via radio waves, using antennas and base stations to translate signals, enabling services like calls, texts, and data.</a:t>
             </a:r>
           </a:p>
         </p:txBody>
@@ -11687,6 +13486,15 @@
 </file>
 
 <file path=customXml/item1.xml><?xml version="1.0" encoding="utf-8"?>
+<?mso-contentType ?>
+<FormTemplates xmlns="http://schemas.microsoft.com/sharepoint/v3/contenttype/forms">
+  <Display>DocumentLibraryForm</Display>
+  <Edit>DocumentLibraryForm</Edit>
+  <New>DocumentLibraryForm</New>
+</FormTemplates>
+</file>
+
+<file path=customXml/item2.xml><?xml version="1.0" encoding="utf-8"?>
 <ct:contentTypeSchema xmlns:ct="http://schemas.microsoft.com/office/2006/metadata/contentType" xmlns:ma="http://schemas.microsoft.com/office/2006/metadata/properties/metaAttributes" ct:_="" ma:_="" ma:contentTypeName="Document" ma:contentTypeID="0x01010090588468447371449BAB63944A88B568" ma:contentTypeVersion="14" ma:contentTypeDescription="Create a new document." ma:contentTypeScope="" ma:versionID="f5822371c3ea4a45fee21b5cdb83e6b5">
   <xsd:schema xmlns:xsd="http://www.w3.org/2001/XMLSchema" xmlns:xs="http://www.w3.org/2001/XMLSchema" xmlns:p="http://schemas.microsoft.com/office/2006/metadata/properties" xmlns:ns2="7551912c-87d1-46b1-9dc0-15ca10fd921a" xmlns:ns3="03ea1fd6-979a-463e-909e-bb2f2fdcfde5" targetNamespace="http://schemas.microsoft.com/office/2006/metadata/properties" ma:root="true" ma:fieldsID="6f9efc4a414d036586298f3da10a3916" ns2:_="" ns3:_="">
     <xsd:import namespace="7551912c-87d1-46b1-9dc0-15ca10fd921a"/>
@@ -11915,15 +13723,6 @@
 </ct:contentTypeSchema>
 </file>
 
-<file path=customXml/item2.xml><?xml version="1.0" encoding="utf-8"?>
-<?mso-contentType ?>
-<FormTemplates xmlns="http://schemas.microsoft.com/sharepoint/v3/contenttype/forms">
-  <Display>DocumentLibraryForm</Display>
-  <Edit>DocumentLibraryForm</Edit>
-  <New>DocumentLibraryForm</New>
-</FormTemplates>
-</file>
-
 <file path=customXml/item3.xml><?xml version="1.0" encoding="utf-8"?>
 <p:properties xmlns:p="http://schemas.microsoft.com/office/2006/metadata/properties" xmlns:xsi="http://www.w3.org/2001/XMLSchema-instance" xmlns:pc="http://schemas.microsoft.com/office/infopath/2007/PartnerControls">
   <documentManagement>
@@ -11936,6 +13735,14 @@
 </file>
 
 <file path=customXml/itemProps1.xml><?xml version="1.0" encoding="utf-8"?>
+<ds:datastoreItem xmlns:ds="http://schemas.openxmlformats.org/officeDocument/2006/customXml" ds:itemID="{623DA2B7-AFC9-4922-AB39-D1CF35CA49CA}">
+  <ds:schemaRefs>
+    <ds:schemaRef ds:uri="http://schemas.microsoft.com/sharepoint/v3/contenttype/forms"/>
+  </ds:schemaRefs>
+</ds:datastoreItem>
+</file>
+
+<file path=customXml/itemProps2.xml><?xml version="1.0" encoding="utf-8"?>
 <ds:datastoreItem xmlns:ds="http://schemas.openxmlformats.org/officeDocument/2006/customXml" ds:itemID="{BCC493C6-04D2-4D10-97A6-7A11F6288147}">
   <ds:schemaRefs>
     <ds:schemaRef ds:uri="03ea1fd6-979a-463e-909e-bb2f2fdcfde5"/>
@@ -11950,14 +13757,6 @@
     <ds:schemaRef ds:uri="http://schemas.microsoft.com/office/infopath/2007/PartnerControls"/>
     <ds:schemaRef ds:uri="http://schemas.openxmlformats.org/package/2006/metadata/core-properties"/>
     <ds:schemaRef ds:uri="http://www.w3.org/2001/XMLSchema"/>
-  </ds:schemaRefs>
-</ds:datastoreItem>
-</file>
-
-<file path=customXml/itemProps2.xml><?xml version="1.0" encoding="utf-8"?>
-<ds:datastoreItem xmlns:ds="http://schemas.openxmlformats.org/officeDocument/2006/customXml" ds:itemID="{623DA2B7-AFC9-4922-AB39-D1CF35CA49CA}">
-  <ds:schemaRefs>
-    <ds:schemaRef ds:uri="http://schemas.microsoft.com/sharepoint/v3/contenttype/forms"/>
   </ds:schemaRefs>
 </ds:datastoreItem>
 </file>
